--- a/shimoyama/サンプル.pptx
+++ b/shimoyama/サンプル.pptx
@@ -2,7 +2,7 @@
 <file path=ppt/presentation.xml><?xml version="1.0" encoding="utf-8"?>
 <p:presentation xmlns:a="http://schemas.openxmlformats.org/drawingml/2006/main" xmlns:r="http://schemas.openxmlformats.org/officeDocument/2006/relationships" xmlns:p="http://schemas.openxmlformats.org/presentationml/2006/main" saveSubsetFonts="1">
   <p:sldMasterIdLst>
-    <p:sldMasterId id="2147483756" r:id="rId1"/>
+    <p:sldMasterId id="2147483786" r:id="rId1"/>
   </p:sldMasterIdLst>
   <p:notesMasterIdLst>
     <p:notesMasterId r:id="rId17"/>
@@ -121,6 +121,22 @@
       </a:defRPr>
     </a:lvl9pPr>
   </p:defaultTextStyle>
+  <p:extLst>
+    <p:ext uri="{EFAFB233-063F-42B5-8137-9DF3F51BA10A}">
+      <p15:sldGuideLst xmlns:p15="http://schemas.microsoft.com/office/powerpoint/2012/main">
+        <p15:guide id="1" orient="horz" pos="2160">
+          <p15:clr>
+            <a:srgbClr val="A4A3A4"/>
+          </p15:clr>
+        </p15:guide>
+        <p15:guide id="2" pos="2880">
+          <p15:clr>
+            <a:srgbClr val="A4A3A4"/>
+          </p15:clr>
+        </p15:guide>
+      </p15:sldGuideLst>
+    </p:ext>
+  </p:extLst>
 </p:presentation>
 </file>
 
@@ -206,7 +222,7 @@
           <a:p>
             <a:fld id="{FA011608-B1BF-444B-A7D6-51479C2B0F96}" type="datetimeFigureOut">
               <a:rPr kumimoji="1" lang="ja-JP" altLang="en-US" smtClean="0"/>
-              <a:t>2016/5/30</a:t>
+              <a:t>2017/10/30</a:t>
             </a:fld>
             <a:endParaRPr kumimoji="1" lang="ja-JP" altLang="en-US" dirty="0"/>
           </a:p>
@@ -525,565 +541,127 @@
       </p:grpSpPr>
       <p:sp>
         <p:nvSpPr>
-          <p:cNvPr id="23" name="正方形/長方形 22"/>
+          <p:cNvPr id="7" name="Rectangle 6"/>
           <p:cNvSpPr/>
           <p:nvPr/>
         </p:nvSpPr>
         <p:spPr>
-          <a:xfrm flipV="1">
-            <a:off x="5410182" y="3810000"/>
-            <a:ext cx="3733819" cy="91087"/>
+          <a:xfrm>
+            <a:off x="2382" y="6400800"/>
+            <a:ext cx="9141619" cy="457200"/>
           </a:xfrm>
           <a:prstGeom prst="rect">
             <a:avLst/>
           </a:prstGeom>
           <a:solidFill>
-            <a:schemeClr val="accent2">
-              <a:alpha val="100000"/>
-            </a:schemeClr>
+            <a:schemeClr val="accent2"/>
           </a:solidFill>
-          <a:ln w="50800" cap="rnd" cmpd="thickThin" algn="ctr">
+          <a:ln>
             <a:noFill/>
-            <a:prstDash val="solid"/>
           </a:ln>
-          <a:effectLst/>
         </p:spPr>
         <p:style>
-          <a:lnRef idx="3">
-            <a:schemeClr val="lt1"/>
+          <a:lnRef idx="2">
+            <a:schemeClr val="accent1">
+              <a:shade val="50000"/>
+            </a:schemeClr>
           </a:lnRef>
           <a:fillRef idx="1">
             <a:schemeClr val="accent1"/>
           </a:fillRef>
-          <a:effectRef idx="1">
+          <a:effectRef idx="0">
             <a:schemeClr val="accent1"/>
           </a:effectRef>
           <a:fontRef idx="minor">
             <a:schemeClr val="lt1"/>
           </a:fontRef>
         </p:style>
-        <p:txBody>
-          <a:bodyPr anchor="ctr"/>
-          <a:lstStyle/>
-          <a:p>
-            <a:pPr algn="ctr" eaLnBrk="1" latinLnBrk="0" hangingPunct="1"/>
-            <a:endParaRPr kumimoji="0" lang="en-US" dirty="0"/>
-          </a:p>
-        </p:txBody>
-      </p:sp>
-      <p:sp>
-        <p:nvSpPr>
-          <p:cNvPr id="24" name="正方形/長方形 23"/>
+      </p:sp>
+      <p:sp>
+        <p:nvSpPr>
+          <p:cNvPr id="8" name="Rectangle 7"/>
           <p:cNvSpPr/>
           <p:nvPr/>
         </p:nvSpPr>
         <p:spPr>
-          <a:xfrm flipV="1">
-            <a:off x="5410200" y="3897010"/>
-            <a:ext cx="3733801" cy="192024"/>
+          <a:xfrm>
+            <a:off x="12" y="6334316"/>
+            <a:ext cx="9141619" cy="64008"/>
           </a:xfrm>
           <a:prstGeom prst="rect">
             <a:avLst/>
           </a:prstGeom>
           <a:solidFill>
-            <a:schemeClr val="accent2">
-              <a:alpha val="50000"/>
-            </a:schemeClr>
+            <a:schemeClr val="accent1"/>
           </a:solidFill>
-          <a:ln w="50800" cap="rnd" cmpd="thickThin" algn="ctr">
+          <a:ln>
             <a:noFill/>
-            <a:prstDash val="solid"/>
           </a:ln>
-          <a:effectLst/>
         </p:spPr>
         <p:style>
-          <a:lnRef idx="3">
-            <a:schemeClr val="lt1"/>
+          <a:lnRef idx="2">
+            <a:schemeClr val="accent1">
+              <a:shade val="50000"/>
+            </a:schemeClr>
           </a:lnRef>
           <a:fillRef idx="1">
             <a:schemeClr val="accent1"/>
           </a:fillRef>
-          <a:effectRef idx="1">
+          <a:effectRef idx="0">
             <a:schemeClr val="accent1"/>
           </a:effectRef>
           <a:fontRef idx="minor">
             <a:schemeClr val="lt1"/>
           </a:fontRef>
         </p:style>
-        <p:txBody>
-          <a:bodyPr anchor="ctr"/>
-          <a:lstStyle/>
-          <a:p>
-            <a:pPr algn="ctr" eaLnBrk="1" latinLnBrk="0" hangingPunct="1"/>
-            <a:endParaRPr kumimoji="0" lang="en-US" dirty="0"/>
-          </a:p>
-        </p:txBody>
-      </p:sp>
-      <p:sp>
-        <p:nvSpPr>
-          <p:cNvPr id="25" name="正方形/長方形 24"/>
-          <p:cNvSpPr/>
-          <p:nvPr/>
-        </p:nvSpPr>
-        <p:spPr>
-          <a:xfrm flipV="1">
-            <a:off x="5410200" y="4115167"/>
-            <a:ext cx="3733801" cy="9144"/>
-          </a:xfrm>
-          <a:prstGeom prst="rect">
-            <a:avLst/>
-          </a:prstGeom>
-          <a:solidFill>
-            <a:schemeClr val="accent2">
-              <a:alpha val="65000"/>
-            </a:schemeClr>
-          </a:solidFill>
-          <a:ln w="50800" cap="rnd" cmpd="thickThin" algn="ctr">
-            <a:noFill/>
-            <a:prstDash val="solid"/>
-          </a:ln>
-          <a:effectLst/>
-        </p:spPr>
-        <p:style>
-          <a:lnRef idx="3">
-            <a:schemeClr val="lt1"/>
-          </a:lnRef>
-          <a:fillRef idx="1">
-            <a:schemeClr val="accent1"/>
-          </a:fillRef>
-          <a:effectRef idx="1">
-            <a:schemeClr val="accent1"/>
-          </a:effectRef>
-          <a:fontRef idx="minor">
-            <a:schemeClr val="lt1"/>
-          </a:fontRef>
-        </p:style>
-        <p:txBody>
-          <a:bodyPr anchor="ctr"/>
-          <a:lstStyle/>
-          <a:p>
-            <a:pPr algn="ctr" eaLnBrk="1" latinLnBrk="0" hangingPunct="1"/>
-            <a:endParaRPr kumimoji="0" lang="en-US" dirty="0"/>
-          </a:p>
-        </p:txBody>
-      </p:sp>
-      <p:sp>
-        <p:nvSpPr>
-          <p:cNvPr id="26" name="正方形/長方形 25"/>
-          <p:cNvSpPr/>
-          <p:nvPr/>
-        </p:nvSpPr>
-        <p:spPr>
-          <a:xfrm flipV="1">
-            <a:off x="5410200" y="4164403"/>
-            <a:ext cx="1965960" cy="18288"/>
-          </a:xfrm>
-          <a:prstGeom prst="rect">
-            <a:avLst/>
-          </a:prstGeom>
-          <a:solidFill>
-            <a:schemeClr val="accent2">
-              <a:alpha val="60000"/>
-            </a:schemeClr>
-          </a:solidFill>
-          <a:ln w="50800" cap="rnd" cmpd="thickThin" algn="ctr">
-            <a:noFill/>
-            <a:prstDash val="solid"/>
-          </a:ln>
-          <a:effectLst/>
-        </p:spPr>
-        <p:style>
-          <a:lnRef idx="3">
-            <a:schemeClr val="lt1"/>
-          </a:lnRef>
-          <a:fillRef idx="1">
-            <a:schemeClr val="accent1"/>
-          </a:fillRef>
-          <a:effectRef idx="1">
-            <a:schemeClr val="accent1"/>
-          </a:effectRef>
-          <a:fontRef idx="minor">
-            <a:schemeClr val="lt1"/>
-          </a:fontRef>
-        </p:style>
-        <p:txBody>
-          <a:bodyPr anchor="ctr"/>
-          <a:lstStyle/>
-          <a:p>
-            <a:pPr algn="ctr" eaLnBrk="1" latinLnBrk="0" hangingPunct="1"/>
-            <a:endParaRPr kumimoji="0" lang="en-US" dirty="0"/>
-          </a:p>
-        </p:txBody>
-      </p:sp>
-      <p:sp>
-        <p:nvSpPr>
-          <p:cNvPr id="27" name="正方形/長方形 26"/>
-          <p:cNvSpPr/>
-          <p:nvPr/>
-        </p:nvSpPr>
-        <p:spPr>
-          <a:xfrm flipV="1">
-            <a:off x="5410200" y="4199572"/>
-            <a:ext cx="1965960" cy="9144"/>
-          </a:xfrm>
-          <a:prstGeom prst="rect">
-            <a:avLst/>
-          </a:prstGeom>
-          <a:solidFill>
-            <a:schemeClr val="accent2">
-              <a:alpha val="65000"/>
-            </a:schemeClr>
-          </a:solidFill>
-          <a:ln w="50800" cap="rnd" cmpd="thickThin" algn="ctr">
-            <a:noFill/>
-            <a:prstDash val="solid"/>
-          </a:ln>
-          <a:effectLst/>
-        </p:spPr>
-        <p:style>
-          <a:lnRef idx="3">
-            <a:schemeClr val="lt1"/>
-          </a:lnRef>
-          <a:fillRef idx="1">
-            <a:schemeClr val="accent1"/>
-          </a:fillRef>
-          <a:effectRef idx="1">
-            <a:schemeClr val="accent1"/>
-          </a:effectRef>
-          <a:fontRef idx="minor">
-            <a:schemeClr val="lt1"/>
-          </a:fontRef>
-        </p:style>
-        <p:txBody>
-          <a:bodyPr anchor="ctr"/>
-          <a:lstStyle/>
-          <a:p>
-            <a:pPr algn="ctr" eaLnBrk="1" latinLnBrk="0" hangingPunct="1"/>
-            <a:endParaRPr kumimoji="0" lang="en-US" dirty="0"/>
-          </a:p>
-        </p:txBody>
-      </p:sp>
-      <p:sp useBgFill="1">
-        <p:nvSpPr>
-          <p:cNvPr id="30" name="角丸四角形 29"/>
-          <p:cNvSpPr/>
-          <p:nvPr/>
-        </p:nvSpPr>
-        <p:spPr bwMode="white">
-          <a:xfrm>
-            <a:off x="5410200" y="3962400"/>
-            <a:ext cx="3063240" cy="27432"/>
-          </a:xfrm>
-          <a:prstGeom prst="roundRect">
-            <a:avLst>
-              <a:gd name="adj" fmla="val 16667"/>
-            </a:avLst>
-          </a:prstGeom>
-          <a:ln w="50800" cap="rnd" cmpd="thickThin" algn="ctr">
-            <a:noFill/>
-            <a:prstDash val="solid"/>
-          </a:ln>
-          <a:effectLst/>
-        </p:spPr>
-        <p:style>
-          <a:lnRef idx="3">
-            <a:schemeClr val="lt1"/>
-          </a:lnRef>
-          <a:fillRef idx="1">
-            <a:schemeClr val="accent1"/>
-          </a:fillRef>
-          <a:effectRef idx="1">
-            <a:schemeClr val="accent1"/>
-          </a:effectRef>
-          <a:fontRef idx="minor">
-            <a:schemeClr val="lt1"/>
-          </a:fontRef>
-        </p:style>
-        <p:txBody>
-          <a:bodyPr anchor="ctr"/>
-          <a:lstStyle/>
-          <a:p>
-            <a:pPr algn="ctr" eaLnBrk="1" latinLnBrk="0" hangingPunct="1"/>
-            <a:endParaRPr kumimoji="0" lang="en-US" dirty="0"/>
-          </a:p>
-        </p:txBody>
-      </p:sp>
-      <p:sp useBgFill="1">
-        <p:nvSpPr>
-          <p:cNvPr id="31" name="角丸四角形 30"/>
-          <p:cNvSpPr/>
-          <p:nvPr/>
-        </p:nvSpPr>
-        <p:spPr bwMode="white">
-          <a:xfrm>
-            <a:off x="7376507" y="4060983"/>
-            <a:ext cx="1600200" cy="36576"/>
-          </a:xfrm>
-          <a:prstGeom prst="roundRect">
-            <a:avLst>
-              <a:gd name="adj" fmla="val 16667"/>
-            </a:avLst>
-          </a:prstGeom>
-          <a:ln w="50800" cap="rnd" cmpd="thickThin" algn="ctr">
-            <a:noFill/>
-            <a:prstDash val="solid"/>
-          </a:ln>
-          <a:effectLst/>
-        </p:spPr>
-        <p:style>
-          <a:lnRef idx="3">
-            <a:schemeClr val="lt1"/>
-          </a:lnRef>
-          <a:fillRef idx="1">
-            <a:schemeClr val="accent1"/>
-          </a:fillRef>
-          <a:effectRef idx="1">
-            <a:schemeClr val="accent1"/>
-          </a:effectRef>
-          <a:fontRef idx="minor">
-            <a:schemeClr val="lt1"/>
-          </a:fontRef>
-        </p:style>
-        <p:txBody>
-          <a:bodyPr anchor="ctr"/>
-          <a:lstStyle/>
-          <a:p>
-            <a:pPr algn="ctr" eaLnBrk="1" latinLnBrk="0" hangingPunct="1"/>
-            <a:endParaRPr kumimoji="0" lang="en-US" dirty="0"/>
-          </a:p>
-        </p:txBody>
-      </p:sp>
-      <p:sp>
-        <p:nvSpPr>
-          <p:cNvPr id="7" name="正方形/長方形 6"/>
-          <p:cNvSpPr/>
-          <p:nvPr/>
+      </p:sp>
+      <p:sp>
+        <p:nvSpPr>
+          <p:cNvPr id="2" name="Title 1"/>
+          <p:cNvSpPr>
+            <a:spLocks noGrp="1"/>
+          </p:cNvSpPr>
+          <p:nvPr>
+            <p:ph type="ctrTitle"/>
+          </p:nvPr>
         </p:nvSpPr>
         <p:spPr>
           <a:xfrm>
-            <a:off x="1" y="3649662"/>
-            <a:ext cx="9144000" cy="244170"/>
-          </a:xfrm>
-          <a:prstGeom prst="rect">
-            <a:avLst/>
-          </a:prstGeom>
-          <a:solidFill>
-            <a:schemeClr val="accent2">
-              <a:alpha val="50000"/>
-            </a:schemeClr>
-          </a:solidFill>
-          <a:ln w="50800" cap="rnd" cmpd="thickThin" algn="ctr">
-            <a:noFill/>
-            <a:prstDash val="solid"/>
-          </a:ln>
-          <a:effectLst/>
-        </p:spPr>
-        <p:style>
-          <a:lnRef idx="3">
-            <a:schemeClr val="lt1"/>
-          </a:lnRef>
-          <a:fillRef idx="1">
-            <a:schemeClr val="accent1"/>
-          </a:fillRef>
-          <a:effectRef idx="1">
-            <a:schemeClr val="accent1"/>
-          </a:effectRef>
-          <a:fontRef idx="minor">
-            <a:schemeClr val="lt1"/>
-          </a:fontRef>
-        </p:style>
-        <p:txBody>
-          <a:bodyPr anchor="ctr"/>
-          <a:lstStyle/>
-          <a:p>
-            <a:pPr algn="ctr" eaLnBrk="1" latinLnBrk="0" hangingPunct="1"/>
-            <a:endParaRPr kumimoji="0" lang="en-US" dirty="0"/>
-          </a:p>
-        </p:txBody>
-      </p:sp>
-      <p:sp>
-        <p:nvSpPr>
-          <p:cNvPr id="10" name="正方形/長方形 9"/>
-          <p:cNvSpPr/>
-          <p:nvPr/>
-        </p:nvSpPr>
-        <p:spPr>
-          <a:xfrm>
-            <a:off x="0" y="3675527"/>
-            <a:ext cx="9144001" cy="140677"/>
-          </a:xfrm>
-          <a:prstGeom prst="rect">
-            <a:avLst/>
-          </a:prstGeom>
-          <a:solidFill>
-            <a:schemeClr val="accent2">
-              <a:alpha val="100000"/>
-            </a:schemeClr>
-          </a:solidFill>
-          <a:ln w="50800" cap="rnd" cmpd="thickThin" algn="ctr">
-            <a:noFill/>
-            <a:prstDash val="solid"/>
-          </a:ln>
-          <a:effectLst/>
-        </p:spPr>
-        <p:style>
-          <a:lnRef idx="3">
-            <a:schemeClr val="lt1"/>
-          </a:lnRef>
-          <a:fillRef idx="1">
-            <a:schemeClr val="accent1"/>
-          </a:fillRef>
-          <a:effectRef idx="1">
-            <a:schemeClr val="accent1"/>
-          </a:effectRef>
-          <a:fontRef idx="minor">
-            <a:schemeClr val="lt1"/>
-          </a:fontRef>
-        </p:style>
-        <p:txBody>
-          <a:bodyPr anchor="ctr"/>
-          <a:lstStyle/>
-          <a:p>
-            <a:pPr algn="ctr" eaLnBrk="1" latinLnBrk="0" hangingPunct="1"/>
-            <a:endParaRPr kumimoji="0" lang="en-US" dirty="0"/>
-          </a:p>
-        </p:txBody>
-      </p:sp>
-      <p:sp>
-        <p:nvSpPr>
-          <p:cNvPr id="11" name="正方形/長方形 10"/>
-          <p:cNvSpPr/>
-          <p:nvPr/>
-        </p:nvSpPr>
-        <p:spPr>
-          <a:xfrm flipV="1">
-            <a:off x="6414051" y="3643090"/>
-            <a:ext cx="2729950" cy="248432"/>
-          </a:xfrm>
-          <a:prstGeom prst="rect">
-            <a:avLst/>
-          </a:prstGeom>
-          <a:solidFill>
-            <a:schemeClr val="accent2">
-              <a:alpha val="100000"/>
-            </a:schemeClr>
-          </a:solidFill>
-          <a:ln w="50800" cap="rnd" cmpd="thickThin" algn="ctr">
-            <a:noFill/>
-            <a:prstDash val="solid"/>
-          </a:ln>
-          <a:effectLst/>
-        </p:spPr>
-        <p:style>
-          <a:lnRef idx="3">
-            <a:schemeClr val="lt1"/>
-          </a:lnRef>
-          <a:fillRef idx="1">
-            <a:schemeClr val="accent1"/>
-          </a:fillRef>
-          <a:effectRef idx="1">
-            <a:schemeClr val="accent1"/>
-          </a:effectRef>
-          <a:fontRef idx="minor">
-            <a:schemeClr val="lt1"/>
-          </a:fontRef>
-        </p:style>
-        <p:txBody>
-          <a:bodyPr anchor="ctr"/>
-          <a:lstStyle/>
-          <a:p>
-            <a:pPr algn="ctr" eaLnBrk="1" latinLnBrk="0" hangingPunct="1"/>
-            <a:endParaRPr kumimoji="0" lang="en-US" dirty="0"/>
-          </a:p>
-        </p:txBody>
-      </p:sp>
-      <p:sp>
-        <p:nvSpPr>
-          <p:cNvPr id="19" name="正方形/長方形 18"/>
-          <p:cNvSpPr/>
-          <p:nvPr/>
-        </p:nvSpPr>
-        <p:spPr>
-          <a:xfrm>
-            <a:off x="0" y="0"/>
-            <a:ext cx="9144000" cy="3701700"/>
-          </a:xfrm>
-          <a:prstGeom prst="rect">
-            <a:avLst/>
-          </a:prstGeom>
-          <a:solidFill>
-            <a:schemeClr val="tx2">
-              <a:alpha val="100000"/>
-            </a:schemeClr>
-          </a:solidFill>
-          <a:ln w="50800" cap="rnd" cmpd="thickThin" algn="ctr">
-            <a:noFill/>
-            <a:prstDash val="solid"/>
-          </a:ln>
-          <a:effectLst/>
-        </p:spPr>
-        <p:style>
-          <a:lnRef idx="3">
-            <a:schemeClr val="lt1"/>
-          </a:lnRef>
-          <a:fillRef idx="1">
-            <a:schemeClr val="accent1"/>
-          </a:fillRef>
-          <a:effectRef idx="1">
-            <a:schemeClr val="accent1"/>
-          </a:effectRef>
-          <a:fontRef idx="minor">
-            <a:schemeClr val="lt1"/>
-          </a:fontRef>
-        </p:style>
-        <p:txBody>
-          <a:bodyPr anchor="ctr"/>
-          <a:lstStyle/>
-          <a:p>
-            <a:pPr algn="ctr" eaLnBrk="1" latinLnBrk="0" hangingPunct="1"/>
-            <a:endParaRPr kumimoji="0" lang="en-US" dirty="0"/>
-          </a:p>
-        </p:txBody>
-      </p:sp>
-      <p:sp>
-        <p:nvSpPr>
-          <p:cNvPr id="8" name="タイトル 7"/>
-          <p:cNvSpPr>
-            <a:spLocks noGrp="1"/>
-          </p:cNvSpPr>
-          <p:nvPr>
-            <p:ph type="ctrTitle"/>
-          </p:nvPr>
-        </p:nvSpPr>
-        <p:spPr>
-          <a:xfrm>
-            <a:off x="457200" y="2401887"/>
-            <a:ext cx="8458200" cy="1470025"/>
+            <a:off x="822960" y="758952"/>
+            <a:ext cx="7543800" cy="3566160"/>
           </a:xfrm>
         </p:spPr>
         <p:txBody>
-          <a:bodyPr anchor="b"/>
+          <a:bodyPr anchor="b">
+            <a:normAutofit/>
+          </a:bodyPr>
           <a:lstStyle>
-            <a:lvl1pPr>
-              <a:defRPr sz="4400">
+            <a:lvl1pPr algn="l">
+              <a:lnSpc>
+                <a:spcPct val="85000"/>
+              </a:lnSpc>
+              <a:defRPr sz="8000" spc="-50" baseline="0">
                 <a:solidFill>
-                  <a:schemeClr val="bg1"/>
+                  <a:schemeClr val="tx1">
+                    <a:lumMod val="85000"/>
+                    <a:lumOff val="15000"/>
+                  </a:schemeClr>
                 </a:solidFill>
               </a:defRPr>
             </a:lvl1pPr>
           </a:lstStyle>
           <a:p>
             <a:r>
-              <a:rPr kumimoji="0" lang="ja-JP" altLang="en-US" smtClean="0"/>
+              <a:rPr lang="ja-JP" altLang="en-US" smtClean="0"/>
               <a:t>マスター タイトルの書式設定</a:t>
             </a:r>
-            <a:endParaRPr kumimoji="0" lang="en-US"/>
-          </a:p>
-        </p:txBody>
-      </p:sp>
-      <p:sp>
-        <p:nvSpPr>
-          <p:cNvPr id="9" name="サブタイトル 8"/>
+            <a:endParaRPr lang="en-US" dirty="0"/>
+          </a:p>
+        </p:txBody>
+      </p:sp>
+      <p:sp>
+        <p:nvSpPr>
+          <p:cNvPr id="3" name="Subtitle 2"/>
           <p:cNvSpPr>
             <a:spLocks noGrp="1"/>
           </p:cNvSpPr>
@@ -1093,58 +671,69 @@
         </p:nvSpPr>
         <p:spPr>
           <a:xfrm>
-            <a:off x="457200" y="3899938"/>
-            <a:ext cx="4953000" cy="1752600"/>
+            <a:off x="825038" y="4455621"/>
+            <a:ext cx="7543800" cy="1143000"/>
           </a:xfrm>
         </p:spPr>
         <p:txBody>
-          <a:bodyPr/>
+          <a:bodyPr lIns="91440" rIns="91440">
+            <a:normAutofit/>
+          </a:bodyPr>
           <a:lstStyle>
-            <a:lvl1pPr marL="64008" indent="0" algn="l">
-              <a:buNone/>
-              <a:defRPr sz="2400">
+            <a:lvl1pPr marL="0" indent="0" algn="l">
+              <a:buNone/>
+              <a:defRPr sz="2400" cap="all" spc="200" baseline="0">
                 <a:solidFill>
                   <a:schemeClr val="tx2"/>
                 </a:solidFill>
+                <a:latin typeface="+mj-lt"/>
               </a:defRPr>
             </a:lvl1pPr>
             <a:lvl2pPr marL="457200" indent="0" algn="ctr">
               <a:buNone/>
+              <a:defRPr sz="2400"/>
             </a:lvl2pPr>
             <a:lvl3pPr marL="914400" indent="0" algn="ctr">
               <a:buNone/>
+              <a:defRPr sz="2400"/>
             </a:lvl3pPr>
             <a:lvl4pPr marL="1371600" indent="0" algn="ctr">
               <a:buNone/>
+              <a:defRPr sz="2000"/>
             </a:lvl4pPr>
             <a:lvl5pPr marL="1828800" indent="0" algn="ctr">
               <a:buNone/>
+              <a:defRPr sz="2000"/>
             </a:lvl5pPr>
             <a:lvl6pPr marL="2286000" indent="0" algn="ctr">
               <a:buNone/>
+              <a:defRPr sz="2000"/>
             </a:lvl6pPr>
             <a:lvl7pPr marL="2743200" indent="0" algn="ctr">
               <a:buNone/>
+              <a:defRPr sz="2000"/>
             </a:lvl7pPr>
             <a:lvl8pPr marL="3200400" indent="0" algn="ctr">
               <a:buNone/>
+              <a:defRPr sz="2000"/>
             </a:lvl8pPr>
             <a:lvl9pPr marL="3657600" indent="0" algn="ctr">
               <a:buNone/>
+              <a:defRPr sz="2000"/>
             </a:lvl9pPr>
           </a:lstStyle>
           <a:p>
             <a:r>
-              <a:rPr kumimoji="0" lang="ja-JP" altLang="en-US" smtClean="0"/>
+              <a:rPr lang="ja-JP" altLang="en-US" smtClean="0"/>
               <a:t>マスター サブタイトルの書式設定</a:t>
             </a:r>
-            <a:endParaRPr kumimoji="0" lang="en-US"/>
-          </a:p>
-        </p:txBody>
-      </p:sp>
-      <p:sp>
-        <p:nvSpPr>
-          <p:cNvPr id="28" name="日付プレースホルダー 27"/>
+            <a:endParaRPr lang="en-US" dirty="0"/>
+          </a:p>
+        </p:txBody>
+      </p:sp>
+      <p:sp>
+        <p:nvSpPr>
+          <p:cNvPr id="4" name="Date Placeholder 3"/>
           <p:cNvSpPr>
             <a:spLocks noGrp="1"/>
           </p:cNvSpPr>
@@ -1152,19 +741,14 @@
             <p:ph type="dt" sz="half" idx="10"/>
           </p:nvPr>
         </p:nvSpPr>
-        <p:spPr>
-          <a:xfrm>
-            <a:off x="6705600" y="4206240"/>
-            <a:ext cx="960120" cy="457200"/>
-          </a:xfrm>
-        </p:spPr>
+        <p:spPr/>
         <p:txBody>
           <a:bodyPr/>
           <a:lstStyle/>
           <a:p>
             <a:fld id="{5809B64C-90AE-46F4-867C-5C594C87C79F}" type="datetime1">
               <a:rPr kumimoji="1" lang="ja-JP" altLang="en-US" smtClean="0"/>
-              <a:t>2016/5/30</a:t>
+              <a:t>2017/10/30</a:t>
             </a:fld>
             <a:endParaRPr kumimoji="1" lang="ja-JP" altLang="en-US" dirty="0"/>
           </a:p>
@@ -1172,7 +756,7 @@
       </p:sp>
       <p:sp>
         <p:nvSpPr>
-          <p:cNvPr id="17" name="フッター プレースホルダー 16"/>
+          <p:cNvPr id="5" name="Footer Placeholder 4"/>
           <p:cNvSpPr>
             <a:spLocks noGrp="1"/>
           </p:cNvSpPr>
@@ -1180,12 +764,7 @@
             <p:ph type="ftr" sz="quarter" idx="11"/>
           </p:nvPr>
         </p:nvSpPr>
-        <p:spPr>
-          <a:xfrm>
-            <a:off x="5410200" y="4205288"/>
-            <a:ext cx="1295400" cy="457200"/>
-          </a:xfrm>
-        </p:spPr>
+        <p:spPr/>
         <p:txBody>
           <a:bodyPr/>
           <a:lstStyle/>
@@ -1196,7 +775,7 @@
       </p:sp>
       <p:sp>
         <p:nvSpPr>
-          <p:cNvPr id="29" name="スライド番号プレースホルダー 28"/>
+          <p:cNvPr id="6" name="Slide Number Placeholder 5"/>
           <p:cNvSpPr>
             <a:spLocks noGrp="1"/>
           </p:cNvSpPr>
@@ -1204,23 +783,10 @@
             <p:ph type="sldNum" sz="quarter" idx="12"/>
           </p:nvPr>
         </p:nvSpPr>
-        <p:spPr>
-          <a:xfrm>
-            <a:off x="8320088" y="1136"/>
-            <a:ext cx="747712" cy="365760"/>
-          </a:xfrm>
-        </p:spPr>
+        <p:spPr/>
         <p:txBody>
           <a:bodyPr/>
-          <a:lstStyle>
-            <a:lvl1pPr algn="r">
-              <a:defRPr sz="1800">
-                <a:solidFill>
-                  <a:schemeClr val="bg1"/>
-                </a:solidFill>
-              </a:defRPr>
-            </a:lvl1pPr>
-          </a:lstStyle>
+          <a:lstStyle/>
           <a:p>
             <a:fld id="{844D5AC9-94A7-43D1-943D-A48FDE10BE50}" type="slidenum">
               <a:rPr kumimoji="1" lang="ja-JP" altLang="en-US" smtClean="0"/>
@@ -1230,11 +796,61 @@
           </a:p>
         </p:txBody>
       </p:sp>
+      <p:cxnSp>
+        <p:nvCxnSpPr>
+          <p:cNvPr id="9" name="Straight Connector 8"/>
+          <p:cNvCxnSpPr/>
+          <p:nvPr/>
+        </p:nvCxnSpPr>
+        <p:spPr>
+          <a:xfrm>
+            <a:off x="905744" y="4343400"/>
+            <a:ext cx="7406640" cy="0"/>
+          </a:xfrm>
+          <a:prstGeom prst="line">
+            <a:avLst/>
+          </a:prstGeom>
+          <a:ln w="6350">
+            <a:solidFill>
+              <a:schemeClr val="tx1">
+                <a:lumMod val="50000"/>
+                <a:lumOff val="50000"/>
+              </a:schemeClr>
+            </a:solidFill>
+          </a:ln>
+        </p:spPr>
+        <p:style>
+          <a:lnRef idx="1">
+            <a:schemeClr val="accent1"/>
+          </a:lnRef>
+          <a:fillRef idx="0">
+            <a:schemeClr val="accent1"/>
+          </a:fillRef>
+          <a:effectRef idx="0">
+            <a:schemeClr val="accent1"/>
+          </a:effectRef>
+          <a:fontRef idx="minor">
+            <a:schemeClr val="tx1"/>
+          </a:fontRef>
+        </p:style>
+      </p:cxnSp>
     </p:spTree>
+    <p:extLst>
+      <p:ext uri="{BB962C8B-B14F-4D97-AF65-F5344CB8AC3E}">
+        <p14:creationId xmlns:p14="http://schemas.microsoft.com/office/powerpoint/2010/main" val="1368276826"/>
+      </p:ext>
+    </p:extLst>
   </p:cSld>
   <p:clrMapOvr>
     <a:masterClrMapping/>
   </p:clrMapOvr>
+  <p:timing>
+    <p:tnLst>
+      <p:par>
+        <p:cTn id="1" dur="indefinite" restart="never" nodeType="tmRoot"/>
+      </p:par>
+    </p:tnLst>
+  </p:timing>
 </p:sldLayout>
 </file>
 
@@ -1257,7 +873,7 @@
       </p:grpSpPr>
       <p:sp>
         <p:nvSpPr>
-          <p:cNvPr id="2" name="タイトル 1"/>
+          <p:cNvPr id="2" name="Title 1"/>
           <p:cNvSpPr>
             <a:spLocks noGrp="1"/>
           </p:cNvSpPr>
@@ -1271,16 +887,16 @@
           <a:lstStyle/>
           <a:p>
             <a:r>
-              <a:rPr kumimoji="0" lang="ja-JP" altLang="en-US" smtClean="0"/>
+              <a:rPr lang="ja-JP" altLang="en-US" smtClean="0"/>
               <a:t>マスター タイトルの書式設定</a:t>
             </a:r>
-            <a:endParaRPr kumimoji="0" lang="en-US"/>
-          </a:p>
-        </p:txBody>
-      </p:sp>
-      <p:sp>
-        <p:nvSpPr>
-          <p:cNvPr id="3" name="縦書きテキスト プレースホルダー 2"/>
+            <a:endParaRPr lang="en-US" dirty="0"/>
+          </a:p>
+        </p:txBody>
+      </p:sp>
+      <p:sp>
+        <p:nvSpPr>
+          <p:cNvPr id="3" name="Vertical Text Placeholder 2"/>
           <p:cNvSpPr>
             <a:spLocks noGrp="1"/>
           </p:cNvSpPr>
@@ -1290,17 +906,17 @@
         </p:nvSpPr>
         <p:spPr/>
         <p:txBody>
-          <a:bodyPr vert="eaVert"/>
-          <a:lstStyle/>
-          <a:p>
-            <a:pPr lvl="0" eaLnBrk="1" latinLnBrk="0" hangingPunct="1"/>
+          <a:bodyPr vert="eaVert" lIns="45720" tIns="0" rIns="45720" bIns="0"/>
+          <a:lstStyle/>
+          <a:p>
+            <a:pPr lvl="0"/>
             <a:r>
               <a:rPr lang="ja-JP" altLang="en-US" smtClean="0"/>
               <a:t>マスター テキストの書式設定</a:t>
             </a:r>
           </a:p>
           <a:p>
-            <a:pPr lvl="1" eaLnBrk="1" latinLnBrk="0" hangingPunct="1"/>
+            <a:pPr lvl="1"/>
             <a:r>
               <a:rPr lang="ja-JP" altLang="en-US" smtClean="0"/>
               <a:t>第 </a:t>
@@ -1315,7 +931,7 @@
             </a:r>
           </a:p>
           <a:p>
-            <a:pPr lvl="2" eaLnBrk="1" latinLnBrk="0" hangingPunct="1"/>
+            <a:pPr lvl="2"/>
             <a:r>
               <a:rPr lang="ja-JP" altLang="en-US" smtClean="0"/>
               <a:t>第 </a:t>
@@ -1330,7 +946,7 @@
             </a:r>
           </a:p>
           <a:p>
-            <a:pPr lvl="3" eaLnBrk="1" latinLnBrk="0" hangingPunct="1"/>
+            <a:pPr lvl="3"/>
             <a:r>
               <a:rPr lang="ja-JP" altLang="en-US" smtClean="0"/>
               <a:t>第 </a:t>
@@ -1345,7 +961,7 @@
             </a:r>
           </a:p>
           <a:p>
-            <a:pPr lvl="4" eaLnBrk="1" latinLnBrk="0" hangingPunct="1"/>
+            <a:pPr lvl="4"/>
             <a:r>
               <a:rPr lang="ja-JP" altLang="en-US" smtClean="0"/>
               <a:t>第 </a:t>
@@ -1358,13 +974,13 @@
               <a:rPr lang="ja-JP" altLang="en-US" smtClean="0"/>
               <a:t>レベル</a:t>
             </a:r>
-            <a:endParaRPr kumimoji="0" lang="en-US"/>
-          </a:p>
-        </p:txBody>
-      </p:sp>
-      <p:sp>
-        <p:nvSpPr>
-          <p:cNvPr id="4" name="日付プレースホルダー 3"/>
+            <a:endParaRPr lang="en-US" dirty="0"/>
+          </a:p>
+        </p:txBody>
+      </p:sp>
+      <p:sp>
+        <p:nvSpPr>
+          <p:cNvPr id="4" name="Date Placeholder 3"/>
           <p:cNvSpPr>
             <a:spLocks noGrp="1"/>
           </p:cNvSpPr>
@@ -1379,7 +995,7 @@
           <a:p>
             <a:fld id="{929D9CDF-37F2-4B07-8E5B-BDAA8DACCB86}" type="datetime1">
               <a:rPr kumimoji="1" lang="ja-JP" altLang="en-US" smtClean="0"/>
-              <a:t>2016/5/30</a:t>
+              <a:t>2017/10/30</a:t>
             </a:fld>
             <a:endParaRPr kumimoji="1" lang="ja-JP" altLang="en-US" dirty="0"/>
           </a:p>
@@ -1387,7 +1003,7 @@
       </p:sp>
       <p:sp>
         <p:nvSpPr>
-          <p:cNvPr id="5" name="フッター プレースホルダー 4"/>
+          <p:cNvPr id="5" name="Footer Placeholder 4"/>
           <p:cNvSpPr>
             <a:spLocks noGrp="1"/>
           </p:cNvSpPr>
@@ -1406,7 +1022,7 @@
       </p:sp>
       <p:sp>
         <p:nvSpPr>
-          <p:cNvPr id="6" name="スライド番号プレースホルダー 5"/>
+          <p:cNvPr id="6" name="Slide Number Placeholder 5"/>
           <p:cNvSpPr>
             <a:spLocks noGrp="1"/>
           </p:cNvSpPr>
@@ -1428,15 +1044,27 @@
         </p:txBody>
       </p:sp>
     </p:spTree>
+    <p:extLst>
+      <p:ext uri="{BB962C8B-B14F-4D97-AF65-F5344CB8AC3E}">
+        <p14:creationId xmlns:p14="http://schemas.microsoft.com/office/powerpoint/2010/main" val="3156157691"/>
+      </p:ext>
+    </p:extLst>
   </p:cSld>
   <p:clrMapOvr>
     <a:masterClrMapping/>
   </p:clrMapOvr>
+  <p:timing>
+    <p:tnLst>
+      <p:par>
+        <p:cTn id="1" dur="indefinite" restart="never" nodeType="tmRoot"/>
+      </p:par>
+    </p:tnLst>
+  </p:timing>
 </p:sldLayout>
 </file>
 
 <file path=ppt/slideLayouts/slideLayout11.xml><?xml version="1.0" encoding="utf-8"?>
-<p:sldLayout xmlns:a="http://schemas.openxmlformats.org/drawingml/2006/main" xmlns:r="http://schemas.openxmlformats.org/officeDocument/2006/relationships" xmlns:p="http://schemas.openxmlformats.org/presentationml/2006/main" type="vertTitleAndTx" preserve="1">
+<p:sldLayout xmlns:a="http://schemas.openxmlformats.org/drawingml/2006/main" xmlns:r="http://schemas.openxmlformats.org/officeDocument/2006/relationships" xmlns:p="http://schemas.openxmlformats.org/presentationml/2006/main" showMasterSp="0" type="vertTitleAndTx" preserve="1">
   <p:cSld name="縦書きタイトルと&#10;縦書きテキスト">
     <p:spTree>
       <p:nvGrpSpPr>
@@ -1454,18 +1082,94 @@
       </p:grpSpPr>
       <p:sp>
         <p:nvSpPr>
-          <p:cNvPr id="2" name="縦書きタイトル 1"/>
-          <p:cNvSpPr>
-            <a:spLocks noGrp="1"/>
-          </p:cNvSpPr>
-          <p:nvPr>
-            <p:ph type="title" orient="vert"/>
-          </p:nvPr>
+          <p:cNvPr id="7" name="Rectangle 6"/>
+          <p:cNvSpPr/>
+          <p:nvPr/>
         </p:nvSpPr>
         <p:spPr>
           <a:xfrm>
-            <a:off x="6781800" y="1143000"/>
-            <a:ext cx="1905000" cy="5486400"/>
+            <a:off x="2382" y="6400800"/>
+            <a:ext cx="9141619" cy="457200"/>
+          </a:xfrm>
+          <a:prstGeom prst="rect">
+            <a:avLst/>
+          </a:prstGeom>
+          <a:solidFill>
+            <a:schemeClr val="accent2"/>
+          </a:solidFill>
+          <a:ln>
+            <a:noFill/>
+          </a:ln>
+        </p:spPr>
+        <p:style>
+          <a:lnRef idx="2">
+            <a:schemeClr val="accent1">
+              <a:shade val="50000"/>
+            </a:schemeClr>
+          </a:lnRef>
+          <a:fillRef idx="1">
+            <a:schemeClr val="accent1"/>
+          </a:fillRef>
+          <a:effectRef idx="0">
+            <a:schemeClr val="accent1"/>
+          </a:effectRef>
+          <a:fontRef idx="minor">
+            <a:schemeClr val="lt1"/>
+          </a:fontRef>
+        </p:style>
+      </p:sp>
+      <p:sp>
+        <p:nvSpPr>
+          <p:cNvPr id="8" name="Rectangle 7"/>
+          <p:cNvSpPr/>
+          <p:nvPr/>
+        </p:nvSpPr>
+        <p:spPr>
+          <a:xfrm>
+            <a:off x="12" y="6334316"/>
+            <a:ext cx="9141619" cy="64008"/>
+          </a:xfrm>
+          <a:prstGeom prst="rect">
+            <a:avLst/>
+          </a:prstGeom>
+          <a:solidFill>
+            <a:schemeClr val="accent1"/>
+          </a:solidFill>
+          <a:ln>
+            <a:noFill/>
+          </a:ln>
+        </p:spPr>
+        <p:style>
+          <a:lnRef idx="2">
+            <a:schemeClr val="accent1">
+              <a:shade val="50000"/>
+            </a:schemeClr>
+          </a:lnRef>
+          <a:fillRef idx="1">
+            <a:schemeClr val="accent1"/>
+          </a:fillRef>
+          <a:effectRef idx="0">
+            <a:schemeClr val="accent1"/>
+          </a:effectRef>
+          <a:fontRef idx="minor">
+            <a:schemeClr val="lt1"/>
+          </a:fontRef>
+        </p:style>
+      </p:sp>
+      <p:sp>
+        <p:nvSpPr>
+          <p:cNvPr id="2" name="Vertical Title 1"/>
+          <p:cNvSpPr>
+            <a:spLocks noGrp="1"/>
+          </p:cNvSpPr>
+          <p:nvPr>
+            <p:ph type="title" orient="vert"/>
+          </p:nvPr>
+        </p:nvSpPr>
+        <p:spPr>
+          <a:xfrm>
+            <a:off x="6543675" y="414779"/>
+            <a:ext cx="1971675" cy="5757421"/>
           </a:xfrm>
         </p:spPr>
         <p:txBody>
@@ -1473,16 +1177,16 @@
           <a:lstStyle/>
           <a:p>
             <a:r>
-              <a:rPr kumimoji="0" lang="ja-JP" altLang="en-US" smtClean="0"/>
+              <a:rPr lang="ja-JP" altLang="en-US" smtClean="0"/>
               <a:t>マスター タイトルの書式設定</a:t>
             </a:r>
-            <a:endParaRPr kumimoji="0" lang="en-US"/>
-          </a:p>
-        </p:txBody>
-      </p:sp>
-      <p:sp>
-        <p:nvSpPr>
-          <p:cNvPr id="3" name="縦書きテキスト プレースホルダー 2"/>
+            <a:endParaRPr lang="en-US" dirty="0"/>
+          </a:p>
+        </p:txBody>
+      </p:sp>
+      <p:sp>
+        <p:nvSpPr>
+          <p:cNvPr id="3" name="Vertical Text Placeholder 2"/>
           <p:cNvSpPr>
             <a:spLocks noGrp="1"/>
           </p:cNvSpPr>
@@ -1492,22 +1196,22 @@
         </p:nvSpPr>
         <p:spPr>
           <a:xfrm>
-            <a:off x="457200" y="1143000"/>
-            <a:ext cx="6248400" cy="5486400"/>
+            <a:off x="628650" y="414779"/>
+            <a:ext cx="5800725" cy="5757420"/>
           </a:xfrm>
         </p:spPr>
         <p:txBody>
-          <a:bodyPr vert="eaVert"/>
-          <a:lstStyle/>
-          <a:p>
-            <a:pPr lvl="0" eaLnBrk="1" latinLnBrk="0" hangingPunct="1"/>
+          <a:bodyPr vert="eaVert" lIns="45720" tIns="0" rIns="45720" bIns="0"/>
+          <a:lstStyle/>
+          <a:p>
+            <a:pPr lvl="0"/>
             <a:r>
               <a:rPr lang="ja-JP" altLang="en-US" smtClean="0"/>
               <a:t>マスター テキストの書式設定</a:t>
             </a:r>
           </a:p>
           <a:p>
-            <a:pPr lvl="1" eaLnBrk="1" latinLnBrk="0" hangingPunct="1"/>
+            <a:pPr lvl="1"/>
             <a:r>
               <a:rPr lang="ja-JP" altLang="en-US" smtClean="0"/>
               <a:t>第 </a:t>
@@ -1522,7 +1226,7 @@
             </a:r>
           </a:p>
           <a:p>
-            <a:pPr lvl="2" eaLnBrk="1" latinLnBrk="0" hangingPunct="1"/>
+            <a:pPr lvl="2"/>
             <a:r>
               <a:rPr lang="ja-JP" altLang="en-US" smtClean="0"/>
               <a:t>第 </a:t>
@@ -1537,7 +1241,7 @@
             </a:r>
           </a:p>
           <a:p>
-            <a:pPr lvl="3" eaLnBrk="1" latinLnBrk="0" hangingPunct="1"/>
+            <a:pPr lvl="3"/>
             <a:r>
               <a:rPr lang="ja-JP" altLang="en-US" smtClean="0"/>
               <a:t>第 </a:t>
@@ -1552,7 +1256,7 @@
             </a:r>
           </a:p>
           <a:p>
-            <a:pPr lvl="4" eaLnBrk="1" latinLnBrk="0" hangingPunct="1"/>
+            <a:pPr lvl="4"/>
             <a:r>
               <a:rPr lang="ja-JP" altLang="en-US" smtClean="0"/>
               <a:t>第 </a:t>
@@ -1565,13 +1269,13 @@
               <a:rPr lang="ja-JP" altLang="en-US" smtClean="0"/>
               <a:t>レベル</a:t>
             </a:r>
-            <a:endParaRPr kumimoji="0" lang="en-US"/>
-          </a:p>
-        </p:txBody>
-      </p:sp>
-      <p:sp>
-        <p:nvSpPr>
-          <p:cNvPr id="4" name="日付プレースホルダー 3"/>
+            <a:endParaRPr lang="en-US" dirty="0"/>
+          </a:p>
+        </p:txBody>
+      </p:sp>
+      <p:sp>
+        <p:nvSpPr>
+          <p:cNvPr id="4" name="Date Placeholder 3"/>
           <p:cNvSpPr>
             <a:spLocks noGrp="1"/>
           </p:cNvSpPr>
@@ -1586,7 +1290,7 @@
           <a:p>
             <a:fld id="{7E0BF77C-5F0B-4EA6-B165-CE76D2BE4A86}" type="datetime1">
               <a:rPr kumimoji="1" lang="ja-JP" altLang="en-US" smtClean="0"/>
-              <a:t>2016/5/30</a:t>
+              <a:t>2017/10/30</a:t>
             </a:fld>
             <a:endParaRPr kumimoji="1" lang="ja-JP" altLang="en-US" dirty="0"/>
           </a:p>
@@ -1594,7 +1298,7 @@
       </p:sp>
       <p:sp>
         <p:nvSpPr>
-          <p:cNvPr id="5" name="フッター プレースホルダー 4"/>
+          <p:cNvPr id="5" name="Footer Placeholder 4"/>
           <p:cNvSpPr>
             <a:spLocks noGrp="1"/>
           </p:cNvSpPr>
@@ -1613,7 +1317,7 @@
       </p:sp>
       <p:sp>
         <p:nvSpPr>
-          <p:cNvPr id="6" name="スライド番号プレースホルダー 5"/>
+          <p:cNvPr id="6" name="Slide Number Placeholder 5"/>
           <p:cNvSpPr>
             <a:spLocks noGrp="1"/>
           </p:cNvSpPr>
@@ -1635,10 +1339,22 @@
         </p:txBody>
       </p:sp>
     </p:spTree>
+    <p:extLst>
+      <p:ext uri="{BB962C8B-B14F-4D97-AF65-F5344CB8AC3E}">
+        <p14:creationId xmlns:p14="http://schemas.microsoft.com/office/powerpoint/2010/main" val="550973141"/>
+      </p:ext>
+    </p:extLst>
   </p:cSld>
   <p:clrMapOvr>
     <a:masterClrMapping/>
   </p:clrMapOvr>
+  <p:timing>
+    <p:tnLst>
+      <p:par>
+        <p:cTn id="1" dur="indefinite" restart="never" nodeType="tmRoot"/>
+      </p:par>
+    </p:tnLst>
+  </p:timing>
 </p:sldLayout>
 </file>
 
@@ -1661,7 +1377,7 @@
       </p:grpSpPr>
       <p:sp>
         <p:nvSpPr>
-          <p:cNvPr id="2" name="タイトル 1"/>
+          <p:cNvPr id="2" name="Title 1"/>
           <p:cNvSpPr>
             <a:spLocks noGrp="1"/>
           </p:cNvSpPr>
@@ -1675,16 +1391,16 @@
           <a:lstStyle/>
           <a:p>
             <a:r>
-              <a:rPr kumimoji="0" lang="ja-JP" altLang="en-US" smtClean="0"/>
+              <a:rPr lang="ja-JP" altLang="en-US" smtClean="0"/>
               <a:t>マスター タイトルの書式設定</a:t>
             </a:r>
-            <a:endParaRPr kumimoji="0" lang="en-US"/>
-          </a:p>
-        </p:txBody>
-      </p:sp>
-      <p:sp>
-        <p:nvSpPr>
-          <p:cNvPr id="3" name="コンテンツ プレースホルダー 2"/>
+            <a:endParaRPr lang="en-US" dirty="0"/>
+          </a:p>
+        </p:txBody>
+      </p:sp>
+      <p:sp>
+        <p:nvSpPr>
+          <p:cNvPr id="3" name="Content Placeholder 2"/>
           <p:cNvSpPr>
             <a:spLocks noGrp="1"/>
           </p:cNvSpPr>
@@ -1697,14 +1413,14 @@
           <a:bodyPr/>
           <a:lstStyle/>
           <a:p>
-            <a:pPr lvl="0" eaLnBrk="1" latinLnBrk="0" hangingPunct="1"/>
+            <a:pPr lvl="0"/>
             <a:r>
               <a:rPr lang="ja-JP" altLang="en-US" smtClean="0"/>
               <a:t>マスター テキストの書式設定</a:t>
             </a:r>
           </a:p>
           <a:p>
-            <a:pPr lvl="1" eaLnBrk="1" latinLnBrk="0" hangingPunct="1"/>
+            <a:pPr lvl="1"/>
             <a:r>
               <a:rPr lang="ja-JP" altLang="en-US" smtClean="0"/>
               <a:t>第 </a:t>
@@ -1719,7 +1435,7 @@
             </a:r>
           </a:p>
           <a:p>
-            <a:pPr lvl="2" eaLnBrk="1" latinLnBrk="0" hangingPunct="1"/>
+            <a:pPr lvl="2"/>
             <a:r>
               <a:rPr lang="ja-JP" altLang="en-US" smtClean="0"/>
               <a:t>第 </a:t>
@@ -1734,7 +1450,7 @@
             </a:r>
           </a:p>
           <a:p>
-            <a:pPr lvl="3" eaLnBrk="1" latinLnBrk="0" hangingPunct="1"/>
+            <a:pPr lvl="3"/>
             <a:r>
               <a:rPr lang="ja-JP" altLang="en-US" smtClean="0"/>
               <a:t>第 </a:t>
@@ -1749,7 +1465,7 @@
             </a:r>
           </a:p>
           <a:p>
-            <a:pPr lvl="4" eaLnBrk="1" latinLnBrk="0" hangingPunct="1"/>
+            <a:pPr lvl="4"/>
             <a:r>
               <a:rPr lang="ja-JP" altLang="en-US" smtClean="0"/>
               <a:t>第 </a:t>
@@ -1762,13 +1478,13 @@
               <a:rPr lang="ja-JP" altLang="en-US" smtClean="0"/>
               <a:t>レベル</a:t>
             </a:r>
-            <a:endParaRPr kumimoji="0" lang="en-US"/>
-          </a:p>
-        </p:txBody>
-      </p:sp>
-      <p:sp>
-        <p:nvSpPr>
-          <p:cNvPr id="4" name="日付プレースホルダー 3"/>
+            <a:endParaRPr lang="en-US" dirty="0"/>
+          </a:p>
+        </p:txBody>
+      </p:sp>
+      <p:sp>
+        <p:nvSpPr>
+          <p:cNvPr id="4" name="Date Placeholder 3"/>
           <p:cNvSpPr>
             <a:spLocks noGrp="1"/>
           </p:cNvSpPr>
@@ -1783,7 +1499,7 @@
           <a:p>
             <a:fld id="{FAC069AA-DDE0-4F4C-836E-7AE611E3A200}" type="datetime1">
               <a:rPr kumimoji="1" lang="ja-JP" altLang="en-US" smtClean="0"/>
-              <a:t>2016/5/30</a:t>
+              <a:t>2017/10/30</a:t>
             </a:fld>
             <a:endParaRPr kumimoji="1" lang="ja-JP" altLang="en-US" dirty="0"/>
           </a:p>
@@ -1791,7 +1507,7 @@
       </p:sp>
       <p:sp>
         <p:nvSpPr>
-          <p:cNvPr id="5" name="フッター プレースホルダー 4"/>
+          <p:cNvPr id="5" name="Footer Placeholder 4"/>
           <p:cNvSpPr>
             <a:spLocks noGrp="1"/>
           </p:cNvSpPr>
@@ -1810,7 +1526,7 @@
       </p:sp>
       <p:sp>
         <p:nvSpPr>
-          <p:cNvPr id="6" name="スライド番号プレースホルダー 5"/>
+          <p:cNvPr id="6" name="Slide Number Placeholder 5"/>
           <p:cNvSpPr>
             <a:spLocks noGrp="1"/>
           </p:cNvSpPr>
@@ -1832,16 +1548,36 @@
         </p:txBody>
       </p:sp>
     </p:spTree>
+    <p:extLst>
+      <p:ext uri="{BB962C8B-B14F-4D97-AF65-F5344CB8AC3E}">
+        <p14:creationId xmlns:p14="http://schemas.microsoft.com/office/powerpoint/2010/main" val="942836909"/>
+      </p:ext>
+    </p:extLst>
   </p:cSld>
   <p:clrMapOvr>
     <a:masterClrMapping/>
   </p:clrMapOvr>
+  <p:timing>
+    <p:tnLst>
+      <p:par>
+        <p:cTn id="1" dur="indefinite" restart="never" nodeType="tmRoot"/>
+      </p:par>
+    </p:tnLst>
+  </p:timing>
 </p:sldLayout>
 </file>
 
 <file path=ppt/slideLayouts/slideLayout3.xml><?xml version="1.0" encoding="utf-8"?>
-<p:sldLayout xmlns:a="http://schemas.openxmlformats.org/drawingml/2006/main" xmlns:r="http://schemas.openxmlformats.org/officeDocument/2006/relationships" xmlns:p="http://schemas.openxmlformats.org/presentationml/2006/main" type="secHead" preserve="1">
+<p:sldLayout xmlns:a="http://schemas.openxmlformats.org/drawingml/2006/main" xmlns:r="http://schemas.openxmlformats.org/officeDocument/2006/relationships" xmlns:p="http://schemas.openxmlformats.org/presentationml/2006/main" showMasterSp="0" type="secHead" preserve="1">
   <p:cSld name="セクション見出し">
+    <p:bg>
+      <p:bgPr>
+        <a:solidFill>
+          <a:schemeClr val="bg1"/>
+        </a:solidFill>
+        <a:effectLst/>
+      </p:bgPr>
+    </p:bg>
     <p:spTree>
       <p:nvGrpSpPr>
         <p:cNvPr id="1" name=""/>
@@ -1858,61 +1594,127 @@
       </p:grpSpPr>
       <p:sp>
         <p:nvSpPr>
-          <p:cNvPr id="2" name="タイトル 1"/>
-          <p:cNvSpPr>
-            <a:spLocks noGrp="1"/>
-          </p:cNvSpPr>
-          <p:nvPr>
-            <p:ph type="title"/>
-          </p:nvPr>
+          <p:cNvPr id="7" name="Rectangle 6"/>
+          <p:cNvSpPr/>
+          <p:nvPr/>
         </p:nvSpPr>
         <p:spPr>
           <a:xfrm>
-            <a:off x="722313" y="1981200"/>
-            <a:ext cx="7772400" cy="1362075"/>
+            <a:off x="2382" y="6400800"/>
+            <a:ext cx="9141619" cy="457200"/>
+          </a:xfrm>
+          <a:prstGeom prst="rect">
+            <a:avLst/>
+          </a:prstGeom>
+          <a:solidFill>
+            <a:schemeClr val="accent2"/>
+          </a:solidFill>
+          <a:ln>
+            <a:noFill/>
+          </a:ln>
+        </p:spPr>
+        <p:style>
+          <a:lnRef idx="2">
+            <a:schemeClr val="accent1">
+              <a:shade val="50000"/>
+            </a:schemeClr>
+          </a:lnRef>
+          <a:fillRef idx="1">
+            <a:schemeClr val="accent1"/>
+          </a:fillRef>
+          <a:effectRef idx="0">
+            <a:schemeClr val="accent1"/>
+          </a:effectRef>
+          <a:fontRef idx="minor">
+            <a:schemeClr val="lt1"/>
+          </a:fontRef>
+        </p:style>
+      </p:sp>
+      <p:sp>
+        <p:nvSpPr>
+          <p:cNvPr id="8" name="Rectangle 7"/>
+          <p:cNvSpPr/>
+          <p:nvPr/>
+        </p:nvSpPr>
+        <p:spPr>
+          <a:xfrm>
+            <a:off x="12" y="6334316"/>
+            <a:ext cx="9141619" cy="64008"/>
+          </a:xfrm>
+          <a:prstGeom prst="rect">
+            <a:avLst/>
+          </a:prstGeom>
+          <a:solidFill>
+            <a:schemeClr val="accent1"/>
+          </a:solidFill>
+          <a:ln>
+            <a:noFill/>
+          </a:ln>
+        </p:spPr>
+        <p:style>
+          <a:lnRef idx="2">
+            <a:schemeClr val="accent1">
+              <a:shade val="50000"/>
+            </a:schemeClr>
+          </a:lnRef>
+          <a:fillRef idx="1">
+            <a:schemeClr val="accent1"/>
+          </a:fillRef>
+          <a:effectRef idx="0">
+            <a:schemeClr val="accent1"/>
+          </a:effectRef>
+          <a:fontRef idx="minor">
+            <a:schemeClr val="lt1"/>
+          </a:fontRef>
+        </p:style>
+      </p:sp>
+      <p:sp>
+        <p:nvSpPr>
+          <p:cNvPr id="2" name="Title 1"/>
+          <p:cNvSpPr>
+            <a:spLocks noGrp="1"/>
+          </p:cNvSpPr>
+          <p:nvPr>
+            <p:ph type="title"/>
+          </p:nvPr>
+        </p:nvSpPr>
+        <p:spPr>
+          <a:xfrm>
+            <a:off x="822960" y="758952"/>
+            <a:ext cx="7543800" cy="3566160"/>
           </a:xfrm>
         </p:spPr>
         <p:txBody>
-          <a:bodyPr anchor="b">
-            <a:noAutofit/>
+          <a:bodyPr anchor="b" anchorCtr="0">
+            <a:normAutofit/>
           </a:bodyPr>
           <a:lstStyle>
-            <a:lvl1pPr algn="l">
-              <a:buNone/>
-              <a:defRPr sz="4300" b="1" cap="none" baseline="0">
-                <a:ln w="12700">
-                  <a:solidFill>
-                    <a:schemeClr val="accent2">
-                      <a:shade val="90000"/>
-                      <a:satMod val="150000"/>
-                    </a:schemeClr>
-                  </a:solidFill>
-                </a:ln>
+            <a:lvl1pPr>
+              <a:lnSpc>
+                <a:spcPct val="85000"/>
+              </a:lnSpc>
+              <a:defRPr sz="8000" b="0">
                 <a:solidFill>
-                  <a:srgbClr val="FFFFFF"/>
+                  <a:schemeClr val="tx1">
+                    <a:lumMod val="85000"/>
+                    <a:lumOff val="15000"/>
+                  </a:schemeClr>
                 </a:solidFill>
-                <a:effectLst>
-                  <a:outerShdw blurRad="38100" dist="38100" dir="5400000" algn="tl" rotWithShape="0">
-                    <a:srgbClr val="000000">
-                      <a:alpha val="25000"/>
-                    </a:srgbClr>
-                  </a:outerShdw>
-                </a:effectLst>
               </a:defRPr>
             </a:lvl1pPr>
           </a:lstStyle>
           <a:p>
             <a:r>
-              <a:rPr kumimoji="0" lang="ja-JP" altLang="en-US" smtClean="0"/>
+              <a:rPr lang="ja-JP" altLang="en-US" smtClean="0"/>
               <a:t>マスター タイトルの書式設定</a:t>
             </a:r>
-            <a:endParaRPr kumimoji="0" lang="en-US"/>
-          </a:p>
-        </p:txBody>
-      </p:sp>
-      <p:sp>
-        <p:nvSpPr>
-          <p:cNvPr id="3" name="テキスト プレースホルダー 2"/>
+            <a:endParaRPr lang="en-US" dirty="0"/>
+          </a:p>
+        </p:txBody>
+      </p:sp>
+      <p:sp>
+        <p:nvSpPr>
+          <p:cNvPr id="3" name="Text Placeholder 2"/>
           <p:cNvSpPr>
             <a:spLocks noGrp="1"/>
           </p:cNvSpPr>
@@ -1922,22 +1724,25 @@
         </p:nvSpPr>
         <p:spPr>
           <a:xfrm>
-            <a:off x="722313" y="3367088"/>
-            <a:ext cx="7772400" cy="1509712"/>
+            <a:off x="822960" y="4453128"/>
+            <a:ext cx="7543800" cy="1143000"/>
           </a:xfrm>
         </p:spPr>
         <p:txBody>
-          <a:bodyPr anchor="t"/>
+          <a:bodyPr lIns="91440" rIns="91440" anchor="t" anchorCtr="0">
+            <a:normAutofit/>
+          </a:bodyPr>
           <a:lstStyle>
-            <a:lvl1pPr marL="45720" indent="0">
-              <a:buNone/>
-              <a:defRPr sz="2100" b="0">
+            <a:lvl1pPr marL="0" indent="0">
+              <a:buNone/>
+              <a:defRPr sz="2400" cap="all" spc="200" baseline="0">
                 <a:solidFill>
                   <a:schemeClr val="tx2"/>
                 </a:solidFill>
+                <a:latin typeface="+mj-lt"/>
               </a:defRPr>
             </a:lvl1pPr>
-            <a:lvl2pPr>
+            <a:lvl2pPr marL="457200" indent="0">
               <a:buNone/>
               <a:defRPr sz="1800">
                 <a:solidFill>
@@ -1947,7 +1752,7 @@
                 </a:solidFill>
               </a:defRPr>
             </a:lvl2pPr>
-            <a:lvl3pPr>
+            <a:lvl3pPr marL="914400" indent="0">
               <a:buNone/>
               <a:defRPr sz="1600">
                 <a:solidFill>
@@ -1957,7 +1762,7 @@
                 </a:solidFill>
               </a:defRPr>
             </a:lvl3pPr>
-            <a:lvl4pPr>
+            <a:lvl4pPr marL="1371600" indent="0">
               <a:buNone/>
               <a:defRPr sz="1400">
                 <a:solidFill>
@@ -1967,7 +1772,7 @@
                 </a:solidFill>
               </a:defRPr>
             </a:lvl4pPr>
-            <a:lvl5pPr>
+            <a:lvl5pPr marL="1828800" indent="0">
               <a:buNone/>
               <a:defRPr sz="1400">
                 <a:solidFill>
@@ -1977,11 +1782,51 @@
                 </a:solidFill>
               </a:defRPr>
             </a:lvl5pPr>
+            <a:lvl6pPr marL="2286000" indent="0">
+              <a:buNone/>
+              <a:defRPr sz="1400">
+                <a:solidFill>
+                  <a:schemeClr val="tx1">
+                    <a:tint val="75000"/>
+                  </a:schemeClr>
+                </a:solidFill>
+              </a:defRPr>
+            </a:lvl6pPr>
+            <a:lvl7pPr marL="2743200" indent="0">
+              <a:buNone/>
+              <a:defRPr sz="1400">
+                <a:solidFill>
+                  <a:schemeClr val="tx1">
+                    <a:tint val="75000"/>
+                  </a:schemeClr>
+                </a:solidFill>
+              </a:defRPr>
+            </a:lvl7pPr>
+            <a:lvl8pPr marL="3200400" indent="0">
+              <a:buNone/>
+              <a:defRPr sz="1400">
+                <a:solidFill>
+                  <a:schemeClr val="tx1">
+                    <a:tint val="75000"/>
+                  </a:schemeClr>
+                </a:solidFill>
+              </a:defRPr>
+            </a:lvl8pPr>
+            <a:lvl9pPr marL="3657600" indent="0">
+              <a:buNone/>
+              <a:defRPr sz="1400">
+                <a:solidFill>
+                  <a:schemeClr val="tx1">
+                    <a:tint val="75000"/>
+                  </a:schemeClr>
+                </a:solidFill>
+              </a:defRPr>
+            </a:lvl9pPr>
           </a:lstStyle>
           <a:p>
-            <a:pPr lvl="0" eaLnBrk="1" latinLnBrk="0" hangingPunct="1"/>
-            <a:r>
-              <a:rPr kumimoji="0" lang="ja-JP" altLang="en-US" smtClean="0"/>
+            <a:pPr lvl="0"/>
+            <a:r>
+              <a:rPr lang="ja-JP" altLang="en-US" smtClean="0"/>
               <a:t>マスター テキストの書式設定</a:t>
             </a:r>
           </a:p>
@@ -1989,7 +1834,7 @@
       </p:sp>
       <p:sp>
         <p:nvSpPr>
-          <p:cNvPr id="4" name="日付プレースホルダー 3"/>
+          <p:cNvPr id="4" name="Date Placeholder 3"/>
           <p:cNvSpPr>
             <a:spLocks noGrp="1"/>
           </p:cNvSpPr>
@@ -2004,7 +1849,7 @@
           <a:p>
             <a:fld id="{90250A22-07ED-41CA-821A-786448802249}" type="datetime1">
               <a:rPr kumimoji="1" lang="ja-JP" altLang="en-US" smtClean="0"/>
-              <a:t>2016/5/30</a:t>
+              <a:t>2017/10/30</a:t>
             </a:fld>
             <a:endParaRPr kumimoji="1" lang="ja-JP" altLang="en-US" dirty="0"/>
           </a:p>
@@ -2012,7 +1857,7 @@
       </p:sp>
       <p:sp>
         <p:nvSpPr>
-          <p:cNvPr id="5" name="フッター プレースホルダー 4"/>
+          <p:cNvPr id="5" name="Footer Placeholder 4"/>
           <p:cNvSpPr>
             <a:spLocks noGrp="1"/>
           </p:cNvSpPr>
@@ -2031,7 +1876,7 @@
       </p:sp>
       <p:sp>
         <p:nvSpPr>
-          <p:cNvPr id="6" name="スライド番号プレースホルダー 5"/>
+          <p:cNvPr id="6" name="Slide Number Placeholder 5"/>
           <p:cNvSpPr>
             <a:spLocks noGrp="1"/>
           </p:cNvSpPr>
@@ -2052,11 +1897,61 @@
           </a:p>
         </p:txBody>
       </p:sp>
+      <p:cxnSp>
+        <p:nvCxnSpPr>
+          <p:cNvPr id="9" name="Straight Connector 8"/>
+          <p:cNvCxnSpPr/>
+          <p:nvPr/>
+        </p:nvCxnSpPr>
+        <p:spPr>
+          <a:xfrm>
+            <a:off x="905744" y="4343400"/>
+            <a:ext cx="7406640" cy="0"/>
+          </a:xfrm>
+          <a:prstGeom prst="line">
+            <a:avLst/>
+          </a:prstGeom>
+          <a:ln w="6350">
+            <a:solidFill>
+              <a:schemeClr val="tx1">
+                <a:lumMod val="50000"/>
+                <a:lumOff val="50000"/>
+              </a:schemeClr>
+            </a:solidFill>
+          </a:ln>
+        </p:spPr>
+        <p:style>
+          <a:lnRef idx="1">
+            <a:schemeClr val="accent1"/>
+          </a:lnRef>
+          <a:fillRef idx="0">
+            <a:schemeClr val="accent1"/>
+          </a:fillRef>
+          <a:effectRef idx="0">
+            <a:schemeClr val="accent1"/>
+          </a:effectRef>
+          <a:fontRef idx="minor">
+            <a:schemeClr val="tx1"/>
+          </a:fontRef>
+        </p:style>
+      </p:cxnSp>
     </p:spTree>
+    <p:extLst>
+      <p:ext uri="{BB962C8B-B14F-4D97-AF65-F5344CB8AC3E}">
+        <p14:creationId xmlns:p14="http://schemas.microsoft.com/office/powerpoint/2010/main" val="623157203"/>
+      </p:ext>
+    </p:extLst>
   </p:cSld>
   <p:clrMapOvr>
     <a:masterClrMapping/>
   </p:clrMapOvr>
+  <p:timing>
+    <p:tnLst>
+      <p:par>
+        <p:cTn id="1" dur="indefinite" restart="never" nodeType="tmRoot"/>
+      </p:par>
+    </p:tnLst>
+  </p:timing>
 </p:sldLayout>
 </file>
 
@@ -2079,71 +1974,60 @@
       </p:grpSpPr>
       <p:sp>
         <p:nvSpPr>
-          <p:cNvPr id="2" name="タイトル 1"/>
+          <p:cNvPr id="8" name="Title 7"/>
           <p:cNvSpPr>
             <a:spLocks noGrp="1"/>
           </p:cNvSpPr>
           <p:nvPr>
             <p:ph type="title"/>
-          </p:nvPr>
-        </p:nvSpPr>
-        <p:spPr/>
-        <p:txBody>
-          <a:bodyPr/>
-          <a:lstStyle/>
-          <a:p>
-            <a:r>
-              <a:rPr kumimoji="0" lang="ja-JP" altLang="en-US" smtClean="0"/>
-              <a:t>マスター タイトルの書式設定</a:t>
-            </a:r>
-            <a:endParaRPr kumimoji="0" lang="en-US"/>
-          </a:p>
-        </p:txBody>
-      </p:sp>
-      <p:sp>
-        <p:nvSpPr>
-          <p:cNvPr id="3" name="コンテンツ プレースホルダー 2"/>
-          <p:cNvSpPr>
-            <a:spLocks noGrp="1"/>
-          </p:cNvSpPr>
-          <p:nvPr>
-            <p:ph sz="half" idx="1"/>
           </p:nvPr>
         </p:nvSpPr>
         <p:spPr>
           <a:xfrm>
-            <a:off x="457200" y="2249424"/>
-            <a:ext cx="4038600" cy="4525963"/>
+            <a:off x="822960" y="286604"/>
+            <a:ext cx="7543800" cy="1450757"/>
           </a:xfrm>
         </p:spPr>
         <p:txBody>
           <a:bodyPr/>
-          <a:lstStyle>
-            <a:lvl1pPr>
-              <a:defRPr sz="2000"/>
-            </a:lvl1pPr>
-            <a:lvl2pPr>
-              <a:defRPr sz="1900"/>
-            </a:lvl2pPr>
-            <a:lvl3pPr>
-              <a:defRPr sz="1800"/>
-            </a:lvl3pPr>
-            <a:lvl4pPr>
-              <a:defRPr sz="1800"/>
-            </a:lvl4pPr>
-            <a:lvl5pPr>
-              <a:defRPr sz="1800"/>
-            </a:lvl5pPr>
-          </a:lstStyle>
-          <a:p>
-            <a:pPr lvl="0" eaLnBrk="1" latinLnBrk="0" hangingPunct="1"/>
+          <a:lstStyle/>
+          <a:p>
+            <a:r>
+              <a:rPr lang="ja-JP" altLang="en-US" smtClean="0"/>
+              <a:t>マスター タイトルの書式設定</a:t>
+            </a:r>
+            <a:endParaRPr lang="en-US" dirty="0"/>
+          </a:p>
+        </p:txBody>
+      </p:sp>
+      <p:sp>
+        <p:nvSpPr>
+          <p:cNvPr id="3" name="Content Placeholder 2"/>
+          <p:cNvSpPr>
+            <a:spLocks noGrp="1"/>
+          </p:cNvSpPr>
+          <p:nvPr>
+            <p:ph sz="half" idx="1"/>
+          </p:nvPr>
+        </p:nvSpPr>
+        <p:spPr>
+          <a:xfrm>
+            <a:off x="822960" y="1845734"/>
+            <a:ext cx="3703320" cy="4023360"/>
+          </a:xfrm>
+        </p:spPr>
+        <p:txBody>
+          <a:bodyPr/>
+          <a:lstStyle/>
+          <a:p>
+            <a:pPr lvl="0"/>
             <a:r>
               <a:rPr lang="ja-JP" altLang="en-US" smtClean="0"/>
               <a:t>マスター テキストの書式設定</a:t>
             </a:r>
           </a:p>
           <a:p>
-            <a:pPr lvl="1" eaLnBrk="1" latinLnBrk="0" hangingPunct="1"/>
+            <a:pPr lvl="1"/>
             <a:r>
               <a:rPr lang="ja-JP" altLang="en-US" smtClean="0"/>
               <a:t>第 </a:t>
@@ -2158,7 +2042,7 @@
             </a:r>
           </a:p>
           <a:p>
-            <a:pPr lvl="2" eaLnBrk="1" latinLnBrk="0" hangingPunct="1"/>
+            <a:pPr lvl="2"/>
             <a:r>
               <a:rPr lang="ja-JP" altLang="en-US" smtClean="0"/>
               <a:t>第 </a:t>
@@ -2173,7 +2057,7 @@
             </a:r>
           </a:p>
           <a:p>
-            <a:pPr lvl="3" eaLnBrk="1" latinLnBrk="0" hangingPunct="1"/>
+            <a:pPr lvl="3"/>
             <a:r>
               <a:rPr lang="ja-JP" altLang="en-US" smtClean="0"/>
               <a:t>第 </a:t>
@@ -2188,7 +2072,7 @@
             </a:r>
           </a:p>
           <a:p>
-            <a:pPr lvl="4" eaLnBrk="1" latinLnBrk="0" hangingPunct="1"/>
+            <a:pPr lvl="4"/>
             <a:r>
               <a:rPr lang="ja-JP" altLang="en-US" smtClean="0"/>
               <a:t>第 </a:t>
@@ -2201,13 +2085,13 @@
               <a:rPr lang="ja-JP" altLang="en-US" smtClean="0"/>
               <a:t>レベル</a:t>
             </a:r>
-            <a:endParaRPr kumimoji="0" lang="en-US"/>
-          </a:p>
-        </p:txBody>
-      </p:sp>
-      <p:sp>
-        <p:nvSpPr>
-          <p:cNvPr id="4" name="コンテンツ プレースホルダー 3"/>
+            <a:endParaRPr lang="en-US" dirty="0"/>
+          </a:p>
+        </p:txBody>
+      </p:sp>
+      <p:sp>
+        <p:nvSpPr>
+          <p:cNvPr id="4" name="Content Placeholder 3"/>
           <p:cNvSpPr>
             <a:spLocks noGrp="1"/>
           </p:cNvSpPr>
@@ -2217,38 +2101,22 @@
         </p:nvSpPr>
         <p:spPr>
           <a:xfrm>
-            <a:off x="4648200" y="2249424"/>
-            <a:ext cx="4038600" cy="4525963"/>
+            <a:off x="4663440" y="1845736"/>
+            <a:ext cx="3703320" cy="4023359"/>
           </a:xfrm>
         </p:spPr>
         <p:txBody>
           <a:bodyPr/>
-          <a:lstStyle>
-            <a:lvl1pPr>
-              <a:defRPr sz="2000"/>
-            </a:lvl1pPr>
-            <a:lvl2pPr>
-              <a:defRPr sz="1900"/>
-            </a:lvl2pPr>
-            <a:lvl3pPr>
-              <a:defRPr sz="1800"/>
-            </a:lvl3pPr>
-            <a:lvl4pPr>
-              <a:defRPr sz="1800"/>
-            </a:lvl4pPr>
-            <a:lvl5pPr>
-              <a:defRPr sz="1800"/>
-            </a:lvl5pPr>
-          </a:lstStyle>
-          <a:p>
-            <a:pPr lvl="0" eaLnBrk="1" latinLnBrk="0" hangingPunct="1"/>
+          <a:lstStyle/>
+          <a:p>
+            <a:pPr lvl="0"/>
             <a:r>
               <a:rPr lang="ja-JP" altLang="en-US" smtClean="0"/>
               <a:t>マスター テキストの書式設定</a:t>
             </a:r>
           </a:p>
           <a:p>
-            <a:pPr lvl="1" eaLnBrk="1" latinLnBrk="0" hangingPunct="1"/>
+            <a:pPr lvl="1"/>
             <a:r>
               <a:rPr lang="ja-JP" altLang="en-US" smtClean="0"/>
               <a:t>第 </a:t>
@@ -2263,7 +2131,7 @@
             </a:r>
           </a:p>
           <a:p>
-            <a:pPr lvl="2" eaLnBrk="1" latinLnBrk="0" hangingPunct="1"/>
+            <a:pPr lvl="2"/>
             <a:r>
               <a:rPr lang="ja-JP" altLang="en-US" smtClean="0"/>
               <a:t>第 </a:t>
@@ -2278,7 +2146,7 @@
             </a:r>
           </a:p>
           <a:p>
-            <a:pPr lvl="3" eaLnBrk="1" latinLnBrk="0" hangingPunct="1"/>
+            <a:pPr lvl="3"/>
             <a:r>
               <a:rPr lang="ja-JP" altLang="en-US" smtClean="0"/>
               <a:t>第 </a:t>
@@ -2293,7 +2161,7 @@
             </a:r>
           </a:p>
           <a:p>
-            <a:pPr lvl="4" eaLnBrk="1" latinLnBrk="0" hangingPunct="1"/>
+            <a:pPr lvl="4"/>
             <a:r>
               <a:rPr lang="ja-JP" altLang="en-US" smtClean="0"/>
               <a:t>第 </a:t>
@@ -2306,13 +2174,13 @@
               <a:rPr lang="ja-JP" altLang="en-US" smtClean="0"/>
               <a:t>レベル</a:t>
             </a:r>
-            <a:endParaRPr kumimoji="0" lang="en-US"/>
-          </a:p>
-        </p:txBody>
-      </p:sp>
-      <p:sp>
-        <p:nvSpPr>
-          <p:cNvPr id="5" name="日付プレースホルダー 4"/>
+            <a:endParaRPr lang="en-US" dirty="0"/>
+          </a:p>
+        </p:txBody>
+      </p:sp>
+      <p:sp>
+        <p:nvSpPr>
+          <p:cNvPr id="5" name="Date Placeholder 4"/>
           <p:cNvSpPr>
             <a:spLocks noGrp="1"/>
           </p:cNvSpPr>
@@ -2327,7 +2195,7 @@
           <a:p>
             <a:fld id="{0A9BD107-5FFE-4AFB-A584-C5E7FBDA9DAA}" type="datetime1">
               <a:rPr kumimoji="1" lang="ja-JP" altLang="en-US" smtClean="0"/>
-              <a:t>2016/5/30</a:t>
+              <a:t>2017/10/30</a:t>
             </a:fld>
             <a:endParaRPr kumimoji="1" lang="ja-JP" altLang="en-US" dirty="0"/>
           </a:p>
@@ -2335,7 +2203,7 @@
       </p:sp>
       <p:sp>
         <p:nvSpPr>
-          <p:cNvPr id="6" name="フッター プレースホルダー 5"/>
+          <p:cNvPr id="6" name="Footer Placeholder 5"/>
           <p:cNvSpPr>
             <a:spLocks noGrp="1"/>
           </p:cNvSpPr>
@@ -2354,7 +2222,7 @@
       </p:sp>
       <p:sp>
         <p:nvSpPr>
-          <p:cNvPr id="7" name="スライド番号プレースホルダー 6"/>
+          <p:cNvPr id="7" name="Slide Number Placeholder 6"/>
           <p:cNvSpPr>
             <a:spLocks noGrp="1"/>
           </p:cNvSpPr>
@@ -2376,10 +2244,22 @@
         </p:txBody>
       </p:sp>
     </p:spTree>
+    <p:extLst>
+      <p:ext uri="{BB962C8B-B14F-4D97-AF65-F5344CB8AC3E}">
+        <p14:creationId xmlns:p14="http://schemas.microsoft.com/office/powerpoint/2010/main" val="1620342750"/>
+      </p:ext>
+    </p:extLst>
   </p:cSld>
   <p:clrMapOvr>
     <a:masterClrMapping/>
   </p:clrMapOvr>
+  <p:timing>
+    <p:tnLst>
+      <p:par>
+        <p:cTn id="1" dur="indefinite" restart="never" nodeType="tmRoot"/>
+      </p:par>
+    </p:tnLst>
+  </p:timing>
 </p:sldLayout>
 </file>
 
@@ -2402,7 +2282,7 @@
       </p:grpSpPr>
       <p:sp>
         <p:nvSpPr>
-          <p:cNvPr id="2" name="タイトル 1"/>
+          <p:cNvPr id="10" name="Title 9"/>
           <p:cNvSpPr>
             <a:spLocks noGrp="1"/>
           </p:cNvSpPr>
@@ -2412,29 +2292,25 @@
         </p:nvSpPr>
         <p:spPr>
           <a:xfrm>
-            <a:off x="381000" y="1143000"/>
-            <a:ext cx="8382000" cy="1069848"/>
+            <a:off x="822960" y="286604"/>
+            <a:ext cx="7543800" cy="1450757"/>
           </a:xfrm>
         </p:spPr>
         <p:txBody>
-          <a:bodyPr anchor="ctr"/>
-          <a:lstStyle>
-            <a:lvl1pPr>
-              <a:defRPr sz="4000" b="0" i="0" cap="none" baseline="0"/>
-            </a:lvl1pPr>
-          </a:lstStyle>
-          <a:p>
-            <a:r>
-              <a:rPr kumimoji="0" lang="ja-JP" altLang="en-US" smtClean="0"/>
+          <a:bodyPr/>
+          <a:lstStyle/>
+          <a:p>
+            <a:r>
+              <a:rPr lang="ja-JP" altLang="en-US" smtClean="0"/>
               <a:t>マスター タイトルの書式設定</a:t>
             </a:r>
-            <a:endParaRPr kumimoji="0" lang="en-US"/>
-          </a:p>
-        </p:txBody>
-      </p:sp>
-      <p:sp>
-        <p:nvSpPr>
-          <p:cNvPr id="3" name="テキスト プレースホルダー 2"/>
+            <a:endParaRPr lang="en-US" dirty="0"/>
+          </a:p>
+        </p:txBody>
+      </p:sp>
+      <p:sp>
+        <p:nvSpPr>
+          <p:cNvPr id="3" name="Text Placeholder 2"/>
           <p:cNvSpPr>
             <a:spLocks noGrp="1"/>
           </p:cNvSpPr>
@@ -2444,57 +2320,60 @@
         </p:nvSpPr>
         <p:spPr>
           <a:xfrm>
-            <a:off x="381000" y="2244970"/>
-            <a:ext cx="4041648" cy="457200"/>
+            <a:off x="822960" y="1846052"/>
+            <a:ext cx="3703320" cy="736282"/>
           </a:xfrm>
-          <a:solidFill>
-            <a:schemeClr val="accent2">
-              <a:satMod val="150000"/>
-              <a:alpha val="25000"/>
-            </a:schemeClr>
-          </a:solidFill>
-          <a:ln w="12700">
-            <a:solidFill>
-              <a:schemeClr val="accent2"/>
-            </a:solidFill>
-          </a:ln>
         </p:spPr>
         <p:txBody>
-          <a:bodyPr anchor="ctr">
-            <a:noAutofit/>
+          <a:bodyPr lIns="91440" rIns="91440" anchor="ctr">
+            <a:normAutofit/>
           </a:bodyPr>
           <a:lstStyle>
-            <a:lvl1pPr marL="45720" indent="0">
-              <a:buNone/>
-              <a:defRPr sz="1900" b="1">
+            <a:lvl1pPr marL="0" indent="0">
+              <a:buNone/>
+              <a:defRPr sz="2000" b="0" cap="all" baseline="0">
                 <a:solidFill>
-                  <a:schemeClr val="tx1">
-                    <a:tint val="95000"/>
-                  </a:schemeClr>
+                  <a:schemeClr val="tx2"/>
                 </a:solidFill>
               </a:defRPr>
             </a:lvl1pPr>
-            <a:lvl2pPr>
+            <a:lvl2pPr marL="457200" indent="0">
               <a:buNone/>
               <a:defRPr sz="2000" b="1"/>
             </a:lvl2pPr>
-            <a:lvl3pPr>
+            <a:lvl3pPr marL="914400" indent="0">
               <a:buNone/>
               <a:defRPr sz="1800" b="1"/>
             </a:lvl3pPr>
-            <a:lvl4pPr>
+            <a:lvl4pPr marL="1371600" indent="0">
               <a:buNone/>
               <a:defRPr sz="1600" b="1"/>
             </a:lvl4pPr>
-            <a:lvl5pPr>
+            <a:lvl5pPr marL="1828800" indent="0">
               <a:buNone/>
               <a:defRPr sz="1600" b="1"/>
             </a:lvl5pPr>
+            <a:lvl6pPr marL="2286000" indent="0">
+              <a:buNone/>
+              <a:defRPr sz="1600" b="1"/>
+            </a:lvl6pPr>
+            <a:lvl7pPr marL="2743200" indent="0">
+              <a:buNone/>
+              <a:defRPr sz="1600" b="1"/>
+            </a:lvl7pPr>
+            <a:lvl8pPr marL="3200400" indent="0">
+              <a:buNone/>
+              <a:defRPr sz="1600" b="1"/>
+            </a:lvl8pPr>
+            <a:lvl9pPr marL="3657600" indent="0">
+              <a:buNone/>
+              <a:defRPr sz="1600" b="1"/>
+            </a:lvl9pPr>
           </a:lstStyle>
           <a:p>
-            <a:pPr lvl="0" eaLnBrk="1" latinLnBrk="0" hangingPunct="1"/>
-            <a:r>
-              <a:rPr kumimoji="0" lang="ja-JP" altLang="en-US" smtClean="0"/>
+            <a:pPr lvl="0"/>
+            <a:r>
+              <a:rPr lang="ja-JP" altLang="en-US" smtClean="0"/>
               <a:t>マスター テキストの書式設定</a:t>
             </a:r>
           </a:p>
@@ -2502,67 +2381,159 @@
       </p:sp>
       <p:sp>
         <p:nvSpPr>
-          <p:cNvPr id="4" name="テキスト プレースホルダー 3"/>
-          <p:cNvSpPr>
-            <a:spLocks noGrp="1"/>
-          </p:cNvSpPr>
-          <p:nvPr>
-            <p:ph type="body" sz="half" idx="3"/>
+          <p:cNvPr id="4" name="Content Placeholder 3"/>
+          <p:cNvSpPr>
+            <a:spLocks noGrp="1"/>
+          </p:cNvSpPr>
+          <p:nvPr>
+            <p:ph sz="half" idx="2"/>
           </p:nvPr>
         </p:nvSpPr>
         <p:spPr>
           <a:xfrm>
-            <a:off x="4721225" y="2244970"/>
-            <a:ext cx="4041775" cy="457200"/>
+            <a:off x="822960" y="2582334"/>
+            <a:ext cx="3703320" cy="3286760"/>
           </a:xfrm>
-          <a:solidFill>
-            <a:schemeClr val="accent2">
-              <a:satMod val="150000"/>
-              <a:alpha val="25000"/>
-            </a:schemeClr>
-          </a:solidFill>
-          <a:ln w="12700">
-            <a:solidFill>
-              <a:schemeClr val="accent2"/>
-            </a:solidFill>
-          </a:ln>
         </p:spPr>
         <p:txBody>
-          <a:bodyPr anchor="ctr">
-            <a:noAutofit/>
+          <a:bodyPr/>
+          <a:lstStyle/>
+          <a:p>
+            <a:pPr lvl="0"/>
+            <a:r>
+              <a:rPr lang="ja-JP" altLang="en-US" smtClean="0"/>
+              <a:t>マスター テキストの書式設定</a:t>
+            </a:r>
+          </a:p>
+          <a:p>
+            <a:pPr lvl="1"/>
+            <a:r>
+              <a:rPr lang="ja-JP" altLang="en-US" smtClean="0"/>
+              <a:t>第 </a:t>
+            </a:r>
+            <a:r>
+              <a:rPr lang="en-US" altLang="ja-JP" smtClean="0"/>
+              <a:t>2 </a:t>
+            </a:r>
+            <a:r>
+              <a:rPr lang="ja-JP" altLang="en-US" smtClean="0"/>
+              <a:t>レベル</a:t>
+            </a:r>
+          </a:p>
+          <a:p>
+            <a:pPr lvl="2"/>
+            <a:r>
+              <a:rPr lang="ja-JP" altLang="en-US" smtClean="0"/>
+              <a:t>第 </a:t>
+            </a:r>
+            <a:r>
+              <a:rPr lang="en-US" altLang="ja-JP" smtClean="0"/>
+              <a:t>3 </a:t>
+            </a:r>
+            <a:r>
+              <a:rPr lang="ja-JP" altLang="en-US" smtClean="0"/>
+              <a:t>レベル</a:t>
+            </a:r>
+          </a:p>
+          <a:p>
+            <a:pPr lvl="3"/>
+            <a:r>
+              <a:rPr lang="ja-JP" altLang="en-US" smtClean="0"/>
+              <a:t>第 </a:t>
+            </a:r>
+            <a:r>
+              <a:rPr lang="en-US" altLang="ja-JP" smtClean="0"/>
+              <a:t>4 </a:t>
+            </a:r>
+            <a:r>
+              <a:rPr lang="ja-JP" altLang="en-US" smtClean="0"/>
+              <a:t>レベル</a:t>
+            </a:r>
+          </a:p>
+          <a:p>
+            <a:pPr lvl="4"/>
+            <a:r>
+              <a:rPr lang="ja-JP" altLang="en-US" smtClean="0"/>
+              <a:t>第 </a:t>
+            </a:r>
+            <a:r>
+              <a:rPr lang="en-US" altLang="ja-JP" smtClean="0"/>
+              <a:t>5 </a:t>
+            </a:r>
+            <a:r>
+              <a:rPr lang="ja-JP" altLang="en-US" smtClean="0"/>
+              <a:t>レベル</a:t>
+            </a:r>
+            <a:endParaRPr lang="en-US" dirty="0"/>
+          </a:p>
+        </p:txBody>
+      </p:sp>
+      <p:sp>
+        <p:nvSpPr>
+          <p:cNvPr id="5" name="Text Placeholder 4"/>
+          <p:cNvSpPr>
+            <a:spLocks noGrp="1"/>
+          </p:cNvSpPr>
+          <p:nvPr>
+            <p:ph type="body" sz="quarter" idx="3"/>
+          </p:nvPr>
+        </p:nvSpPr>
+        <p:spPr>
+          <a:xfrm>
+            <a:off x="4663440" y="1846052"/>
+            <a:ext cx="3703320" cy="736282"/>
+          </a:xfrm>
+        </p:spPr>
+        <p:txBody>
+          <a:bodyPr lIns="91440" rIns="91440" anchor="ctr">
+            <a:normAutofit/>
           </a:bodyPr>
           <a:lstStyle>
-            <a:lvl1pPr marL="45720" indent="0">
-              <a:buNone/>
-              <a:defRPr sz="1900" b="1">
+            <a:lvl1pPr marL="0" indent="0">
+              <a:buNone/>
+              <a:defRPr sz="2000" b="0" cap="all" baseline="0">
                 <a:solidFill>
-                  <a:schemeClr val="tx1">
-                    <a:tint val="95000"/>
-                  </a:schemeClr>
+                  <a:schemeClr val="tx2"/>
                 </a:solidFill>
               </a:defRPr>
             </a:lvl1pPr>
-            <a:lvl2pPr>
+            <a:lvl2pPr marL="457200" indent="0">
               <a:buNone/>
               <a:defRPr sz="2000" b="1"/>
             </a:lvl2pPr>
-            <a:lvl3pPr>
+            <a:lvl3pPr marL="914400" indent="0">
               <a:buNone/>
               <a:defRPr sz="1800" b="1"/>
             </a:lvl3pPr>
-            <a:lvl4pPr>
+            <a:lvl4pPr marL="1371600" indent="0">
               <a:buNone/>
               <a:defRPr sz="1600" b="1"/>
             </a:lvl4pPr>
-            <a:lvl5pPr>
+            <a:lvl5pPr marL="1828800" indent="0">
               <a:buNone/>
               <a:defRPr sz="1600" b="1"/>
             </a:lvl5pPr>
+            <a:lvl6pPr marL="2286000" indent="0">
+              <a:buNone/>
+              <a:defRPr sz="1600" b="1"/>
+            </a:lvl6pPr>
+            <a:lvl7pPr marL="2743200" indent="0">
+              <a:buNone/>
+              <a:defRPr sz="1600" b="1"/>
+            </a:lvl7pPr>
+            <a:lvl8pPr marL="3200400" indent="0">
+              <a:buNone/>
+              <a:defRPr sz="1600" b="1"/>
+            </a:lvl8pPr>
+            <a:lvl9pPr marL="3657600" indent="0">
+              <a:buNone/>
+              <a:defRPr sz="1600" b="1"/>
+            </a:lvl9pPr>
           </a:lstStyle>
           <a:p>
-            <a:pPr lvl="0" eaLnBrk="1" latinLnBrk="0" hangingPunct="1"/>
-            <a:r>
-              <a:rPr kumimoji="0" lang="ja-JP" altLang="en-US" smtClean="0"/>
+            <a:pPr lvl="0"/>
+            <a:r>
+              <a:rPr lang="ja-JP" altLang="en-US" smtClean="0"/>
               <a:t>マスター テキストの書式設定</a:t>
             </a:r>
           </a:p>
@@ -2570,48 +2541,32 @@
       </p:sp>
       <p:sp>
         <p:nvSpPr>
-          <p:cNvPr id="5" name="コンテンツ プレースホルダー 4"/>
-          <p:cNvSpPr>
-            <a:spLocks noGrp="1"/>
-          </p:cNvSpPr>
-          <p:nvPr>
-            <p:ph sz="quarter" idx="2"/>
+          <p:cNvPr id="6" name="Content Placeholder 5"/>
+          <p:cNvSpPr>
+            <a:spLocks noGrp="1"/>
+          </p:cNvSpPr>
+          <p:nvPr>
+            <p:ph sz="quarter" idx="4"/>
           </p:nvPr>
         </p:nvSpPr>
         <p:spPr>
           <a:xfrm>
-            <a:off x="381000" y="2708519"/>
-            <a:ext cx="4041648" cy="3886200"/>
+            <a:off x="4663440" y="2582334"/>
+            <a:ext cx="3703320" cy="3286760"/>
           </a:xfrm>
         </p:spPr>
         <p:txBody>
           <a:bodyPr/>
-          <a:lstStyle>
-            <a:lvl1pPr>
-              <a:defRPr sz="2000"/>
-            </a:lvl1pPr>
-            <a:lvl2pPr>
-              <a:defRPr sz="2000"/>
-            </a:lvl2pPr>
-            <a:lvl3pPr>
-              <a:defRPr sz="1800"/>
-            </a:lvl3pPr>
-            <a:lvl4pPr>
-              <a:defRPr sz="1600"/>
-            </a:lvl4pPr>
-            <a:lvl5pPr>
-              <a:defRPr sz="1600"/>
-            </a:lvl5pPr>
-          </a:lstStyle>
-          <a:p>
-            <a:pPr lvl="0" eaLnBrk="1" latinLnBrk="0" hangingPunct="1"/>
+          <a:lstStyle/>
+          <a:p>
+            <a:pPr lvl="0"/>
             <a:r>
               <a:rPr lang="ja-JP" altLang="en-US" smtClean="0"/>
               <a:t>マスター テキストの書式設定</a:t>
             </a:r>
           </a:p>
           <a:p>
-            <a:pPr lvl="1" eaLnBrk="1" latinLnBrk="0" hangingPunct="1"/>
+            <a:pPr lvl="1"/>
             <a:r>
               <a:rPr lang="ja-JP" altLang="en-US" smtClean="0"/>
               <a:t>第 </a:t>
@@ -2626,7 +2581,7 @@
             </a:r>
           </a:p>
           <a:p>
-            <a:pPr lvl="2" eaLnBrk="1" latinLnBrk="0" hangingPunct="1"/>
+            <a:pPr lvl="2"/>
             <a:r>
               <a:rPr lang="ja-JP" altLang="en-US" smtClean="0"/>
               <a:t>第 </a:t>
@@ -2641,7 +2596,7 @@
             </a:r>
           </a:p>
           <a:p>
-            <a:pPr lvl="3" eaLnBrk="1" latinLnBrk="0" hangingPunct="1"/>
+            <a:pPr lvl="3"/>
             <a:r>
               <a:rPr lang="ja-JP" altLang="en-US" smtClean="0"/>
               <a:t>第 </a:t>
@@ -2656,7 +2611,7 @@
             </a:r>
           </a:p>
           <a:p>
-            <a:pPr lvl="4" eaLnBrk="1" latinLnBrk="0" hangingPunct="1"/>
+            <a:pPr lvl="4"/>
             <a:r>
               <a:rPr lang="ja-JP" altLang="en-US" smtClean="0"/>
               <a:t>第 </a:t>
@@ -2669,133 +2624,28 @@
               <a:rPr lang="ja-JP" altLang="en-US" smtClean="0"/>
               <a:t>レベル</a:t>
             </a:r>
-            <a:endParaRPr kumimoji="0" lang="en-US"/>
-          </a:p>
-        </p:txBody>
-      </p:sp>
-      <p:sp>
-        <p:nvSpPr>
-          <p:cNvPr id="6" name="コンテンツ プレースホルダー 5"/>
-          <p:cNvSpPr>
-            <a:spLocks noGrp="1"/>
-          </p:cNvSpPr>
-          <p:nvPr>
-            <p:ph sz="quarter" idx="4"/>
-          </p:nvPr>
-        </p:nvSpPr>
-        <p:spPr>
-          <a:xfrm>
-            <a:off x="4718304" y="2708519"/>
-            <a:ext cx="4041775" cy="3886200"/>
-          </a:xfrm>
-        </p:spPr>
+            <a:endParaRPr lang="en-US" dirty="0"/>
+          </a:p>
+        </p:txBody>
+      </p:sp>
+      <p:sp>
+        <p:nvSpPr>
+          <p:cNvPr id="7" name="Date Placeholder 6"/>
+          <p:cNvSpPr>
+            <a:spLocks noGrp="1"/>
+          </p:cNvSpPr>
+          <p:nvPr>
+            <p:ph type="dt" sz="half" idx="10"/>
+          </p:nvPr>
+        </p:nvSpPr>
+        <p:spPr/>
         <p:txBody>
           <a:bodyPr/>
-          <a:lstStyle>
-            <a:lvl1pPr>
-              <a:defRPr sz="2000"/>
-            </a:lvl1pPr>
-            <a:lvl2pPr>
-              <a:defRPr sz="2000"/>
-            </a:lvl2pPr>
-            <a:lvl3pPr>
-              <a:defRPr sz="1800"/>
-            </a:lvl3pPr>
-            <a:lvl4pPr>
-              <a:defRPr sz="1600"/>
-            </a:lvl4pPr>
-            <a:lvl5pPr>
-              <a:defRPr sz="1600"/>
-            </a:lvl5pPr>
-          </a:lstStyle>
-          <a:p>
-            <a:pPr lvl="0" eaLnBrk="1" latinLnBrk="0" hangingPunct="1"/>
-            <a:r>
-              <a:rPr lang="ja-JP" altLang="en-US" smtClean="0"/>
-              <a:t>マスター テキストの書式設定</a:t>
-            </a:r>
-          </a:p>
-          <a:p>
-            <a:pPr lvl="1" eaLnBrk="1" latinLnBrk="0" hangingPunct="1"/>
-            <a:r>
-              <a:rPr lang="ja-JP" altLang="en-US" smtClean="0"/>
-              <a:t>第 </a:t>
-            </a:r>
-            <a:r>
-              <a:rPr lang="en-US" altLang="ja-JP" smtClean="0"/>
-              <a:t>2 </a:t>
-            </a:r>
-            <a:r>
-              <a:rPr lang="ja-JP" altLang="en-US" smtClean="0"/>
-              <a:t>レベル</a:t>
-            </a:r>
-          </a:p>
-          <a:p>
-            <a:pPr lvl="2" eaLnBrk="1" latinLnBrk="0" hangingPunct="1"/>
-            <a:r>
-              <a:rPr lang="ja-JP" altLang="en-US" smtClean="0"/>
-              <a:t>第 </a:t>
-            </a:r>
-            <a:r>
-              <a:rPr lang="en-US" altLang="ja-JP" smtClean="0"/>
-              <a:t>3 </a:t>
-            </a:r>
-            <a:r>
-              <a:rPr lang="ja-JP" altLang="en-US" smtClean="0"/>
-              <a:t>レベル</a:t>
-            </a:r>
-          </a:p>
-          <a:p>
-            <a:pPr lvl="3" eaLnBrk="1" latinLnBrk="0" hangingPunct="1"/>
-            <a:r>
-              <a:rPr lang="ja-JP" altLang="en-US" smtClean="0"/>
-              <a:t>第 </a:t>
-            </a:r>
-            <a:r>
-              <a:rPr lang="en-US" altLang="ja-JP" smtClean="0"/>
-              <a:t>4 </a:t>
-            </a:r>
-            <a:r>
-              <a:rPr lang="ja-JP" altLang="en-US" smtClean="0"/>
-              <a:t>レベル</a:t>
-            </a:r>
-          </a:p>
-          <a:p>
-            <a:pPr lvl="4" eaLnBrk="1" latinLnBrk="0" hangingPunct="1"/>
-            <a:r>
-              <a:rPr lang="ja-JP" altLang="en-US" smtClean="0"/>
-              <a:t>第 </a:t>
-            </a:r>
-            <a:r>
-              <a:rPr lang="en-US" altLang="ja-JP" smtClean="0"/>
-              <a:t>5 </a:t>
-            </a:r>
-            <a:r>
-              <a:rPr lang="ja-JP" altLang="en-US" smtClean="0"/>
-              <a:t>レベル</a:t>
-            </a:r>
-            <a:endParaRPr kumimoji="0" lang="en-US"/>
-          </a:p>
-        </p:txBody>
-      </p:sp>
-      <p:sp>
-        <p:nvSpPr>
-          <p:cNvPr id="26" name="日付プレースホルダー 25"/>
-          <p:cNvSpPr>
-            <a:spLocks noGrp="1"/>
-          </p:cNvSpPr>
-          <p:nvPr>
-            <p:ph type="dt" sz="half" idx="10"/>
-          </p:nvPr>
-        </p:nvSpPr>
-        <p:spPr/>
-        <p:txBody>
-          <a:bodyPr rtlCol="0"/>
           <a:lstStyle/>
           <a:p>
             <a:fld id="{E2F41550-CDAC-4329-A426-039CC4C35A60}" type="datetime1">
               <a:rPr kumimoji="1" lang="ja-JP" altLang="en-US" smtClean="0"/>
-              <a:t>2016/5/30</a:t>
+              <a:t>2017/10/30</a:t>
             </a:fld>
             <a:endParaRPr kumimoji="1" lang="ja-JP" altLang="en-US" dirty="0"/>
           </a:p>
@@ -2803,17 +2653,36 @@
       </p:sp>
       <p:sp>
         <p:nvSpPr>
-          <p:cNvPr id="27" name="スライド番号プレースホルダー 26"/>
-          <p:cNvSpPr>
-            <a:spLocks noGrp="1"/>
-          </p:cNvSpPr>
-          <p:nvPr>
-            <p:ph type="sldNum" sz="quarter" idx="11"/>
+          <p:cNvPr id="8" name="Footer Placeholder 7"/>
+          <p:cNvSpPr>
+            <a:spLocks noGrp="1"/>
+          </p:cNvSpPr>
+          <p:nvPr>
+            <p:ph type="ftr" sz="quarter" idx="11"/>
           </p:nvPr>
         </p:nvSpPr>
         <p:spPr/>
         <p:txBody>
-          <a:bodyPr rtlCol="0"/>
+          <a:bodyPr/>
+          <a:lstStyle/>
+          <a:p>
+            <a:endParaRPr kumimoji="1" lang="ja-JP" altLang="en-US" dirty="0"/>
+          </a:p>
+        </p:txBody>
+      </p:sp>
+      <p:sp>
+        <p:nvSpPr>
+          <p:cNvPr id="9" name="Slide Number Placeholder 8"/>
+          <p:cNvSpPr>
+            <a:spLocks noGrp="1"/>
+          </p:cNvSpPr>
+          <p:nvPr>
+            <p:ph type="sldNum" sz="quarter" idx="12"/>
+          </p:nvPr>
+        </p:nvSpPr>
+        <p:spPr/>
+        <p:txBody>
+          <a:bodyPr/>
           <a:lstStyle/>
           <a:p>
             <a:fld id="{844D5AC9-94A7-43D1-943D-A48FDE10BE50}" type="slidenum">
@@ -2824,30 +2693,23 @@
           </a:p>
         </p:txBody>
       </p:sp>
-      <p:sp>
-        <p:nvSpPr>
-          <p:cNvPr id="28" name="フッター プレースホルダー 27"/>
-          <p:cNvSpPr>
-            <a:spLocks noGrp="1"/>
-          </p:cNvSpPr>
-          <p:nvPr>
-            <p:ph type="ftr" sz="quarter" idx="12"/>
-          </p:nvPr>
-        </p:nvSpPr>
-        <p:spPr/>
-        <p:txBody>
-          <a:bodyPr rtlCol="0"/>
-          <a:lstStyle/>
-          <a:p>
-            <a:endParaRPr kumimoji="1" lang="ja-JP" altLang="en-US" dirty="0"/>
-          </a:p>
-        </p:txBody>
-      </p:sp>
     </p:spTree>
+    <p:extLst>
+      <p:ext uri="{BB962C8B-B14F-4D97-AF65-F5344CB8AC3E}">
+        <p14:creationId xmlns:p14="http://schemas.microsoft.com/office/powerpoint/2010/main" val="3294638651"/>
+      </p:ext>
+    </p:extLst>
   </p:cSld>
   <p:clrMapOvr>
     <a:masterClrMapping/>
   </p:clrMapOvr>
+  <p:timing>
+    <p:tnLst>
+      <p:par>
+        <p:cTn id="1" dur="indefinite" restart="never" nodeType="tmRoot"/>
+      </p:par>
+    </p:tnLst>
+  </p:timing>
 </p:sldLayout>
 </file>
 
@@ -2870,7 +2732,7 @@
       </p:grpSpPr>
       <p:sp>
         <p:nvSpPr>
-          <p:cNvPr id="2" name="タイトル 1"/>
+          <p:cNvPr id="2" name="Title 1"/>
           <p:cNvSpPr>
             <a:spLocks noGrp="1"/>
           </p:cNvSpPr>
@@ -2878,35 +2740,22 @@
             <p:ph type="title"/>
           </p:nvPr>
         </p:nvSpPr>
-        <p:spPr>
-          <a:xfrm>
-            <a:off x="457200" y="1143000"/>
-            <a:ext cx="8229600" cy="1069848"/>
-          </a:xfrm>
-        </p:spPr>
-        <p:txBody>
-          <a:bodyPr anchor="ctr"/>
-          <a:lstStyle>
-            <a:lvl1pPr>
-              <a:defRPr sz="4000">
-                <a:solidFill>
-                  <a:schemeClr val="tx2"/>
-                </a:solidFill>
-              </a:defRPr>
-            </a:lvl1pPr>
-          </a:lstStyle>
-          <a:p>
-            <a:r>
-              <a:rPr kumimoji="0" lang="ja-JP" altLang="en-US" smtClean="0"/>
+        <p:spPr/>
+        <p:txBody>
+          <a:bodyPr/>
+          <a:lstStyle/>
+          <a:p>
+            <a:r>
+              <a:rPr lang="ja-JP" altLang="en-US" smtClean="0"/>
               <a:t>マスター タイトルの書式設定</a:t>
             </a:r>
-            <a:endParaRPr kumimoji="0" lang="en-US"/>
-          </a:p>
-        </p:txBody>
-      </p:sp>
-      <p:sp>
-        <p:nvSpPr>
-          <p:cNvPr id="3" name="日付プレースホルダー 2"/>
+            <a:endParaRPr lang="en-US" dirty="0"/>
+          </a:p>
+        </p:txBody>
+      </p:sp>
+      <p:sp>
+        <p:nvSpPr>
+          <p:cNvPr id="3" name="Date Placeholder 2"/>
           <p:cNvSpPr>
             <a:spLocks noGrp="1"/>
           </p:cNvSpPr>
@@ -2914,19 +2763,14 @@
             <p:ph type="dt" sz="half" idx="10"/>
           </p:nvPr>
         </p:nvSpPr>
-        <p:spPr>
-          <a:xfrm>
-            <a:off x="6583680" y="612648"/>
-            <a:ext cx="957264" cy="457200"/>
-          </a:xfrm>
-        </p:spPr>
+        <p:spPr/>
         <p:txBody>
           <a:bodyPr/>
           <a:lstStyle/>
           <a:p>
             <a:fld id="{5BA50DE7-C6ED-420E-8E02-BFE53B0ABC51}" type="datetime1">
               <a:rPr kumimoji="1" lang="ja-JP" altLang="en-US" smtClean="0"/>
-              <a:t>2016/5/30</a:t>
+              <a:t>2017/10/30</a:t>
             </a:fld>
             <a:endParaRPr kumimoji="1" lang="ja-JP" altLang="en-US" dirty="0"/>
           </a:p>
@@ -2934,7 +2778,7 @@
       </p:sp>
       <p:sp>
         <p:nvSpPr>
-          <p:cNvPr id="4" name="フッター プレースホルダー 3"/>
+          <p:cNvPr id="4" name="Footer Placeholder 3"/>
           <p:cNvSpPr>
             <a:spLocks noGrp="1"/>
           </p:cNvSpPr>
@@ -2942,12 +2786,7 @@
             <p:ph type="ftr" sz="quarter" idx="11"/>
           </p:nvPr>
         </p:nvSpPr>
-        <p:spPr>
-          <a:xfrm>
-            <a:off x="5257800" y="612648"/>
-            <a:ext cx="1325880" cy="457200"/>
-          </a:xfrm>
-        </p:spPr>
+        <p:spPr/>
         <p:txBody>
           <a:bodyPr/>
           <a:lstStyle/>
@@ -2958,7 +2797,7 @@
       </p:sp>
       <p:sp>
         <p:nvSpPr>
-          <p:cNvPr id="5" name="スライド番号プレースホルダー 4"/>
+          <p:cNvPr id="5" name="Slide Number Placeholder 4"/>
           <p:cNvSpPr>
             <a:spLocks noGrp="1"/>
           </p:cNvSpPr>
@@ -2966,12 +2805,7 @@
             <p:ph type="sldNum" sz="quarter" idx="12"/>
           </p:nvPr>
         </p:nvSpPr>
-        <p:spPr>
-          <a:xfrm>
-            <a:off x="8174736" y="2272"/>
-            <a:ext cx="762000" cy="365760"/>
-          </a:xfrm>
-        </p:spPr>
+        <p:spPr/>
         <p:txBody>
           <a:bodyPr/>
           <a:lstStyle/>
@@ -2985,15 +2819,27 @@
         </p:txBody>
       </p:sp>
     </p:spTree>
+    <p:extLst>
+      <p:ext uri="{BB962C8B-B14F-4D97-AF65-F5344CB8AC3E}">
+        <p14:creationId xmlns:p14="http://schemas.microsoft.com/office/powerpoint/2010/main" val="1498256803"/>
+      </p:ext>
+    </p:extLst>
   </p:cSld>
   <p:clrMapOvr>
     <a:masterClrMapping/>
   </p:clrMapOvr>
+  <p:timing>
+    <p:tnLst>
+      <p:par>
+        <p:cTn id="1" dur="indefinite" restart="never" nodeType="tmRoot"/>
+      </p:par>
+    </p:tnLst>
+  </p:timing>
 </p:sldLayout>
 </file>
 
 <file path=ppt/slideLayouts/slideLayout7.xml><?xml version="1.0" encoding="utf-8"?>
-<p:sldLayout xmlns:a="http://schemas.openxmlformats.org/drawingml/2006/main" xmlns:r="http://schemas.openxmlformats.org/officeDocument/2006/relationships" xmlns:p="http://schemas.openxmlformats.org/presentationml/2006/main" type="blank" preserve="1">
+<p:sldLayout xmlns:a="http://schemas.openxmlformats.org/drawingml/2006/main" xmlns:r="http://schemas.openxmlformats.org/officeDocument/2006/relationships" xmlns:p="http://schemas.openxmlformats.org/presentationml/2006/main" showMasterSp="0" type="blank" preserve="1">
   <p:cSld name="白紙">
     <p:spTree>
       <p:nvGrpSpPr>
@@ -3011,7 +2857,83 @@
       </p:grpSpPr>
       <p:sp>
         <p:nvSpPr>
-          <p:cNvPr id="2" name="日付プレースホルダー 1"/>
+          <p:cNvPr id="5" name="Rectangle 4"/>
+          <p:cNvSpPr/>
+          <p:nvPr/>
+        </p:nvSpPr>
+        <p:spPr>
+          <a:xfrm>
+            <a:off x="2382" y="6400800"/>
+            <a:ext cx="9141619" cy="457200"/>
+          </a:xfrm>
+          <a:prstGeom prst="rect">
+            <a:avLst/>
+          </a:prstGeom>
+          <a:solidFill>
+            <a:schemeClr val="accent2"/>
+          </a:solidFill>
+          <a:ln>
+            <a:noFill/>
+          </a:ln>
+        </p:spPr>
+        <p:style>
+          <a:lnRef idx="2">
+            <a:schemeClr val="accent1">
+              <a:shade val="50000"/>
+            </a:schemeClr>
+          </a:lnRef>
+          <a:fillRef idx="1">
+            <a:schemeClr val="accent1"/>
+          </a:fillRef>
+          <a:effectRef idx="0">
+            <a:schemeClr val="accent1"/>
+          </a:effectRef>
+          <a:fontRef idx="minor">
+            <a:schemeClr val="lt1"/>
+          </a:fontRef>
+        </p:style>
+      </p:sp>
+      <p:sp>
+        <p:nvSpPr>
+          <p:cNvPr id="6" name="Rectangle 5"/>
+          <p:cNvSpPr/>
+          <p:nvPr/>
+        </p:nvSpPr>
+        <p:spPr>
+          <a:xfrm>
+            <a:off x="12" y="6334316"/>
+            <a:ext cx="9141619" cy="64008"/>
+          </a:xfrm>
+          <a:prstGeom prst="rect">
+            <a:avLst/>
+          </a:prstGeom>
+          <a:solidFill>
+            <a:schemeClr val="accent1"/>
+          </a:solidFill>
+          <a:ln>
+            <a:noFill/>
+          </a:ln>
+        </p:spPr>
+        <p:style>
+          <a:lnRef idx="2">
+            <a:schemeClr val="accent1">
+              <a:shade val="50000"/>
+            </a:schemeClr>
+          </a:lnRef>
+          <a:fillRef idx="1">
+            <a:schemeClr val="accent1"/>
+          </a:fillRef>
+          <a:effectRef idx="0">
+            <a:schemeClr val="accent1"/>
+          </a:effectRef>
+          <a:fontRef idx="minor">
+            <a:schemeClr val="lt1"/>
+          </a:fontRef>
+        </p:style>
+      </p:sp>
+      <p:sp>
+        <p:nvSpPr>
+          <p:cNvPr id="7" name="Date Placeholder 6"/>
           <p:cNvSpPr>
             <a:spLocks noGrp="1"/>
           </p:cNvSpPr>
@@ -3026,7 +2948,7 @@
           <a:p>
             <a:fld id="{34F086B6-5BDB-4E2A-B730-C8A7E52F7ED0}" type="datetime1">
               <a:rPr kumimoji="1" lang="ja-JP" altLang="en-US" smtClean="0"/>
-              <a:t>2016/5/30</a:t>
+              <a:t>2017/10/30</a:t>
             </a:fld>
             <a:endParaRPr kumimoji="1" lang="ja-JP" altLang="en-US" dirty="0"/>
           </a:p>
@@ -3034,7 +2956,7 @@
       </p:sp>
       <p:sp>
         <p:nvSpPr>
-          <p:cNvPr id="3" name="フッター プレースホルダー 2"/>
+          <p:cNvPr id="8" name="Footer Placeholder 7"/>
           <p:cNvSpPr>
             <a:spLocks noGrp="1"/>
           </p:cNvSpPr>
@@ -3045,7 +2967,15 @@
         <p:spPr/>
         <p:txBody>
           <a:bodyPr/>
-          <a:lstStyle/>
+          <a:lstStyle>
+            <a:lvl1pPr>
+              <a:defRPr>
+                <a:solidFill>
+                  <a:srgbClr val="FFFFFF"/>
+                </a:solidFill>
+              </a:defRPr>
+            </a:lvl1pPr>
+          </a:lstStyle>
           <a:p>
             <a:endParaRPr kumimoji="1" lang="ja-JP" altLang="en-US" dirty="0"/>
           </a:p>
@@ -3053,7 +2983,7 @@
       </p:sp>
       <p:sp>
         <p:nvSpPr>
-          <p:cNvPr id="4" name="スライド番号プレースホルダー 3"/>
+          <p:cNvPr id="9" name="Slide Number Placeholder 8"/>
           <p:cNvSpPr>
             <a:spLocks noGrp="1"/>
           </p:cNvSpPr>
@@ -3075,15 +3005,27 @@
         </p:txBody>
       </p:sp>
     </p:spTree>
+    <p:extLst>
+      <p:ext uri="{BB962C8B-B14F-4D97-AF65-F5344CB8AC3E}">
+        <p14:creationId xmlns:p14="http://schemas.microsoft.com/office/powerpoint/2010/main" val="3900322852"/>
+      </p:ext>
+    </p:extLst>
   </p:cSld>
   <p:clrMapOvr>
     <a:masterClrMapping/>
   </p:clrMapOvr>
+  <p:timing>
+    <p:tnLst>
+      <p:par>
+        <p:cTn id="1" dur="indefinite" restart="never" nodeType="tmRoot"/>
+      </p:par>
+    </p:tnLst>
+  </p:timing>
 </p:sldLayout>
 </file>
 
 <file path=ppt/slideLayouts/slideLayout8.xml><?xml version="1.0" encoding="utf-8"?>
-<p:sldLayout xmlns:a="http://schemas.openxmlformats.org/drawingml/2006/main" xmlns:r="http://schemas.openxmlformats.org/officeDocument/2006/relationships" xmlns:p="http://schemas.openxmlformats.org/presentationml/2006/main" type="objTx" preserve="1">
+<p:sldLayout xmlns:a="http://schemas.openxmlformats.org/drawingml/2006/main" xmlns:r="http://schemas.openxmlformats.org/officeDocument/2006/relationships" xmlns:p="http://schemas.openxmlformats.org/presentationml/2006/main" showMasterSp="0" type="objTx" preserve="1">
   <p:cSld name="タイトル付きの&#10;コンテンツ">
     <p:spTree>
       <p:nvGrpSpPr>
@@ -3101,247 +3043,364 @@
       </p:grpSpPr>
       <p:sp>
         <p:nvSpPr>
-          <p:cNvPr id="2" name="タイトル 1"/>
-          <p:cNvSpPr>
-            <a:spLocks noGrp="1"/>
-          </p:cNvSpPr>
-          <p:nvPr>
-            <p:ph type="title"/>
-          </p:nvPr>
+          <p:cNvPr id="8" name="Rectangle 7"/>
+          <p:cNvSpPr/>
+          <p:nvPr/>
         </p:nvSpPr>
         <p:spPr>
           <a:xfrm>
-            <a:off x="5353496" y="1101970"/>
-            <a:ext cx="3383280" cy="877824"/>
+            <a:off x="13" y="0"/>
+            <a:ext cx="3038093" cy="6858000"/>
+          </a:xfrm>
+          <a:prstGeom prst="rect">
+            <a:avLst/>
+          </a:prstGeom>
+          <a:solidFill>
+            <a:schemeClr val="accent2"/>
+          </a:solidFill>
+          <a:ln>
+            <a:noFill/>
+          </a:ln>
+        </p:spPr>
+        <p:style>
+          <a:lnRef idx="2">
+            <a:schemeClr val="accent1">
+              <a:shade val="50000"/>
+            </a:schemeClr>
+          </a:lnRef>
+          <a:fillRef idx="1">
+            <a:schemeClr val="accent1"/>
+          </a:fillRef>
+          <a:effectRef idx="0">
+            <a:schemeClr val="accent1"/>
+          </a:effectRef>
+          <a:fontRef idx="minor">
+            <a:schemeClr val="lt1"/>
+          </a:fontRef>
+        </p:style>
+      </p:sp>
+      <p:sp>
+        <p:nvSpPr>
+          <p:cNvPr id="9" name="Rectangle 8"/>
+          <p:cNvSpPr/>
+          <p:nvPr/>
+        </p:nvSpPr>
+        <p:spPr>
+          <a:xfrm>
+            <a:off x="3030053" y="0"/>
+            <a:ext cx="48006" cy="6858000"/>
+          </a:xfrm>
+          <a:prstGeom prst="rect">
+            <a:avLst/>
+          </a:prstGeom>
+          <a:solidFill>
+            <a:schemeClr val="accent1"/>
+          </a:solidFill>
+          <a:ln>
+            <a:noFill/>
+          </a:ln>
+        </p:spPr>
+        <p:style>
+          <a:lnRef idx="2">
+            <a:schemeClr val="accent1">
+              <a:shade val="50000"/>
+            </a:schemeClr>
+          </a:lnRef>
+          <a:fillRef idx="1">
+            <a:schemeClr val="accent1"/>
+          </a:fillRef>
+          <a:effectRef idx="0">
+            <a:schemeClr val="accent1"/>
+          </a:effectRef>
+          <a:fontRef idx="minor">
+            <a:schemeClr val="lt1"/>
+          </a:fontRef>
+        </p:style>
+      </p:sp>
+      <p:sp>
+        <p:nvSpPr>
+          <p:cNvPr id="2" name="Title 1"/>
+          <p:cNvSpPr>
+            <a:spLocks noGrp="1"/>
+          </p:cNvSpPr>
+          <p:nvPr>
+            <p:ph type="title"/>
+          </p:nvPr>
+        </p:nvSpPr>
+        <p:spPr>
+          <a:xfrm>
+            <a:off x="342900" y="594359"/>
+            <a:ext cx="2400300" cy="2286000"/>
           </a:xfrm>
         </p:spPr>
         <p:txBody>
-          <a:bodyPr anchor="b"/>
+          <a:bodyPr anchor="b">
+            <a:normAutofit/>
+          </a:bodyPr>
+          <a:lstStyle>
+            <a:lvl1pPr>
+              <a:defRPr sz="3600" b="0">
+                <a:solidFill>
+                  <a:srgbClr val="FFFFFF"/>
+                </a:solidFill>
+              </a:defRPr>
+            </a:lvl1pPr>
+          </a:lstStyle>
+          <a:p>
+            <a:r>
+              <a:rPr lang="ja-JP" altLang="en-US" smtClean="0"/>
+              <a:t>マスター タイトルの書式設定</a:t>
+            </a:r>
+            <a:endParaRPr lang="en-US" dirty="0"/>
+          </a:p>
+        </p:txBody>
+      </p:sp>
+      <p:sp>
+        <p:nvSpPr>
+          <p:cNvPr id="3" name="Content Placeholder 2"/>
+          <p:cNvSpPr>
+            <a:spLocks noGrp="1"/>
+          </p:cNvSpPr>
+          <p:nvPr>
+            <p:ph idx="1"/>
+          </p:nvPr>
+        </p:nvSpPr>
+        <p:spPr>
+          <a:xfrm>
+            <a:off x="3460237" y="731520"/>
+            <a:ext cx="5009393" cy="5257800"/>
+          </a:xfrm>
+        </p:spPr>
+        <p:txBody>
+          <a:bodyPr/>
+          <a:lstStyle/>
+          <a:p>
+            <a:pPr lvl="0"/>
+            <a:r>
+              <a:rPr lang="ja-JP" altLang="en-US" smtClean="0"/>
+              <a:t>マスター テキストの書式設定</a:t>
+            </a:r>
+          </a:p>
+          <a:p>
+            <a:pPr lvl="1"/>
+            <a:r>
+              <a:rPr lang="ja-JP" altLang="en-US" smtClean="0"/>
+              <a:t>第 </a:t>
+            </a:r>
+            <a:r>
+              <a:rPr lang="en-US" altLang="ja-JP" smtClean="0"/>
+              <a:t>2 </a:t>
+            </a:r>
+            <a:r>
+              <a:rPr lang="ja-JP" altLang="en-US" smtClean="0"/>
+              <a:t>レベル</a:t>
+            </a:r>
+          </a:p>
+          <a:p>
+            <a:pPr lvl="2"/>
+            <a:r>
+              <a:rPr lang="ja-JP" altLang="en-US" smtClean="0"/>
+              <a:t>第 </a:t>
+            </a:r>
+            <a:r>
+              <a:rPr lang="en-US" altLang="ja-JP" smtClean="0"/>
+              <a:t>3 </a:t>
+            </a:r>
+            <a:r>
+              <a:rPr lang="ja-JP" altLang="en-US" smtClean="0"/>
+              <a:t>レベル</a:t>
+            </a:r>
+          </a:p>
+          <a:p>
+            <a:pPr lvl="3"/>
+            <a:r>
+              <a:rPr lang="ja-JP" altLang="en-US" smtClean="0"/>
+              <a:t>第 </a:t>
+            </a:r>
+            <a:r>
+              <a:rPr lang="en-US" altLang="ja-JP" smtClean="0"/>
+              <a:t>4 </a:t>
+            </a:r>
+            <a:r>
+              <a:rPr lang="ja-JP" altLang="en-US" smtClean="0"/>
+              <a:t>レベル</a:t>
+            </a:r>
+          </a:p>
+          <a:p>
+            <a:pPr lvl="4"/>
+            <a:r>
+              <a:rPr lang="ja-JP" altLang="en-US" smtClean="0"/>
+              <a:t>第 </a:t>
+            </a:r>
+            <a:r>
+              <a:rPr lang="en-US" altLang="ja-JP" smtClean="0"/>
+              <a:t>5 </a:t>
+            </a:r>
+            <a:r>
+              <a:rPr lang="ja-JP" altLang="en-US" smtClean="0"/>
+              <a:t>レベル</a:t>
+            </a:r>
+            <a:endParaRPr lang="en-US" dirty="0"/>
+          </a:p>
+        </p:txBody>
+      </p:sp>
+      <p:sp>
+        <p:nvSpPr>
+          <p:cNvPr id="4" name="Text Placeholder 3"/>
+          <p:cNvSpPr>
+            <a:spLocks noGrp="1"/>
+          </p:cNvSpPr>
+          <p:nvPr>
+            <p:ph type="body" sz="half" idx="2"/>
+          </p:nvPr>
+        </p:nvSpPr>
+        <p:spPr>
+          <a:xfrm>
+            <a:off x="342900" y="2926080"/>
+            <a:ext cx="2400300" cy="3379124"/>
+          </a:xfrm>
+        </p:spPr>
+        <p:txBody>
+          <a:bodyPr lIns="91440" rIns="91440">
+            <a:normAutofit/>
+          </a:bodyPr>
+          <a:lstStyle>
+            <a:lvl1pPr marL="0" indent="0">
+              <a:buNone/>
+              <a:defRPr sz="1500">
+                <a:solidFill>
+                  <a:srgbClr val="FFFFFF"/>
+                </a:solidFill>
+              </a:defRPr>
+            </a:lvl1pPr>
+            <a:lvl2pPr marL="457200" indent="0">
+              <a:buNone/>
+              <a:defRPr sz="1200"/>
+            </a:lvl2pPr>
+            <a:lvl3pPr marL="914400" indent="0">
+              <a:buNone/>
+              <a:defRPr sz="1000"/>
+            </a:lvl3pPr>
+            <a:lvl4pPr marL="1371600" indent="0">
+              <a:buNone/>
+              <a:defRPr sz="900"/>
+            </a:lvl4pPr>
+            <a:lvl5pPr marL="1828800" indent="0">
+              <a:buNone/>
+              <a:defRPr sz="900"/>
+            </a:lvl5pPr>
+            <a:lvl6pPr marL="2286000" indent="0">
+              <a:buNone/>
+              <a:defRPr sz="900"/>
+            </a:lvl6pPr>
+            <a:lvl7pPr marL="2743200" indent="0">
+              <a:buNone/>
+              <a:defRPr sz="900"/>
+            </a:lvl7pPr>
+            <a:lvl8pPr marL="3200400" indent="0">
+              <a:buNone/>
+              <a:defRPr sz="900"/>
+            </a:lvl8pPr>
+            <a:lvl9pPr marL="3657600" indent="0">
+              <a:buNone/>
+              <a:defRPr sz="900"/>
+            </a:lvl9pPr>
+          </a:lstStyle>
+          <a:p>
+            <a:pPr lvl="0"/>
+            <a:r>
+              <a:rPr lang="ja-JP" altLang="en-US" smtClean="0"/>
+              <a:t>マスター テキストの書式設定</a:t>
+            </a:r>
+          </a:p>
+        </p:txBody>
+      </p:sp>
+      <p:sp>
+        <p:nvSpPr>
+          <p:cNvPr id="5" name="Date Placeholder 4"/>
+          <p:cNvSpPr>
+            <a:spLocks noGrp="1"/>
+          </p:cNvSpPr>
+          <p:nvPr>
+            <p:ph type="dt" sz="half" idx="10"/>
+          </p:nvPr>
+        </p:nvSpPr>
+        <p:spPr>
+          <a:xfrm>
+            <a:off x="349134" y="6459786"/>
+            <a:ext cx="1963883" cy="365125"/>
+          </a:xfrm>
+        </p:spPr>
+        <p:txBody>
+          <a:bodyPr/>
           <a:lstStyle>
             <a:lvl1pPr algn="l">
-              <a:buNone/>
-              <a:defRPr sz="1800" b="1"/>
+              <a:defRPr/>
             </a:lvl1pPr>
           </a:lstStyle>
           <a:p>
-            <a:r>
-              <a:rPr kumimoji="0" lang="ja-JP" altLang="en-US" smtClean="0"/>
-              <a:t>マスター タイトルの書式設定</a:t>
-            </a:r>
-            <a:endParaRPr kumimoji="0" lang="en-US"/>
-          </a:p>
-        </p:txBody>
-      </p:sp>
-      <p:sp>
-        <p:nvSpPr>
-          <p:cNvPr id="3" name="テキスト プレースホルダー 2"/>
-          <p:cNvSpPr>
-            <a:spLocks noGrp="1"/>
-          </p:cNvSpPr>
-          <p:nvPr>
-            <p:ph type="body" idx="2"/>
+            <a:fld id="{E20D1996-E1DC-44E0-AB0E-C70FC00C8883}" type="datetime1">
+              <a:rPr kumimoji="1" lang="ja-JP" altLang="en-US" smtClean="0"/>
+              <a:t>2017/10/30</a:t>
+            </a:fld>
+            <a:endParaRPr kumimoji="1" lang="ja-JP" altLang="en-US" dirty="0"/>
+          </a:p>
+        </p:txBody>
+      </p:sp>
+      <p:sp>
+        <p:nvSpPr>
+          <p:cNvPr id="6" name="Footer Placeholder 5"/>
+          <p:cNvSpPr>
+            <a:spLocks noGrp="1"/>
+          </p:cNvSpPr>
+          <p:nvPr>
+            <p:ph type="ftr" sz="quarter" idx="11"/>
           </p:nvPr>
         </p:nvSpPr>
         <p:spPr>
           <a:xfrm>
-            <a:off x="5353496" y="2010727"/>
-            <a:ext cx="3383280" cy="4617720"/>
+            <a:off x="3600450" y="6459786"/>
+            <a:ext cx="3486150" cy="365125"/>
           </a:xfrm>
         </p:spPr>
         <p:txBody>
           <a:bodyPr/>
           <a:lstStyle>
-            <a:lvl1pPr marL="9144" indent="0">
-              <a:buNone/>
-              <a:defRPr sz="1400"/>
+            <a:lvl1pPr algn="l">
+              <a:defRPr>
+                <a:solidFill>
+                  <a:schemeClr val="tx2"/>
+                </a:solidFill>
+              </a:defRPr>
             </a:lvl1pPr>
-            <a:lvl2pPr>
-              <a:buNone/>
-              <a:defRPr sz="1200"/>
-            </a:lvl2pPr>
-            <a:lvl3pPr>
-              <a:buNone/>
-              <a:defRPr sz="1000"/>
-            </a:lvl3pPr>
-            <a:lvl4pPr>
-              <a:buNone/>
-              <a:defRPr sz="900"/>
-            </a:lvl4pPr>
-            <a:lvl5pPr>
-              <a:buNone/>
-              <a:defRPr sz="900"/>
-            </a:lvl5pPr>
           </a:lstStyle>
           <a:p>
-            <a:pPr lvl="0" eaLnBrk="1" latinLnBrk="0" hangingPunct="1"/>
-            <a:r>
-              <a:rPr kumimoji="0" lang="ja-JP" altLang="en-US" smtClean="0"/>
-              <a:t>マスター テキストの書式設定</a:t>
-            </a:r>
-          </a:p>
-        </p:txBody>
-      </p:sp>
-      <p:sp>
-        <p:nvSpPr>
-          <p:cNvPr id="4" name="コンテンツ プレースホルダー 3"/>
-          <p:cNvSpPr>
-            <a:spLocks noGrp="1"/>
-          </p:cNvSpPr>
-          <p:nvPr>
-            <p:ph sz="half" idx="1"/>
-          </p:nvPr>
-        </p:nvSpPr>
-        <p:spPr>
-          <a:xfrm>
-            <a:off x="152400" y="776287"/>
-            <a:ext cx="5102352" cy="5852160"/>
-          </a:xfrm>
-        </p:spPr>
+            <a:endParaRPr kumimoji="1" lang="ja-JP" altLang="en-US" dirty="0"/>
+          </a:p>
+        </p:txBody>
+      </p:sp>
+      <p:sp>
+        <p:nvSpPr>
+          <p:cNvPr id="7" name="Slide Number Placeholder 6"/>
+          <p:cNvSpPr>
+            <a:spLocks noGrp="1"/>
+          </p:cNvSpPr>
+          <p:nvPr>
+            <p:ph type="sldNum" sz="quarter" idx="12"/>
+          </p:nvPr>
+        </p:nvSpPr>
+        <p:spPr/>
         <p:txBody>
           <a:bodyPr/>
           <a:lstStyle>
             <a:lvl1pPr>
-              <a:defRPr sz="3200"/>
+              <a:defRPr>
+                <a:solidFill>
+                  <a:schemeClr val="tx2"/>
+                </a:solidFill>
+              </a:defRPr>
             </a:lvl1pPr>
-            <a:lvl2pPr>
-              <a:defRPr sz="2800"/>
-            </a:lvl2pPr>
-            <a:lvl3pPr>
-              <a:defRPr sz="2400"/>
-            </a:lvl3pPr>
-            <a:lvl4pPr>
-              <a:defRPr sz="2000"/>
-            </a:lvl4pPr>
-            <a:lvl5pPr>
-              <a:defRPr sz="2000"/>
-            </a:lvl5pPr>
           </a:lstStyle>
-          <a:p>
-            <a:pPr lvl="0" eaLnBrk="1" latinLnBrk="0" hangingPunct="1"/>
-            <a:r>
-              <a:rPr lang="ja-JP" altLang="en-US" smtClean="0"/>
-              <a:t>マスター テキストの書式設定</a:t>
-            </a:r>
-          </a:p>
-          <a:p>
-            <a:pPr lvl="1" eaLnBrk="1" latinLnBrk="0" hangingPunct="1"/>
-            <a:r>
-              <a:rPr lang="ja-JP" altLang="en-US" smtClean="0"/>
-              <a:t>第 </a:t>
-            </a:r>
-            <a:r>
-              <a:rPr lang="en-US" altLang="ja-JP" smtClean="0"/>
-              <a:t>2 </a:t>
-            </a:r>
-            <a:r>
-              <a:rPr lang="ja-JP" altLang="en-US" smtClean="0"/>
-              <a:t>レベル</a:t>
-            </a:r>
-          </a:p>
-          <a:p>
-            <a:pPr lvl="2" eaLnBrk="1" latinLnBrk="0" hangingPunct="1"/>
-            <a:r>
-              <a:rPr lang="ja-JP" altLang="en-US" smtClean="0"/>
-              <a:t>第 </a:t>
-            </a:r>
-            <a:r>
-              <a:rPr lang="en-US" altLang="ja-JP" smtClean="0"/>
-              <a:t>3 </a:t>
-            </a:r>
-            <a:r>
-              <a:rPr lang="ja-JP" altLang="en-US" smtClean="0"/>
-              <a:t>レベル</a:t>
-            </a:r>
-          </a:p>
-          <a:p>
-            <a:pPr lvl="3" eaLnBrk="1" latinLnBrk="0" hangingPunct="1"/>
-            <a:r>
-              <a:rPr lang="ja-JP" altLang="en-US" smtClean="0"/>
-              <a:t>第 </a:t>
-            </a:r>
-            <a:r>
-              <a:rPr lang="en-US" altLang="ja-JP" smtClean="0"/>
-              <a:t>4 </a:t>
-            </a:r>
-            <a:r>
-              <a:rPr lang="ja-JP" altLang="en-US" smtClean="0"/>
-              <a:t>レベル</a:t>
-            </a:r>
-          </a:p>
-          <a:p>
-            <a:pPr lvl="4" eaLnBrk="1" latinLnBrk="0" hangingPunct="1"/>
-            <a:r>
-              <a:rPr lang="ja-JP" altLang="en-US" smtClean="0"/>
-              <a:t>第 </a:t>
-            </a:r>
-            <a:r>
-              <a:rPr lang="en-US" altLang="ja-JP" smtClean="0"/>
-              <a:t>5 </a:t>
-            </a:r>
-            <a:r>
-              <a:rPr lang="ja-JP" altLang="en-US" smtClean="0"/>
-              <a:t>レベル</a:t>
-            </a:r>
-            <a:endParaRPr kumimoji="0" lang="en-US"/>
-          </a:p>
-        </p:txBody>
-      </p:sp>
-      <p:sp>
-        <p:nvSpPr>
-          <p:cNvPr id="5" name="日付プレースホルダー 4"/>
-          <p:cNvSpPr>
-            <a:spLocks noGrp="1"/>
-          </p:cNvSpPr>
-          <p:nvPr>
-            <p:ph type="dt" sz="half" idx="10"/>
-          </p:nvPr>
-        </p:nvSpPr>
-        <p:spPr/>
-        <p:txBody>
-          <a:bodyPr/>
-          <a:lstStyle/>
-          <a:p>
-            <a:fld id="{E20D1996-E1DC-44E0-AB0E-C70FC00C8883}" type="datetime1">
-              <a:rPr kumimoji="1" lang="ja-JP" altLang="en-US" smtClean="0"/>
-              <a:t>2016/5/30</a:t>
-            </a:fld>
-            <a:endParaRPr kumimoji="1" lang="ja-JP" altLang="en-US" dirty="0"/>
-          </a:p>
-        </p:txBody>
-      </p:sp>
-      <p:sp>
-        <p:nvSpPr>
-          <p:cNvPr id="6" name="フッター プレースホルダー 5"/>
-          <p:cNvSpPr>
-            <a:spLocks noGrp="1"/>
-          </p:cNvSpPr>
-          <p:nvPr>
-            <p:ph type="ftr" sz="quarter" idx="11"/>
-          </p:nvPr>
-        </p:nvSpPr>
-        <p:spPr/>
-        <p:txBody>
-          <a:bodyPr/>
-          <a:lstStyle/>
-          <a:p>
-            <a:endParaRPr kumimoji="1" lang="ja-JP" altLang="en-US" dirty="0"/>
-          </a:p>
-        </p:txBody>
-      </p:sp>
-      <p:sp>
-        <p:nvSpPr>
-          <p:cNvPr id="7" name="スライド番号プレースホルダー 6"/>
-          <p:cNvSpPr>
-            <a:spLocks noGrp="1"/>
-          </p:cNvSpPr>
-          <p:nvPr>
-            <p:ph type="sldNum" sz="quarter" idx="12"/>
-          </p:nvPr>
-        </p:nvSpPr>
-        <p:spPr/>
-        <p:txBody>
-          <a:bodyPr/>
-          <a:lstStyle/>
           <a:p>
             <a:fld id="{844D5AC9-94A7-43D1-943D-A48FDE10BE50}" type="slidenum">
               <a:rPr kumimoji="1" lang="ja-JP" altLang="en-US" smtClean="0"/>
@@ -3352,15 +3411,27 @@
         </p:txBody>
       </p:sp>
     </p:spTree>
+    <p:extLst>
+      <p:ext uri="{BB962C8B-B14F-4D97-AF65-F5344CB8AC3E}">
+        <p14:creationId xmlns:p14="http://schemas.microsoft.com/office/powerpoint/2010/main" val="2958818566"/>
+      </p:ext>
+    </p:extLst>
   </p:cSld>
   <p:clrMapOvr>
     <a:masterClrMapping/>
   </p:clrMapOvr>
+  <p:timing>
+    <p:tnLst>
+      <p:par>
+        <p:cTn id="1" dur="indefinite" restart="never" nodeType="tmRoot"/>
+      </p:par>
+    </p:tnLst>
+  </p:timing>
 </p:sldLayout>
 </file>
 
 <file path=ppt/slideLayouts/slideLayout9.xml><?xml version="1.0" encoding="utf-8"?>
-<p:sldLayout xmlns:a="http://schemas.openxmlformats.org/drawingml/2006/main" xmlns:r="http://schemas.openxmlformats.org/officeDocument/2006/relationships" xmlns:p="http://schemas.openxmlformats.org/presentationml/2006/main" type="picTx" preserve="1">
+<p:sldLayout xmlns:a="http://schemas.openxmlformats.org/drawingml/2006/main" xmlns:r="http://schemas.openxmlformats.org/officeDocument/2006/relationships" xmlns:p="http://schemas.openxmlformats.org/presentationml/2006/main" showMasterSp="0" type="picTx" preserve="1">
   <p:cSld name="タイトル付きの図">
     <p:spTree>
       <p:nvGrpSpPr>
@@ -3378,42 +3449,123 @@
       </p:grpSpPr>
       <p:sp>
         <p:nvSpPr>
-          <p:cNvPr id="2" name="タイトル 1"/>
-          <p:cNvSpPr>
-            <a:spLocks noGrp="1"/>
-          </p:cNvSpPr>
-          <p:nvPr>
-            <p:ph type="title"/>
-          </p:nvPr>
+          <p:cNvPr id="8" name="Rectangle 7"/>
+          <p:cNvSpPr/>
+          <p:nvPr/>
         </p:nvSpPr>
         <p:spPr>
           <a:xfrm>
-            <a:off x="5440434" y="1109160"/>
-            <a:ext cx="586803" cy="4681637"/>
+            <a:off x="0" y="4953000"/>
+            <a:ext cx="9141619" cy="1905000"/>
+          </a:xfrm>
+          <a:prstGeom prst="rect">
+            <a:avLst/>
+          </a:prstGeom>
+          <a:solidFill>
+            <a:schemeClr val="accent2"/>
+          </a:solidFill>
+          <a:ln>
+            <a:noFill/>
+          </a:ln>
+        </p:spPr>
+        <p:style>
+          <a:lnRef idx="2">
+            <a:schemeClr val="accent1">
+              <a:shade val="50000"/>
+            </a:schemeClr>
+          </a:lnRef>
+          <a:fillRef idx="1">
+            <a:schemeClr val="accent1"/>
+          </a:fillRef>
+          <a:effectRef idx="0">
+            <a:schemeClr val="accent1"/>
+          </a:effectRef>
+          <a:fontRef idx="minor">
+            <a:schemeClr val="lt1"/>
+          </a:fontRef>
+        </p:style>
+      </p:sp>
+      <p:sp>
+        <p:nvSpPr>
+          <p:cNvPr id="9" name="Rectangle 8"/>
+          <p:cNvSpPr/>
+          <p:nvPr/>
+        </p:nvSpPr>
+        <p:spPr>
+          <a:xfrm>
+            <a:off x="12" y="4915076"/>
+            <a:ext cx="9141619" cy="64008"/>
+          </a:xfrm>
+          <a:prstGeom prst="rect">
+            <a:avLst/>
+          </a:prstGeom>
+          <a:solidFill>
+            <a:schemeClr val="accent1"/>
+          </a:solidFill>
+          <a:ln>
+            <a:noFill/>
+          </a:ln>
+        </p:spPr>
+        <p:style>
+          <a:lnRef idx="2">
+            <a:schemeClr val="accent1">
+              <a:shade val="50000"/>
+            </a:schemeClr>
+          </a:lnRef>
+          <a:fillRef idx="1">
+            <a:schemeClr val="accent1"/>
+          </a:fillRef>
+          <a:effectRef idx="0">
+            <a:schemeClr val="accent1"/>
+          </a:effectRef>
+          <a:fontRef idx="minor">
+            <a:schemeClr val="lt1"/>
+          </a:fontRef>
+        </p:style>
+      </p:sp>
+      <p:sp>
+        <p:nvSpPr>
+          <p:cNvPr id="2" name="Title 1"/>
+          <p:cNvSpPr>
+            <a:spLocks noGrp="1"/>
+          </p:cNvSpPr>
+          <p:nvPr>
+            <p:ph type="title"/>
+          </p:nvPr>
+        </p:nvSpPr>
+        <p:spPr>
+          <a:xfrm>
+            <a:off x="822960" y="5074920"/>
+            <a:ext cx="7589520" cy="822960"/>
           </a:xfrm>
         </p:spPr>
         <p:txBody>
-          <a:bodyPr vert="vert270" lIns="45720" tIns="0" rIns="45720" anchor="t"/>
+          <a:bodyPr tIns="0" bIns="0" anchor="b">
+            <a:noAutofit/>
+          </a:bodyPr>
           <a:lstStyle>
-            <a:lvl1pPr algn="ctr">
-              <a:buNone/>
-              <a:defRPr sz="2000" b="1"/>
+            <a:lvl1pPr>
+              <a:defRPr sz="3600" b="0">
+                <a:solidFill>
+                  <a:srgbClr val="FFFFFF"/>
+                </a:solidFill>
+              </a:defRPr>
             </a:lvl1pPr>
           </a:lstStyle>
           <a:p>
             <a:r>
-              <a:rPr kumimoji="0" lang="ja-JP" altLang="en-US" smtClean="0"/>
+              <a:rPr lang="ja-JP" altLang="en-US" smtClean="0"/>
               <a:t>マスター タイトルの書式設定</a:t>
             </a:r>
-            <a:endParaRPr kumimoji="0" lang="en-US"/>
-          </a:p>
-        </p:txBody>
-      </p:sp>
-      <p:sp>
-        <p:nvSpPr>
-          <p:cNvPr id="3" name="図プレースホルダー 2"/>
-          <p:cNvSpPr>
-            <a:spLocks noGrp="1"/>
+            <a:endParaRPr lang="en-US" dirty="0"/>
+          </a:p>
+        </p:txBody>
+      </p:sp>
+      <p:sp>
+        <p:nvSpPr>
+          <p:cNvPr id="3" name="Picture Placeholder 2"/>
+          <p:cNvSpPr>
+            <a:spLocks noGrp="1" noChangeAspect="1"/>
           </p:cNvSpPr>
           <p:nvPr>
             <p:ph type="pic" idx="1"/>
@@ -3421,58 +3573,72 @@
         </p:nvSpPr>
         <p:spPr>
           <a:xfrm>
-            <a:off x="403671" y="1143000"/>
-            <a:ext cx="4572000" cy="4572000"/>
+            <a:off x="12" y="0"/>
+            <a:ext cx="9143989" cy="4915076"/>
           </a:xfrm>
-          <a:solidFill>
-            <a:srgbClr val="EAEAEA"/>
-          </a:solidFill>
-          <a:ln w="50800">
-            <a:solidFill>
-              <a:srgbClr val="FFFFFF"/>
-            </a:solidFill>
-            <a:miter lim="800000"/>
-          </a:ln>
-          <a:effectLst>
-            <a:outerShdw blurRad="57150" dist="31750" dir="4800000" algn="tl" rotWithShape="0">
-              <a:srgbClr val="000000">
-                <a:alpha val="25000"/>
-              </a:srgbClr>
-            </a:outerShdw>
-          </a:effectLst>
-          <a:scene3d>
-            <a:camera prst="orthographicFront"/>
-            <a:lightRig rig="twoPt" dir="t">
-              <a:rot lat="0" lon="0" rev="7200000"/>
-            </a:lightRig>
-          </a:scene3d>
-          <a:sp3d contourW="2540">
-            <a:bevelT w="25400" h="19050"/>
-            <a:contourClr>
-              <a:srgbClr val="AEAEAE"/>
-            </a:contourClr>
-          </a:sp3d>
+          <a:blipFill>
+            <a:blip r:embed="rId2"/>
+            <a:stretch>
+              <a:fillRect/>
+            </a:stretch>
+          </a:blipFill>
         </p:spPr>
         <p:txBody>
-          <a:bodyPr/>
+          <a:bodyPr lIns="457200" tIns="457200" anchor="t"/>
           <a:lstStyle>
             <a:lvl1pPr marL="0" indent="0">
               <a:buNone/>
-              <a:defRPr sz="3200"/>
+              <a:defRPr sz="3200">
+                <a:solidFill>
+                  <a:schemeClr val="bg1"/>
+                </a:solidFill>
+              </a:defRPr>
             </a:lvl1pPr>
+            <a:lvl2pPr marL="457200" indent="0">
+              <a:buNone/>
+              <a:defRPr sz="2800"/>
+            </a:lvl2pPr>
+            <a:lvl3pPr marL="914400" indent="0">
+              <a:buNone/>
+              <a:defRPr sz="2400"/>
+            </a:lvl3pPr>
+            <a:lvl4pPr marL="1371600" indent="0">
+              <a:buNone/>
+              <a:defRPr sz="2000"/>
+            </a:lvl4pPr>
+            <a:lvl5pPr marL="1828800" indent="0">
+              <a:buNone/>
+              <a:defRPr sz="2000"/>
+            </a:lvl5pPr>
+            <a:lvl6pPr marL="2286000" indent="0">
+              <a:buNone/>
+              <a:defRPr sz="2000"/>
+            </a:lvl6pPr>
+            <a:lvl7pPr marL="2743200" indent="0">
+              <a:buNone/>
+              <a:defRPr sz="2000"/>
+            </a:lvl7pPr>
+            <a:lvl8pPr marL="3200400" indent="0">
+              <a:buNone/>
+              <a:defRPr sz="2000"/>
+            </a:lvl8pPr>
+            <a:lvl9pPr marL="3657600" indent="0">
+              <a:buNone/>
+              <a:defRPr sz="2000"/>
+            </a:lvl9pPr>
           </a:lstStyle>
           <a:p>
             <a:r>
-              <a:rPr kumimoji="0" lang="ja-JP" altLang="en-US" dirty="0" smtClean="0"/>
-              <a:t>アイコンをクリックして図を追加</a:t>
-            </a:r>
-            <a:endParaRPr kumimoji="0" lang="en-US" dirty="0"/>
-          </a:p>
-        </p:txBody>
-      </p:sp>
-      <p:sp>
-        <p:nvSpPr>
-          <p:cNvPr id="4" name="テキスト プレースホルダー 3"/>
+              <a:rPr lang="ja-JP" altLang="en-US" smtClean="0"/>
+              <a:t>図を追加</a:t>
+            </a:r>
+            <a:endParaRPr lang="en-US" dirty="0"/>
+          </a:p>
+        </p:txBody>
+      </p:sp>
+      <p:sp>
+        <p:nvSpPr>
+          <p:cNvPr id="4" name="Text Placeholder 3"/>
           <p:cNvSpPr>
             <a:spLocks noGrp="1"/>
           </p:cNvSpPr>
@@ -3482,49 +3648,66 @@
         </p:nvSpPr>
         <p:spPr>
           <a:xfrm>
-            <a:off x="6088443" y="3274308"/>
-            <a:ext cx="2590800" cy="2516489"/>
+            <a:off x="822959" y="5907024"/>
+            <a:ext cx="7589520" cy="594360"/>
           </a:xfrm>
         </p:spPr>
         <p:txBody>
-          <a:bodyPr lIns="0" tIns="0" rIns="45720" anchor="t"/>
+          <a:bodyPr lIns="91440" tIns="0" rIns="91440" bIns="0">
+            <a:normAutofit/>
+          </a:bodyPr>
           <a:lstStyle>
             <a:lvl1pPr marL="0" indent="0">
-              <a:lnSpc>
-                <a:spcPct val="100000"/>
-              </a:lnSpc>
               <a:spcBef>
                 <a:spcPts val="0"/>
               </a:spcBef>
-              <a:buFontTx/>
-              <a:buNone/>
-              <a:defRPr sz="1300"/>
+              <a:spcAft>
+                <a:spcPts val="600"/>
+              </a:spcAft>
+              <a:buNone/>
+              <a:defRPr sz="1500">
+                <a:solidFill>
+                  <a:srgbClr val="FFFFFF"/>
+                </a:solidFill>
+              </a:defRPr>
             </a:lvl1pPr>
-            <a:lvl2pPr>
-              <a:buFontTx/>
+            <a:lvl2pPr marL="457200" indent="0">
               <a:buNone/>
               <a:defRPr sz="1200"/>
             </a:lvl2pPr>
-            <a:lvl3pPr>
-              <a:buFontTx/>
+            <a:lvl3pPr marL="914400" indent="0">
               <a:buNone/>
               <a:defRPr sz="1000"/>
             </a:lvl3pPr>
-            <a:lvl4pPr>
-              <a:buFontTx/>
+            <a:lvl4pPr marL="1371600" indent="0">
               <a:buNone/>
               <a:defRPr sz="900"/>
             </a:lvl4pPr>
-            <a:lvl5pPr>
-              <a:buFontTx/>
+            <a:lvl5pPr marL="1828800" indent="0">
               <a:buNone/>
               <a:defRPr sz="900"/>
             </a:lvl5pPr>
+            <a:lvl6pPr marL="2286000" indent="0">
+              <a:buNone/>
+              <a:defRPr sz="900"/>
+            </a:lvl6pPr>
+            <a:lvl7pPr marL="2743200" indent="0">
+              <a:buNone/>
+              <a:defRPr sz="900"/>
+            </a:lvl7pPr>
+            <a:lvl8pPr marL="3200400" indent="0">
+              <a:buNone/>
+              <a:defRPr sz="900"/>
+            </a:lvl8pPr>
+            <a:lvl9pPr marL="3657600" indent="0">
+              <a:buNone/>
+              <a:defRPr sz="900"/>
+            </a:lvl9pPr>
           </a:lstStyle>
           <a:p>
-            <a:pPr lvl="0" eaLnBrk="1" latinLnBrk="0" hangingPunct="1"/>
-            <a:r>
-              <a:rPr kumimoji="0" lang="ja-JP" altLang="en-US" smtClean="0"/>
+            <a:pPr lvl="0"/>
+            <a:r>
+              <a:rPr lang="ja-JP" altLang="en-US" smtClean="0"/>
               <a:t>マスター テキストの書式設定</a:t>
             </a:r>
           </a:p>
@@ -3532,7 +3715,7 @@
       </p:sp>
       <p:sp>
         <p:nvSpPr>
-          <p:cNvPr id="5" name="日付プレースホルダー 4"/>
+          <p:cNvPr id="5" name="Date Placeholder 4"/>
           <p:cNvSpPr>
             <a:spLocks noGrp="1"/>
           </p:cNvSpPr>
@@ -3547,7 +3730,7 @@
           <a:p>
             <a:fld id="{C5F67650-BDAE-4852-B98C-63D5BD9AC9EA}" type="datetime1">
               <a:rPr kumimoji="1" lang="ja-JP" altLang="en-US" smtClean="0"/>
-              <a:t>2016/5/30</a:t>
+              <a:t>2017/10/30</a:t>
             </a:fld>
             <a:endParaRPr kumimoji="1" lang="ja-JP" altLang="en-US" dirty="0"/>
           </a:p>
@@ -3555,7 +3738,7 @@
       </p:sp>
       <p:sp>
         <p:nvSpPr>
-          <p:cNvPr id="6" name="フッター プレースホルダー 5"/>
+          <p:cNvPr id="6" name="Footer Placeholder 5"/>
           <p:cNvSpPr>
             <a:spLocks noGrp="1"/>
           </p:cNvSpPr>
@@ -3574,7 +3757,7 @@
       </p:sp>
       <p:sp>
         <p:nvSpPr>
-          <p:cNvPr id="7" name="スライド番号プレースホルダー 6"/>
+          <p:cNvPr id="7" name="Slide Number Placeholder 6"/>
           <p:cNvSpPr>
             <a:spLocks noGrp="1"/>
           </p:cNvSpPr>
@@ -3596,10 +3779,22 @@
         </p:txBody>
       </p:sp>
     </p:spTree>
+    <p:extLst>
+      <p:ext uri="{BB962C8B-B14F-4D97-AF65-F5344CB8AC3E}">
+        <p14:creationId xmlns:p14="http://schemas.microsoft.com/office/powerpoint/2010/main" val="3620568592"/>
+      </p:ext>
+    </p:extLst>
   </p:cSld>
   <p:clrMapOvr>
     <a:masterClrMapping/>
   </p:clrMapOvr>
+  <p:timing>
+    <p:tnLst>
+      <p:par>
+        <p:cTn id="1" dur="indefinite" restart="never" nodeType="tmRoot"/>
+      </p:par>
+    </p:tnLst>
+  </p:timing>
 </p:sldLayout>
 </file>
 
@@ -3627,658 +3822,116 @@
       </p:grpSpPr>
       <p:sp>
         <p:nvSpPr>
-          <p:cNvPr id="28" name="正方形/長方形 27"/>
+          <p:cNvPr id="7" name="Rectangle 6"/>
           <p:cNvSpPr/>
           <p:nvPr/>
         </p:nvSpPr>
         <p:spPr>
           <a:xfrm>
-            <a:off x="1" y="366818"/>
-            <a:ext cx="9144000" cy="84407"/>
+            <a:off x="0" y="6400800"/>
+            <a:ext cx="9144001" cy="457200"/>
           </a:xfrm>
           <a:prstGeom prst="rect">
             <a:avLst/>
           </a:prstGeom>
           <a:solidFill>
-            <a:schemeClr val="accent2">
-              <a:alpha val="50000"/>
-            </a:schemeClr>
+            <a:schemeClr val="accent2"/>
           </a:solidFill>
-          <a:ln w="50800" cap="rnd" cmpd="thickThin" algn="ctr">
+          <a:ln>
             <a:noFill/>
-            <a:prstDash val="solid"/>
           </a:ln>
-          <a:effectLst/>
         </p:spPr>
         <p:style>
-          <a:lnRef idx="3">
-            <a:schemeClr val="lt1"/>
+          <a:lnRef idx="2">
+            <a:schemeClr val="accent1">
+              <a:shade val="50000"/>
+            </a:schemeClr>
           </a:lnRef>
           <a:fillRef idx="1">
             <a:schemeClr val="accent1"/>
           </a:fillRef>
-          <a:effectRef idx="1">
+          <a:effectRef idx="0">
             <a:schemeClr val="accent1"/>
           </a:effectRef>
           <a:fontRef idx="minor">
             <a:schemeClr val="lt1"/>
           </a:fontRef>
         </p:style>
-        <p:txBody>
-          <a:bodyPr anchor="ctr"/>
-          <a:lstStyle/>
-          <a:p>
-            <a:pPr algn="ctr" eaLnBrk="1" latinLnBrk="0" hangingPunct="1"/>
-            <a:endParaRPr kumimoji="0" lang="en-US" dirty="0"/>
-          </a:p>
-        </p:txBody>
-      </p:sp>
-      <p:sp>
-        <p:nvSpPr>
-          <p:cNvPr id="29" name="正方形/長方形 28"/>
+      </p:sp>
+      <p:sp>
+        <p:nvSpPr>
+          <p:cNvPr id="9" name="Rectangle 8"/>
           <p:cNvSpPr/>
           <p:nvPr/>
         </p:nvSpPr>
         <p:spPr>
           <a:xfrm>
-            <a:off x="0" y="-1"/>
-            <a:ext cx="9144000" cy="310663"/>
+            <a:off x="0" y="6334315"/>
+            <a:ext cx="9144001" cy="65999"/>
           </a:xfrm>
           <a:prstGeom prst="rect">
             <a:avLst/>
           </a:prstGeom>
           <a:solidFill>
-            <a:schemeClr val="tx2">
-              <a:alpha val="100000"/>
-            </a:schemeClr>
+            <a:schemeClr val="accent1"/>
           </a:solidFill>
-          <a:ln w="50800" cap="rnd" cmpd="thickThin" algn="ctr">
+          <a:ln>
             <a:noFill/>
-            <a:prstDash val="solid"/>
           </a:ln>
-          <a:effectLst/>
         </p:spPr>
         <p:style>
-          <a:lnRef idx="3">
-            <a:schemeClr val="lt1"/>
+          <a:lnRef idx="2">
+            <a:schemeClr val="accent1">
+              <a:shade val="50000"/>
+            </a:schemeClr>
           </a:lnRef>
           <a:fillRef idx="1">
             <a:schemeClr val="accent1"/>
           </a:fillRef>
-          <a:effectRef idx="1">
+          <a:effectRef idx="0">
             <a:schemeClr val="accent1"/>
           </a:effectRef>
           <a:fontRef idx="minor">
             <a:schemeClr val="lt1"/>
           </a:fontRef>
         </p:style>
-        <p:txBody>
-          <a:bodyPr anchor="ctr"/>
-          <a:lstStyle/>
-          <a:p>
-            <a:pPr algn="ctr" eaLnBrk="1" latinLnBrk="0" hangingPunct="1"/>
-            <a:endParaRPr kumimoji="0" lang="en-US" dirty="0"/>
-          </a:p>
-        </p:txBody>
-      </p:sp>
-      <p:sp>
-        <p:nvSpPr>
-          <p:cNvPr id="30" name="正方形/長方形 29"/>
-          <p:cNvSpPr/>
-          <p:nvPr/>
+      </p:sp>
+      <p:sp>
+        <p:nvSpPr>
+          <p:cNvPr id="2" name="Title Placeholder 1"/>
+          <p:cNvSpPr>
+            <a:spLocks noGrp="1"/>
+          </p:cNvSpPr>
+          <p:nvPr>
+            <p:ph type="title"/>
+          </p:nvPr>
         </p:nvSpPr>
         <p:spPr>
           <a:xfrm>
-            <a:off x="0" y="308276"/>
-            <a:ext cx="9144001" cy="91441"/>
-          </a:xfrm>
-          <a:prstGeom prst="rect">
-            <a:avLst/>
-          </a:prstGeom>
-          <a:solidFill>
-            <a:schemeClr val="accent2">
-              <a:alpha val="100000"/>
-            </a:schemeClr>
-          </a:solidFill>
-          <a:ln w="50800" cap="rnd" cmpd="thickThin" algn="ctr">
-            <a:noFill/>
-            <a:prstDash val="solid"/>
-          </a:ln>
-          <a:effectLst/>
-        </p:spPr>
-        <p:style>
-          <a:lnRef idx="3">
-            <a:schemeClr val="lt1"/>
-          </a:lnRef>
-          <a:fillRef idx="1">
-            <a:schemeClr val="accent1"/>
-          </a:fillRef>
-          <a:effectRef idx="1">
-            <a:schemeClr val="accent1"/>
-          </a:effectRef>
-          <a:fontRef idx="minor">
-            <a:schemeClr val="lt1"/>
-          </a:fontRef>
-        </p:style>
-        <p:txBody>
-          <a:bodyPr anchor="ctr"/>
-          <a:lstStyle/>
-          <a:p>
-            <a:pPr algn="ctr" eaLnBrk="1" latinLnBrk="0" hangingPunct="1"/>
-            <a:endParaRPr kumimoji="0" lang="en-US" dirty="0"/>
-          </a:p>
-        </p:txBody>
-      </p:sp>
-      <p:sp>
-        <p:nvSpPr>
-          <p:cNvPr id="31" name="正方形/長方形 30"/>
-          <p:cNvSpPr/>
-          <p:nvPr/>
-        </p:nvSpPr>
-        <p:spPr>
-          <a:xfrm flipV="1">
-            <a:off x="5410182" y="360246"/>
-            <a:ext cx="3733819" cy="91087"/>
-          </a:xfrm>
-          <a:prstGeom prst="rect">
-            <a:avLst/>
-          </a:prstGeom>
-          <a:solidFill>
-            <a:schemeClr val="accent2">
-              <a:alpha val="100000"/>
-            </a:schemeClr>
-          </a:solidFill>
-          <a:ln w="50800" cap="rnd" cmpd="thickThin" algn="ctr">
-            <a:noFill/>
-            <a:prstDash val="solid"/>
-          </a:ln>
-          <a:effectLst/>
-        </p:spPr>
-        <p:style>
-          <a:lnRef idx="3">
-            <a:schemeClr val="lt1"/>
-          </a:lnRef>
-          <a:fillRef idx="1">
-            <a:schemeClr val="accent1"/>
-          </a:fillRef>
-          <a:effectRef idx="1">
-            <a:schemeClr val="accent1"/>
-          </a:effectRef>
-          <a:fontRef idx="minor">
-            <a:schemeClr val="lt1"/>
-          </a:fontRef>
-        </p:style>
-        <p:txBody>
-          <a:bodyPr anchor="ctr"/>
-          <a:lstStyle/>
-          <a:p>
-            <a:pPr algn="ctr" eaLnBrk="1" latinLnBrk="0" hangingPunct="1"/>
-            <a:endParaRPr kumimoji="0" lang="en-US" dirty="0"/>
-          </a:p>
-        </p:txBody>
-      </p:sp>
-      <p:sp>
-        <p:nvSpPr>
-          <p:cNvPr id="32" name="正方形/長方形 31"/>
-          <p:cNvSpPr/>
-          <p:nvPr/>
-        </p:nvSpPr>
-        <p:spPr>
-          <a:xfrm flipV="1">
-            <a:off x="5410200" y="440112"/>
-            <a:ext cx="3733801" cy="180035"/>
-          </a:xfrm>
-          <a:prstGeom prst="rect">
-            <a:avLst/>
-          </a:prstGeom>
-          <a:solidFill>
-            <a:schemeClr val="accent2">
-              <a:alpha val="50000"/>
-            </a:schemeClr>
-          </a:solidFill>
-          <a:ln w="50800" cap="rnd" cmpd="thickThin" algn="ctr">
-            <a:noFill/>
-            <a:prstDash val="solid"/>
-          </a:ln>
-          <a:effectLst/>
-        </p:spPr>
-        <p:style>
-          <a:lnRef idx="3">
-            <a:schemeClr val="lt1"/>
-          </a:lnRef>
-          <a:fillRef idx="1">
-            <a:schemeClr val="accent1"/>
-          </a:fillRef>
-          <a:effectRef idx="1">
-            <a:schemeClr val="accent1"/>
-          </a:effectRef>
-          <a:fontRef idx="minor">
-            <a:schemeClr val="lt1"/>
-          </a:fontRef>
-        </p:style>
-        <p:txBody>
-          <a:bodyPr anchor="ctr"/>
-          <a:lstStyle/>
-          <a:p>
-            <a:pPr algn="ctr" eaLnBrk="1" latinLnBrk="0" hangingPunct="1"/>
-            <a:endParaRPr kumimoji="0" lang="en-US" dirty="0"/>
-          </a:p>
-        </p:txBody>
-      </p:sp>
-      <p:sp useBgFill="1">
-        <p:nvSpPr>
-          <p:cNvPr id="33" name="角丸四角形 32"/>
-          <p:cNvSpPr/>
-          <p:nvPr/>
-        </p:nvSpPr>
-        <p:spPr bwMode="white">
-          <a:xfrm>
-            <a:off x="5407339" y="497504"/>
-            <a:ext cx="3063240" cy="27432"/>
-          </a:xfrm>
-          <a:prstGeom prst="roundRect">
-            <a:avLst>
-              <a:gd name="adj" fmla="val 16667"/>
-            </a:avLst>
-          </a:prstGeom>
-          <a:ln w="50800" cap="rnd" cmpd="thickThin" algn="ctr">
-            <a:noFill/>
-            <a:prstDash val="solid"/>
-          </a:ln>
-          <a:effectLst/>
-        </p:spPr>
-        <p:style>
-          <a:lnRef idx="3">
-            <a:schemeClr val="lt1"/>
-          </a:lnRef>
-          <a:fillRef idx="1">
-            <a:schemeClr val="accent1"/>
-          </a:fillRef>
-          <a:effectRef idx="1">
-            <a:schemeClr val="accent1"/>
-          </a:effectRef>
-          <a:fontRef idx="minor">
-            <a:schemeClr val="lt1"/>
-          </a:fontRef>
-        </p:style>
-        <p:txBody>
-          <a:bodyPr anchor="ctr"/>
-          <a:lstStyle/>
-          <a:p>
-            <a:pPr algn="ctr" eaLnBrk="1" latinLnBrk="0" hangingPunct="1"/>
-            <a:endParaRPr kumimoji="0" lang="en-US" dirty="0"/>
-          </a:p>
-        </p:txBody>
-      </p:sp>
-      <p:sp useBgFill="1">
-        <p:nvSpPr>
-          <p:cNvPr id="34" name="角丸四角形 33"/>
-          <p:cNvSpPr/>
-          <p:nvPr/>
-        </p:nvSpPr>
-        <p:spPr bwMode="white">
-          <a:xfrm>
-            <a:off x="7373646" y="588943"/>
-            <a:ext cx="1600200" cy="36576"/>
-          </a:xfrm>
-          <a:prstGeom prst="roundRect">
-            <a:avLst>
-              <a:gd name="adj" fmla="val 16667"/>
-            </a:avLst>
-          </a:prstGeom>
-          <a:ln w="50800" cap="rnd" cmpd="thickThin" algn="ctr">
-            <a:noFill/>
-            <a:prstDash val="solid"/>
-          </a:ln>
-          <a:effectLst/>
-        </p:spPr>
-        <p:style>
-          <a:lnRef idx="3">
-            <a:schemeClr val="lt1"/>
-          </a:lnRef>
-          <a:fillRef idx="1">
-            <a:schemeClr val="accent1"/>
-          </a:fillRef>
-          <a:effectRef idx="1">
-            <a:schemeClr val="accent1"/>
-          </a:effectRef>
-          <a:fontRef idx="minor">
-            <a:schemeClr val="lt1"/>
-          </a:fontRef>
-        </p:style>
-        <p:txBody>
-          <a:bodyPr anchor="ctr"/>
-          <a:lstStyle/>
-          <a:p>
-            <a:pPr algn="ctr" eaLnBrk="1" latinLnBrk="0" hangingPunct="1"/>
-            <a:endParaRPr kumimoji="0" lang="en-US" dirty="0"/>
-          </a:p>
-        </p:txBody>
-      </p:sp>
-      <p:sp>
-        <p:nvSpPr>
-          <p:cNvPr id="35" name="正方形/長方形 34"/>
-          <p:cNvSpPr/>
-          <p:nvPr/>
-        </p:nvSpPr>
-        <p:spPr bwMode="invGray">
-          <a:xfrm>
-            <a:off x="9084966" y="-2001"/>
-            <a:ext cx="57626" cy="621792"/>
-          </a:xfrm>
-          <a:prstGeom prst="rect">
-            <a:avLst/>
-          </a:prstGeom>
-          <a:solidFill>
-            <a:srgbClr val="FFFFFF">
-              <a:alpha val="65098"/>
-            </a:srgbClr>
-          </a:solidFill>
-          <a:ln w="50800" cap="rnd" cmpd="thickThin" algn="ctr">
-            <a:noFill/>
-            <a:prstDash val="solid"/>
-          </a:ln>
-          <a:effectLst/>
-        </p:spPr>
-        <p:style>
-          <a:lnRef idx="3">
-            <a:schemeClr val="lt1"/>
-          </a:lnRef>
-          <a:fillRef idx="1">
-            <a:schemeClr val="accent1"/>
-          </a:fillRef>
-          <a:effectRef idx="1">
-            <a:schemeClr val="accent1"/>
-          </a:effectRef>
-          <a:fontRef idx="minor">
-            <a:schemeClr val="lt1"/>
-          </a:fontRef>
-        </p:style>
-        <p:txBody>
-          <a:bodyPr anchor="ctr"/>
-          <a:lstStyle/>
-          <a:p>
-            <a:pPr algn="ctr" eaLnBrk="1" latinLnBrk="0" hangingPunct="1"/>
-            <a:endParaRPr kumimoji="0" lang="en-US" dirty="0"/>
-          </a:p>
-        </p:txBody>
-      </p:sp>
-      <p:sp>
-        <p:nvSpPr>
-          <p:cNvPr id="36" name="正方形/長方形 35"/>
-          <p:cNvSpPr/>
-          <p:nvPr/>
-        </p:nvSpPr>
-        <p:spPr bwMode="invGray">
-          <a:xfrm>
-            <a:off x="9044481" y="-2001"/>
-            <a:ext cx="27432" cy="621792"/>
-          </a:xfrm>
-          <a:prstGeom prst="rect">
-            <a:avLst/>
-          </a:prstGeom>
-          <a:solidFill>
-            <a:srgbClr val="FFFFFF">
-              <a:alpha val="65098"/>
-            </a:srgbClr>
-          </a:solidFill>
-          <a:ln w="50800" cap="rnd" cmpd="thickThin" algn="ctr">
-            <a:noFill/>
-            <a:prstDash val="solid"/>
-          </a:ln>
-          <a:effectLst/>
-        </p:spPr>
-        <p:style>
-          <a:lnRef idx="3">
-            <a:schemeClr val="lt1"/>
-          </a:lnRef>
-          <a:fillRef idx="1">
-            <a:schemeClr val="accent1"/>
-          </a:fillRef>
-          <a:effectRef idx="1">
-            <a:schemeClr val="accent1"/>
-          </a:effectRef>
-          <a:fontRef idx="minor">
-            <a:schemeClr val="lt1"/>
-          </a:fontRef>
-        </p:style>
-        <p:txBody>
-          <a:bodyPr anchor="ctr"/>
-          <a:lstStyle/>
-          <a:p>
-            <a:pPr algn="ctr" eaLnBrk="1" latinLnBrk="0" hangingPunct="1"/>
-            <a:endParaRPr kumimoji="0" lang="en-US" dirty="0"/>
-          </a:p>
-        </p:txBody>
-      </p:sp>
-      <p:sp>
-        <p:nvSpPr>
-          <p:cNvPr id="37" name="正方形/長方形 36"/>
-          <p:cNvSpPr/>
-          <p:nvPr/>
-        </p:nvSpPr>
-        <p:spPr bwMode="invGray">
-          <a:xfrm>
-            <a:off x="9025428" y="-2001"/>
-            <a:ext cx="9144" cy="621792"/>
-          </a:xfrm>
-          <a:prstGeom prst="rect">
-            <a:avLst/>
-          </a:prstGeom>
-          <a:solidFill>
-            <a:srgbClr val="FFFFFF">
-              <a:alpha val="60000"/>
-            </a:srgbClr>
-          </a:solidFill>
-          <a:ln w="50800" cap="rnd" cmpd="thickThin" algn="ctr">
-            <a:noFill/>
-            <a:prstDash val="solid"/>
-          </a:ln>
-          <a:effectLst/>
-        </p:spPr>
-        <p:style>
-          <a:lnRef idx="3">
-            <a:schemeClr val="lt1"/>
-          </a:lnRef>
-          <a:fillRef idx="1">
-            <a:schemeClr val="accent1"/>
-          </a:fillRef>
-          <a:effectRef idx="1">
-            <a:schemeClr val="accent1"/>
-          </a:effectRef>
-          <a:fontRef idx="minor">
-            <a:schemeClr val="lt1"/>
-          </a:fontRef>
-        </p:style>
-        <p:txBody>
-          <a:bodyPr anchor="ctr"/>
-          <a:lstStyle/>
-          <a:p>
-            <a:pPr algn="ctr" eaLnBrk="1" latinLnBrk="0" hangingPunct="1"/>
-            <a:endParaRPr kumimoji="0" lang="en-US" dirty="0"/>
-          </a:p>
-        </p:txBody>
-      </p:sp>
-      <p:sp>
-        <p:nvSpPr>
-          <p:cNvPr id="38" name="正方形/長方形 37"/>
-          <p:cNvSpPr/>
-          <p:nvPr/>
-        </p:nvSpPr>
-        <p:spPr bwMode="invGray">
-          <a:xfrm>
-            <a:off x="8975423" y="-2001"/>
-            <a:ext cx="27432" cy="621792"/>
-          </a:xfrm>
-          <a:prstGeom prst="rect">
-            <a:avLst/>
-          </a:prstGeom>
-          <a:solidFill>
-            <a:srgbClr val="FFFFFF">
-              <a:alpha val="40000"/>
-            </a:srgbClr>
-          </a:solidFill>
-          <a:ln w="50800" cap="rnd" cmpd="thickThin" algn="ctr">
-            <a:noFill/>
-            <a:prstDash val="solid"/>
-          </a:ln>
-          <a:effectLst/>
-        </p:spPr>
-        <p:style>
-          <a:lnRef idx="3">
-            <a:schemeClr val="lt1"/>
-          </a:lnRef>
-          <a:fillRef idx="1">
-            <a:schemeClr val="accent1"/>
-          </a:fillRef>
-          <a:effectRef idx="1">
-            <a:schemeClr val="accent1"/>
-          </a:effectRef>
-          <a:fontRef idx="minor">
-            <a:schemeClr val="lt1"/>
-          </a:fontRef>
-        </p:style>
-        <p:txBody>
-          <a:bodyPr anchor="ctr"/>
-          <a:lstStyle/>
-          <a:p>
-            <a:pPr algn="ctr" eaLnBrk="1" latinLnBrk="0" hangingPunct="1"/>
-            <a:endParaRPr kumimoji="0" lang="en-US" dirty="0"/>
-          </a:p>
-        </p:txBody>
-      </p:sp>
-      <p:sp>
-        <p:nvSpPr>
-          <p:cNvPr id="39" name="正方形/長方形 38"/>
-          <p:cNvSpPr/>
-          <p:nvPr/>
-        </p:nvSpPr>
-        <p:spPr bwMode="invGray">
-          <a:xfrm>
-            <a:off x="8915677" y="380"/>
-            <a:ext cx="54864" cy="585216"/>
-          </a:xfrm>
-          <a:prstGeom prst="rect">
-            <a:avLst/>
-          </a:prstGeom>
-          <a:solidFill>
-            <a:srgbClr val="FFFFFF">
-              <a:alpha val="20000"/>
-            </a:srgbClr>
-          </a:solidFill>
-          <a:ln w="50800" cap="rnd" cmpd="thickThin" algn="ctr">
-            <a:noFill/>
-            <a:prstDash val="solid"/>
-          </a:ln>
-          <a:effectLst/>
-        </p:spPr>
-        <p:style>
-          <a:lnRef idx="3">
-            <a:schemeClr val="lt1"/>
-          </a:lnRef>
-          <a:fillRef idx="1">
-            <a:schemeClr val="accent1"/>
-          </a:fillRef>
-          <a:effectRef idx="1">
-            <a:schemeClr val="accent1"/>
-          </a:effectRef>
-          <a:fontRef idx="minor">
-            <a:schemeClr val="lt1"/>
-          </a:fontRef>
-        </p:style>
-        <p:txBody>
-          <a:bodyPr anchor="ctr"/>
-          <a:lstStyle/>
-          <a:p>
-            <a:pPr algn="ctr" eaLnBrk="1" latinLnBrk="0" hangingPunct="1"/>
-            <a:endParaRPr kumimoji="0" lang="en-US" dirty="0"/>
-          </a:p>
-        </p:txBody>
-      </p:sp>
-      <p:sp>
-        <p:nvSpPr>
-          <p:cNvPr id="40" name="正方形/長方形 39"/>
-          <p:cNvSpPr/>
-          <p:nvPr/>
-        </p:nvSpPr>
-        <p:spPr bwMode="invGray">
-          <a:xfrm>
-            <a:off x="8873475" y="380"/>
-            <a:ext cx="9144" cy="585216"/>
-          </a:xfrm>
-          <a:prstGeom prst="rect">
-            <a:avLst/>
-          </a:prstGeom>
-          <a:solidFill>
-            <a:srgbClr val="FFFFFF">
-              <a:alpha val="30196"/>
-            </a:srgbClr>
-          </a:solidFill>
-          <a:ln w="50800" cap="rnd" cmpd="thickThin" algn="ctr">
-            <a:noFill/>
-            <a:prstDash val="solid"/>
-          </a:ln>
-          <a:effectLst/>
-        </p:spPr>
-        <p:style>
-          <a:lnRef idx="3">
-            <a:schemeClr val="lt1"/>
-          </a:lnRef>
-          <a:fillRef idx="1">
-            <a:schemeClr val="accent1"/>
-          </a:fillRef>
-          <a:effectRef idx="1">
-            <a:schemeClr val="accent1"/>
-          </a:effectRef>
-          <a:fontRef idx="minor">
-            <a:schemeClr val="lt1"/>
-          </a:fontRef>
-        </p:style>
-        <p:txBody>
-          <a:bodyPr anchor="ctr"/>
-          <a:lstStyle/>
-          <a:p>
-            <a:pPr algn="ctr" eaLnBrk="1" latinLnBrk="0" hangingPunct="1"/>
-            <a:endParaRPr kumimoji="0" lang="en-US" dirty="0"/>
-          </a:p>
-        </p:txBody>
-      </p:sp>
-      <p:sp>
-        <p:nvSpPr>
-          <p:cNvPr id="22" name="タイトル プレースホルダー 21"/>
-          <p:cNvSpPr>
-            <a:spLocks noGrp="1"/>
-          </p:cNvSpPr>
-          <p:nvPr>
-            <p:ph type="title"/>
-          </p:nvPr>
-        </p:nvSpPr>
-        <p:spPr>
-          <a:xfrm>
-            <a:off x="457200" y="1143000"/>
-            <a:ext cx="8229600" cy="1066800"/>
+            <a:off x="822960" y="286604"/>
+            <a:ext cx="7543800" cy="1450757"/>
           </a:xfrm>
           <a:prstGeom prst="rect">
             <a:avLst/>
           </a:prstGeom>
         </p:spPr>
         <p:txBody>
-          <a:bodyPr vert="horz" anchor="ctr">
+          <a:bodyPr vert="horz" lIns="91440" tIns="45720" rIns="91440" bIns="45720" rtlCol="0" anchor="b">
             <a:normAutofit/>
           </a:bodyPr>
           <a:lstStyle/>
           <a:p>
             <a:r>
-              <a:rPr kumimoji="0" lang="ja-JP" altLang="en-US" smtClean="0"/>
+              <a:rPr lang="ja-JP" altLang="en-US" smtClean="0"/>
               <a:t>マスター タイトルの書式設定</a:t>
             </a:r>
-            <a:endParaRPr kumimoji="0" lang="en-US"/>
-          </a:p>
-        </p:txBody>
-      </p:sp>
-      <p:sp>
-        <p:nvSpPr>
-          <p:cNvPr id="13" name="テキスト プレースホルダー 12"/>
+            <a:endParaRPr lang="en-US" dirty="0"/>
+          </a:p>
+        </p:txBody>
+      </p:sp>
+      <p:sp>
+        <p:nvSpPr>
+          <p:cNvPr id="3" name="Text Placeholder 2"/>
           <p:cNvSpPr>
             <a:spLocks noGrp="1"/>
           </p:cNvSpPr>
@@ -4288,91 +3941,91 @@
         </p:nvSpPr>
         <p:spPr>
           <a:xfrm>
-            <a:off x="457200" y="2249424"/>
-            <a:ext cx="8229600" cy="4325112"/>
+            <a:off x="822959" y="1845734"/>
+            <a:ext cx="7543801" cy="4023360"/>
           </a:xfrm>
           <a:prstGeom prst="rect">
             <a:avLst/>
           </a:prstGeom>
         </p:spPr>
         <p:txBody>
-          <a:bodyPr vert="horz">
+          <a:bodyPr vert="horz" lIns="0" tIns="45720" rIns="0" bIns="45720" rtlCol="0">
             <a:normAutofit/>
           </a:bodyPr>
           <a:lstStyle/>
           <a:p>
-            <a:pPr lvl="0" eaLnBrk="1" latinLnBrk="0" hangingPunct="1"/>
-            <a:r>
-              <a:rPr kumimoji="0" lang="ja-JP" altLang="en-US" smtClean="0"/>
+            <a:pPr lvl="0"/>
+            <a:r>
+              <a:rPr lang="ja-JP" altLang="en-US" smtClean="0"/>
               <a:t>マスター テキストの書式設定</a:t>
             </a:r>
           </a:p>
           <a:p>
-            <a:pPr lvl="1" eaLnBrk="1" latinLnBrk="0" hangingPunct="1"/>
-            <a:r>
-              <a:rPr kumimoji="0" lang="ja-JP" altLang="en-US" smtClean="0"/>
+            <a:pPr lvl="1"/>
+            <a:r>
+              <a:rPr lang="ja-JP" altLang="en-US" smtClean="0"/>
               <a:t>第 </a:t>
             </a:r>
             <a:r>
-              <a:rPr kumimoji="0" lang="en-US" altLang="ja-JP" smtClean="0"/>
+              <a:rPr lang="en-US" altLang="ja-JP" smtClean="0"/>
               <a:t>2 </a:t>
             </a:r>
             <a:r>
-              <a:rPr kumimoji="0" lang="ja-JP" altLang="en-US" smtClean="0"/>
+              <a:rPr lang="ja-JP" altLang="en-US" smtClean="0"/>
               <a:t>レベル</a:t>
             </a:r>
           </a:p>
           <a:p>
-            <a:pPr lvl="2" eaLnBrk="1" latinLnBrk="0" hangingPunct="1"/>
-            <a:r>
-              <a:rPr kumimoji="0" lang="ja-JP" altLang="en-US" smtClean="0"/>
+            <a:pPr lvl="2"/>
+            <a:r>
+              <a:rPr lang="ja-JP" altLang="en-US" smtClean="0"/>
               <a:t>第 </a:t>
             </a:r>
             <a:r>
-              <a:rPr kumimoji="0" lang="en-US" altLang="ja-JP" smtClean="0"/>
+              <a:rPr lang="en-US" altLang="ja-JP" smtClean="0"/>
               <a:t>3 </a:t>
             </a:r>
             <a:r>
-              <a:rPr kumimoji="0" lang="ja-JP" altLang="en-US" smtClean="0"/>
+              <a:rPr lang="ja-JP" altLang="en-US" smtClean="0"/>
               <a:t>レベル</a:t>
             </a:r>
           </a:p>
           <a:p>
-            <a:pPr lvl="3" eaLnBrk="1" latinLnBrk="0" hangingPunct="1"/>
-            <a:r>
-              <a:rPr kumimoji="0" lang="ja-JP" altLang="en-US" smtClean="0"/>
+            <a:pPr lvl="3"/>
+            <a:r>
+              <a:rPr lang="ja-JP" altLang="en-US" smtClean="0"/>
               <a:t>第 </a:t>
             </a:r>
             <a:r>
-              <a:rPr kumimoji="0" lang="en-US" altLang="ja-JP" smtClean="0"/>
+              <a:rPr lang="en-US" altLang="ja-JP" smtClean="0"/>
               <a:t>4 </a:t>
             </a:r>
             <a:r>
-              <a:rPr kumimoji="0" lang="ja-JP" altLang="en-US" smtClean="0"/>
+              <a:rPr lang="ja-JP" altLang="en-US" smtClean="0"/>
               <a:t>レベル</a:t>
             </a:r>
           </a:p>
           <a:p>
-            <a:pPr lvl="4" eaLnBrk="1" latinLnBrk="0" hangingPunct="1"/>
-            <a:r>
-              <a:rPr kumimoji="0" lang="ja-JP" altLang="en-US" smtClean="0"/>
+            <a:pPr lvl="4"/>
+            <a:r>
+              <a:rPr lang="ja-JP" altLang="en-US" smtClean="0"/>
               <a:t>第 </a:t>
             </a:r>
             <a:r>
-              <a:rPr kumimoji="0" lang="en-US" altLang="ja-JP" smtClean="0"/>
+              <a:rPr lang="en-US" altLang="ja-JP" smtClean="0"/>
               <a:t>5 </a:t>
             </a:r>
             <a:r>
-              <a:rPr kumimoji="0" lang="ja-JP" altLang="en-US" smtClean="0"/>
+              <a:rPr lang="ja-JP" altLang="en-US" smtClean="0"/>
               <a:t>レベル</a:t>
             </a:r>
-            <a:endParaRPr kumimoji="0" lang="en-US"/>
-          </a:p>
-        </p:txBody>
-      </p:sp>
-      <p:sp>
-        <p:nvSpPr>
-          <p:cNvPr id="14" name="日付プレースホルダー 13"/>
+            <a:endParaRPr lang="en-US" dirty="0"/>
+          </a:p>
+        </p:txBody>
+      </p:sp>
+      <p:sp>
+        <p:nvSpPr>
+          <p:cNvPr id="4" name="Date Placeholder 3"/>
           <p:cNvSpPr>
             <a:spLocks noGrp="1"/>
           </p:cNvSpPr>
@@ -4382,92 +4035,18 @@
         </p:nvSpPr>
         <p:spPr>
           <a:xfrm>
-            <a:off x="6586536" y="612648"/>
-            <a:ext cx="957264" cy="457200"/>
+            <a:off x="822961" y="6459786"/>
+            <a:ext cx="1854203" cy="365125"/>
           </a:xfrm>
           <a:prstGeom prst="rect">
             <a:avLst/>
           </a:prstGeom>
         </p:spPr>
         <p:txBody>
-          <a:bodyPr vert="horz"/>
+          <a:bodyPr vert="horz" lIns="91440" tIns="45720" rIns="91440" bIns="45720" rtlCol="0" anchor="ctr"/>
           <a:lstStyle>
-            <a:lvl1pPr algn="l" eaLnBrk="1" latinLnBrk="0" hangingPunct="1">
-              <a:defRPr kumimoji="0" sz="800">
-                <a:solidFill>
-                  <a:schemeClr val="accent2"/>
-                </a:solidFill>
-              </a:defRPr>
-            </a:lvl1pPr>
-          </a:lstStyle>
-          <a:p>
-            <a:fld id="{627E374C-9936-45C4-B6F0-74B04D90F15C}" type="datetime1">
-              <a:rPr kumimoji="1" lang="ja-JP" altLang="en-US" smtClean="0"/>
-              <a:t>2016/5/30</a:t>
-            </a:fld>
-            <a:endParaRPr kumimoji="1" lang="ja-JP" altLang="en-US" dirty="0"/>
-          </a:p>
-        </p:txBody>
-      </p:sp>
-      <p:sp>
-        <p:nvSpPr>
-          <p:cNvPr id="3" name="フッター プレースホルダー 2"/>
-          <p:cNvSpPr>
-            <a:spLocks noGrp="1"/>
-          </p:cNvSpPr>
-          <p:nvPr>
-            <p:ph type="ftr" sz="quarter" idx="3"/>
-          </p:nvPr>
-        </p:nvSpPr>
-        <p:spPr>
-          <a:xfrm>
-            <a:off x="5257800" y="612648"/>
-            <a:ext cx="1325880" cy="457200"/>
-          </a:xfrm>
-          <a:prstGeom prst="rect">
-            <a:avLst/>
-          </a:prstGeom>
-        </p:spPr>
-        <p:txBody>
-          <a:bodyPr vert="horz"/>
-          <a:lstStyle>
-            <a:lvl1pPr algn="r" eaLnBrk="1" latinLnBrk="0" hangingPunct="1">
-              <a:defRPr kumimoji="0" sz="800">
-                <a:solidFill>
-                  <a:schemeClr val="accent2"/>
-                </a:solidFill>
-              </a:defRPr>
-            </a:lvl1pPr>
-          </a:lstStyle>
-          <a:p>
-            <a:endParaRPr kumimoji="1" lang="ja-JP" altLang="en-US" dirty="0"/>
-          </a:p>
-        </p:txBody>
-      </p:sp>
-      <p:sp>
-        <p:nvSpPr>
-          <p:cNvPr id="23" name="スライド番号プレースホルダー 22"/>
-          <p:cNvSpPr>
-            <a:spLocks noGrp="1"/>
-          </p:cNvSpPr>
-          <p:nvPr>
-            <p:ph type="sldNum" sz="quarter" idx="4"/>
-          </p:nvPr>
-        </p:nvSpPr>
-        <p:spPr>
-          <a:xfrm>
-            <a:off x="8174736" y="2272"/>
-            <a:ext cx="762000" cy="365760"/>
-          </a:xfrm>
-          <a:prstGeom prst="rect">
-            <a:avLst/>
-          </a:prstGeom>
-        </p:spPr>
-        <p:txBody>
-          <a:bodyPr vert="horz" anchor="b"/>
-          <a:lstStyle>
-            <a:lvl1pPr algn="r" eaLnBrk="1" latinLnBrk="0" hangingPunct="1">
-              <a:defRPr kumimoji="0" sz="1800">
+            <a:lvl1pPr algn="l">
+              <a:defRPr sz="900">
                 <a:solidFill>
                   <a:srgbClr val="FFFFFF"/>
                 </a:solidFill>
@@ -4475,6 +4054,80 @@
             </a:lvl1pPr>
           </a:lstStyle>
           <a:p>
+            <a:fld id="{627E374C-9936-45C4-B6F0-74B04D90F15C}" type="datetime1">
+              <a:rPr kumimoji="1" lang="ja-JP" altLang="en-US" smtClean="0"/>
+              <a:t>2017/10/30</a:t>
+            </a:fld>
+            <a:endParaRPr kumimoji="1" lang="ja-JP" altLang="en-US" dirty="0"/>
+          </a:p>
+        </p:txBody>
+      </p:sp>
+      <p:sp>
+        <p:nvSpPr>
+          <p:cNvPr id="5" name="Footer Placeholder 4"/>
+          <p:cNvSpPr>
+            <a:spLocks noGrp="1"/>
+          </p:cNvSpPr>
+          <p:nvPr>
+            <p:ph type="ftr" sz="quarter" idx="3"/>
+          </p:nvPr>
+        </p:nvSpPr>
+        <p:spPr>
+          <a:xfrm>
+            <a:off x="2764639" y="6459786"/>
+            <a:ext cx="3617103" cy="365125"/>
+          </a:xfrm>
+          <a:prstGeom prst="rect">
+            <a:avLst/>
+          </a:prstGeom>
+        </p:spPr>
+        <p:txBody>
+          <a:bodyPr vert="horz" lIns="91440" tIns="45720" rIns="91440" bIns="45720" rtlCol="0" anchor="ctr"/>
+          <a:lstStyle>
+            <a:lvl1pPr algn="ctr">
+              <a:defRPr sz="900" cap="all" baseline="0">
+                <a:solidFill>
+                  <a:srgbClr val="FFFFFF"/>
+                </a:solidFill>
+              </a:defRPr>
+            </a:lvl1pPr>
+          </a:lstStyle>
+          <a:p>
+            <a:endParaRPr kumimoji="1" lang="ja-JP" altLang="en-US" dirty="0"/>
+          </a:p>
+        </p:txBody>
+      </p:sp>
+      <p:sp>
+        <p:nvSpPr>
+          <p:cNvPr id="6" name="Slide Number Placeholder 5"/>
+          <p:cNvSpPr>
+            <a:spLocks noGrp="1"/>
+          </p:cNvSpPr>
+          <p:nvPr>
+            <p:ph type="sldNum" sz="quarter" idx="4"/>
+          </p:nvPr>
+        </p:nvSpPr>
+        <p:spPr>
+          <a:xfrm>
+            <a:off x="7425344" y="6459786"/>
+            <a:ext cx="984019" cy="365125"/>
+          </a:xfrm>
+          <a:prstGeom prst="rect">
+            <a:avLst/>
+          </a:prstGeom>
+        </p:spPr>
+        <p:txBody>
+          <a:bodyPr vert="horz" lIns="91440" tIns="45720" rIns="91440" bIns="45720" rtlCol="0" anchor="ctr"/>
+          <a:lstStyle>
+            <a:lvl1pPr algn="r">
+              <a:defRPr sz="1050">
+                <a:solidFill>
+                  <a:srgbClr val="FFFFFF"/>
+                </a:solidFill>
+              </a:defRPr>
+            </a:lvl1pPr>
+          </a:lstStyle>
+          <a:p>
             <a:fld id="{844D5AC9-94A7-43D1-943D-A48FDE10BE50}" type="slidenum">
               <a:rPr kumimoji="1" lang="ja-JP" altLang="en-US" smtClean="0"/>
               <a:t>‹#›</a:t>
@@ -4484,32 +4137,50 @@
         </p:txBody>
       </p:sp>
     </p:spTree>
+    <p:extLst>
+      <p:ext uri="{BB962C8B-B14F-4D97-AF65-F5344CB8AC3E}">
+        <p14:creationId xmlns:p14="http://schemas.microsoft.com/office/powerpoint/2010/main" val="2689624585"/>
+      </p:ext>
+    </p:extLst>
   </p:cSld>
   <p:clrMap bg1="lt1" tx1="dk1" bg2="lt2" tx2="dk2" accent1="accent1" accent2="accent2" accent3="accent3" accent4="accent4" accent5="accent5" accent6="accent6" hlink="hlink" folHlink="folHlink"/>
   <p:sldLayoutIdLst>
-    <p:sldLayoutId id="2147483757" r:id="rId1"/>
-    <p:sldLayoutId id="2147483758" r:id="rId2"/>
-    <p:sldLayoutId id="2147483759" r:id="rId3"/>
-    <p:sldLayoutId id="2147483760" r:id="rId4"/>
-    <p:sldLayoutId id="2147483761" r:id="rId5"/>
-    <p:sldLayoutId id="2147483762" r:id="rId6"/>
-    <p:sldLayoutId id="2147483763" r:id="rId7"/>
-    <p:sldLayoutId id="2147483764" r:id="rId8"/>
-    <p:sldLayoutId id="2147483765" r:id="rId9"/>
-    <p:sldLayoutId id="2147483766" r:id="rId10"/>
-    <p:sldLayoutId id="2147483767" r:id="rId11"/>
+    <p:sldLayoutId id="2147483787" r:id="rId1"/>
+    <p:sldLayoutId id="2147483788" r:id="rId2"/>
+    <p:sldLayoutId id="2147483789" r:id="rId3"/>
+    <p:sldLayoutId id="2147483790" r:id="rId4"/>
+    <p:sldLayoutId id="2147483791" r:id="rId5"/>
+    <p:sldLayoutId id="2147483792" r:id="rId6"/>
+    <p:sldLayoutId id="2147483793" r:id="rId7"/>
+    <p:sldLayoutId id="2147483794" r:id="rId8"/>
+    <p:sldLayoutId id="2147483795" r:id="rId9"/>
+    <p:sldLayoutId id="2147483796" r:id="rId10"/>
+    <p:sldLayoutId id="2147483797" r:id="rId11"/>
   </p:sldLayoutIdLst>
+  <p:timing>
+    <p:tnLst>
+      <p:par>
+        <p:cTn id="1" dur="indefinite" restart="never" nodeType="tmRoot"/>
+      </p:par>
+    </p:tnLst>
+  </p:timing>
   <p:hf hdr="0" ftr="0" dt="0"/>
   <p:txStyles>
     <p:titleStyle>
-      <a:lvl1pPr algn="l" rtl="0" eaLnBrk="1" latinLnBrk="0" hangingPunct="1">
+      <a:lvl1pPr algn="l" defTabSz="914400" rtl="0" eaLnBrk="1" latinLnBrk="0" hangingPunct="1">
+        <a:lnSpc>
+          <a:spcPct val="85000"/>
+        </a:lnSpc>
         <a:spcBef>
           <a:spcPct val="0"/>
         </a:spcBef>
         <a:buNone/>
-        <a:defRPr kumimoji="1" sz="4000" kern="1200">
+        <a:defRPr kumimoji="1" sz="4800" kern="1200" spc="-50" baseline="0">
           <a:solidFill>
-            <a:schemeClr val="tx2"/>
+            <a:schemeClr val="tx1">
+              <a:lumMod val="75000"/>
+              <a:lumOff val="25000"/>
+            </a:schemeClr>
           </a:solidFill>
           <a:latin typeface="+mj-lt"/>
           <a:ea typeface="+mj-ea"/>
@@ -4518,16 +4189,257 @@
       </a:lvl1pPr>
     </p:titleStyle>
     <p:bodyStyle>
-      <a:lvl1pPr marL="365760" indent="-256032" algn="l" rtl="0" eaLnBrk="1" latinLnBrk="0" hangingPunct="1">
+      <a:lvl1pPr marL="91440" indent="-91440" algn="l" defTabSz="914400" rtl="0" eaLnBrk="1" latinLnBrk="0" hangingPunct="1">
+        <a:lnSpc>
+          <a:spcPct val="90000"/>
+        </a:lnSpc>
         <a:spcBef>
-          <a:spcPts val="300"/>
+          <a:spcPts val="1200"/>
         </a:spcBef>
+        <a:spcAft>
+          <a:spcPts val="200"/>
+        </a:spcAft>
         <a:buClr>
-          <a:schemeClr val="accent3"/>
+          <a:schemeClr val="accent1"/>
         </a:buClr>
-        <a:buFont typeface="Georgia"/>
-        <a:buChar char="•"/>
-        <a:defRPr kumimoji="1" sz="2800" kern="1200">
+        <a:buSzPct val="100000"/>
+        <a:buFont typeface="Calibri" panose="020F0502020204030204" pitchFamily="34" charset="0"/>
+        <a:buChar char=" "/>
+        <a:defRPr kumimoji="1" sz="2000" kern="1200">
+          <a:solidFill>
+            <a:schemeClr val="tx1">
+              <a:lumMod val="75000"/>
+              <a:lumOff val="25000"/>
+            </a:schemeClr>
+          </a:solidFill>
+          <a:latin typeface="+mn-lt"/>
+          <a:ea typeface="+mn-ea"/>
+          <a:cs typeface="+mn-cs"/>
+        </a:defRPr>
+      </a:lvl1pPr>
+      <a:lvl2pPr marL="384048" indent="-182880" algn="l" defTabSz="914400" rtl="0" eaLnBrk="1" latinLnBrk="0" hangingPunct="1">
+        <a:lnSpc>
+          <a:spcPct val="90000"/>
+        </a:lnSpc>
+        <a:spcBef>
+          <a:spcPts val="200"/>
+        </a:spcBef>
+        <a:spcAft>
+          <a:spcPts val="400"/>
+        </a:spcAft>
+        <a:buClr>
+          <a:schemeClr val="accent1"/>
+        </a:buClr>
+        <a:buFont typeface="Calibri" pitchFamily="34" charset="0"/>
+        <a:buChar char="◦"/>
+        <a:defRPr kumimoji="1" sz="1800" kern="1200">
+          <a:solidFill>
+            <a:schemeClr val="tx1">
+              <a:lumMod val="75000"/>
+              <a:lumOff val="25000"/>
+            </a:schemeClr>
+          </a:solidFill>
+          <a:latin typeface="+mn-lt"/>
+          <a:ea typeface="+mn-ea"/>
+          <a:cs typeface="+mn-cs"/>
+        </a:defRPr>
+      </a:lvl2pPr>
+      <a:lvl3pPr marL="566928" indent="-182880" algn="l" defTabSz="914400" rtl="0" eaLnBrk="1" latinLnBrk="0" hangingPunct="1">
+        <a:lnSpc>
+          <a:spcPct val="90000"/>
+        </a:lnSpc>
+        <a:spcBef>
+          <a:spcPts val="200"/>
+        </a:spcBef>
+        <a:spcAft>
+          <a:spcPts val="400"/>
+        </a:spcAft>
+        <a:buClr>
+          <a:schemeClr val="accent1"/>
+        </a:buClr>
+        <a:buFont typeface="Calibri" pitchFamily="34" charset="0"/>
+        <a:buChar char="◦"/>
+        <a:defRPr kumimoji="1" sz="1400" kern="1200">
+          <a:solidFill>
+            <a:schemeClr val="tx1">
+              <a:lumMod val="75000"/>
+              <a:lumOff val="25000"/>
+            </a:schemeClr>
+          </a:solidFill>
+          <a:latin typeface="+mn-lt"/>
+          <a:ea typeface="+mn-ea"/>
+          <a:cs typeface="+mn-cs"/>
+        </a:defRPr>
+      </a:lvl3pPr>
+      <a:lvl4pPr marL="749808" indent="-182880" algn="l" defTabSz="914400" rtl="0" eaLnBrk="1" latinLnBrk="0" hangingPunct="1">
+        <a:lnSpc>
+          <a:spcPct val="90000"/>
+        </a:lnSpc>
+        <a:spcBef>
+          <a:spcPts val="200"/>
+        </a:spcBef>
+        <a:spcAft>
+          <a:spcPts val="400"/>
+        </a:spcAft>
+        <a:buClr>
+          <a:schemeClr val="accent1"/>
+        </a:buClr>
+        <a:buFont typeface="Calibri" pitchFamily="34" charset="0"/>
+        <a:buChar char="◦"/>
+        <a:defRPr kumimoji="1" sz="1400" kern="1200">
+          <a:solidFill>
+            <a:schemeClr val="tx1">
+              <a:lumMod val="75000"/>
+              <a:lumOff val="25000"/>
+            </a:schemeClr>
+          </a:solidFill>
+          <a:latin typeface="+mn-lt"/>
+          <a:ea typeface="+mn-ea"/>
+          <a:cs typeface="+mn-cs"/>
+        </a:defRPr>
+      </a:lvl4pPr>
+      <a:lvl5pPr marL="932688" indent="-182880" algn="l" defTabSz="914400" rtl="0" eaLnBrk="1" latinLnBrk="0" hangingPunct="1">
+        <a:lnSpc>
+          <a:spcPct val="90000"/>
+        </a:lnSpc>
+        <a:spcBef>
+          <a:spcPts val="200"/>
+        </a:spcBef>
+        <a:spcAft>
+          <a:spcPts val="400"/>
+        </a:spcAft>
+        <a:buClr>
+          <a:schemeClr val="accent1"/>
+        </a:buClr>
+        <a:buFont typeface="Calibri" pitchFamily="34" charset="0"/>
+        <a:buChar char="◦"/>
+        <a:defRPr kumimoji="1" sz="1400" kern="1200">
+          <a:solidFill>
+            <a:schemeClr val="tx1">
+              <a:lumMod val="75000"/>
+              <a:lumOff val="25000"/>
+            </a:schemeClr>
+          </a:solidFill>
+          <a:latin typeface="+mn-lt"/>
+          <a:ea typeface="+mn-ea"/>
+          <a:cs typeface="+mn-cs"/>
+        </a:defRPr>
+      </a:lvl5pPr>
+      <a:lvl6pPr marL="1100000" indent="-228600" algn="l" defTabSz="914400" rtl="0" eaLnBrk="1" latinLnBrk="0" hangingPunct="1">
+        <a:lnSpc>
+          <a:spcPct val="90000"/>
+        </a:lnSpc>
+        <a:spcBef>
+          <a:spcPts val="200"/>
+        </a:spcBef>
+        <a:spcAft>
+          <a:spcPts val="400"/>
+        </a:spcAft>
+        <a:buClr>
+          <a:schemeClr val="accent1"/>
+        </a:buClr>
+        <a:buFont typeface="Calibri" pitchFamily="34" charset="0"/>
+        <a:buChar char="◦"/>
+        <a:defRPr kumimoji="1" sz="1400" kern="1200">
+          <a:solidFill>
+            <a:schemeClr val="tx1">
+              <a:lumMod val="75000"/>
+              <a:lumOff val="25000"/>
+            </a:schemeClr>
+          </a:solidFill>
+          <a:latin typeface="+mn-lt"/>
+          <a:ea typeface="+mn-ea"/>
+          <a:cs typeface="+mn-cs"/>
+        </a:defRPr>
+      </a:lvl6pPr>
+      <a:lvl7pPr marL="1300000" indent="-228600" algn="l" defTabSz="914400" rtl="0" eaLnBrk="1" latinLnBrk="0" hangingPunct="1">
+        <a:lnSpc>
+          <a:spcPct val="90000"/>
+        </a:lnSpc>
+        <a:spcBef>
+          <a:spcPts val="200"/>
+        </a:spcBef>
+        <a:spcAft>
+          <a:spcPts val="400"/>
+        </a:spcAft>
+        <a:buClr>
+          <a:schemeClr val="accent1"/>
+        </a:buClr>
+        <a:buFont typeface="Calibri" pitchFamily="34" charset="0"/>
+        <a:buChar char="◦"/>
+        <a:defRPr kumimoji="1" sz="1400" kern="1200">
+          <a:solidFill>
+            <a:schemeClr val="tx1">
+              <a:lumMod val="75000"/>
+              <a:lumOff val="25000"/>
+            </a:schemeClr>
+          </a:solidFill>
+          <a:latin typeface="+mn-lt"/>
+          <a:ea typeface="+mn-ea"/>
+          <a:cs typeface="+mn-cs"/>
+        </a:defRPr>
+      </a:lvl7pPr>
+      <a:lvl8pPr marL="1500000" indent="-228600" algn="l" defTabSz="914400" rtl="0" eaLnBrk="1" latinLnBrk="0" hangingPunct="1">
+        <a:lnSpc>
+          <a:spcPct val="90000"/>
+        </a:lnSpc>
+        <a:spcBef>
+          <a:spcPts val="200"/>
+        </a:spcBef>
+        <a:spcAft>
+          <a:spcPts val="400"/>
+        </a:spcAft>
+        <a:buClr>
+          <a:schemeClr val="accent1"/>
+        </a:buClr>
+        <a:buFont typeface="Calibri" pitchFamily="34" charset="0"/>
+        <a:buChar char="◦"/>
+        <a:defRPr kumimoji="1" sz="1400" kern="1200">
+          <a:solidFill>
+            <a:schemeClr val="tx1">
+              <a:lumMod val="75000"/>
+              <a:lumOff val="25000"/>
+            </a:schemeClr>
+          </a:solidFill>
+          <a:latin typeface="+mn-lt"/>
+          <a:ea typeface="+mn-ea"/>
+          <a:cs typeface="+mn-cs"/>
+        </a:defRPr>
+      </a:lvl8pPr>
+      <a:lvl9pPr marL="1700000" indent="-228600" algn="l" defTabSz="914400" rtl="0" eaLnBrk="1" latinLnBrk="0" hangingPunct="1">
+        <a:lnSpc>
+          <a:spcPct val="90000"/>
+        </a:lnSpc>
+        <a:spcBef>
+          <a:spcPts val="200"/>
+        </a:spcBef>
+        <a:spcAft>
+          <a:spcPts val="400"/>
+        </a:spcAft>
+        <a:buClr>
+          <a:schemeClr val="accent1"/>
+        </a:buClr>
+        <a:buFont typeface="Calibri" pitchFamily="34" charset="0"/>
+        <a:buChar char="◦"/>
+        <a:defRPr kumimoji="1" sz="1400" kern="1200">
+          <a:solidFill>
+            <a:schemeClr val="tx1">
+              <a:lumMod val="75000"/>
+              <a:lumOff val="25000"/>
+            </a:schemeClr>
+          </a:solidFill>
+          <a:latin typeface="+mn-lt"/>
+          <a:ea typeface="+mn-ea"/>
+          <a:cs typeface="+mn-cs"/>
+        </a:defRPr>
+      </a:lvl9pPr>
+    </p:bodyStyle>
+    <p:otherStyle>
+      <a:defPPr>
+        <a:defRPr lang="en-US"/>
+      </a:defPPr>
+      <a:lvl1pPr marL="0" algn="l" defTabSz="914400" rtl="0" eaLnBrk="1" latinLnBrk="0" hangingPunct="1">
+        <a:defRPr kumimoji="1" sz="1800" kern="1200">
           <a:solidFill>
             <a:schemeClr val="tx1"/>
           </a:solidFill>
@@ -4536,164 +4448,8 @@
           <a:cs typeface="+mn-cs"/>
         </a:defRPr>
       </a:lvl1pPr>
-      <a:lvl2pPr marL="658368" indent="-246888" algn="l" rtl="0" eaLnBrk="1" latinLnBrk="0" hangingPunct="1">
-        <a:spcBef>
-          <a:spcPts val="300"/>
-        </a:spcBef>
-        <a:buClr>
-          <a:schemeClr val="accent2"/>
-        </a:buClr>
-        <a:buFont typeface="Georgia"/>
-        <a:buChar char="▫"/>
-        <a:defRPr kumimoji="1" sz="2600" kern="1200">
-          <a:solidFill>
-            <a:schemeClr val="accent2"/>
-          </a:solidFill>
-          <a:latin typeface="+mn-lt"/>
-          <a:ea typeface="+mn-ea"/>
-          <a:cs typeface="+mn-cs"/>
-        </a:defRPr>
-      </a:lvl2pPr>
-      <a:lvl3pPr marL="923544" indent="-219456" algn="l" rtl="0" eaLnBrk="1" latinLnBrk="0" hangingPunct="1">
-        <a:spcBef>
-          <a:spcPts val="300"/>
-        </a:spcBef>
-        <a:buClr>
-          <a:schemeClr val="accent1"/>
-        </a:buClr>
-        <a:buFont typeface="Wingdings 2"/>
-        <a:buChar char=""/>
-        <a:defRPr kumimoji="1" sz="2400" kern="1200">
-          <a:solidFill>
-            <a:schemeClr val="accent1"/>
-          </a:solidFill>
-          <a:latin typeface="+mn-lt"/>
-          <a:ea typeface="+mn-ea"/>
-          <a:cs typeface="+mn-cs"/>
-        </a:defRPr>
-      </a:lvl3pPr>
-      <a:lvl4pPr marL="1179576" indent="-201168" algn="l" rtl="0" eaLnBrk="1" latinLnBrk="0" hangingPunct="1">
-        <a:spcBef>
-          <a:spcPts val="300"/>
-        </a:spcBef>
-        <a:buClr>
-          <a:schemeClr val="accent1"/>
-        </a:buClr>
-        <a:buFont typeface="Wingdings 2"/>
-        <a:buChar char=""/>
-        <a:defRPr kumimoji="1" sz="2200" kern="1200">
-          <a:solidFill>
-            <a:schemeClr val="accent1"/>
-          </a:solidFill>
-          <a:latin typeface="+mn-lt"/>
-          <a:ea typeface="+mn-ea"/>
-          <a:cs typeface="+mn-cs"/>
-        </a:defRPr>
-      </a:lvl4pPr>
-      <a:lvl5pPr marL="1389888" indent="-182880" algn="l" rtl="0" eaLnBrk="1" latinLnBrk="0" hangingPunct="1">
-        <a:spcBef>
-          <a:spcPts val="300"/>
-        </a:spcBef>
-        <a:buClr>
-          <a:schemeClr val="accent3"/>
-        </a:buClr>
-        <a:buFont typeface="Georgia"/>
-        <a:buChar char="▫"/>
-        <a:defRPr kumimoji="1" sz="2000" kern="1200">
-          <a:solidFill>
-            <a:schemeClr val="accent3"/>
-          </a:solidFill>
-          <a:latin typeface="+mn-lt"/>
-          <a:ea typeface="+mn-ea"/>
-          <a:cs typeface="+mn-cs"/>
-        </a:defRPr>
-      </a:lvl5pPr>
-      <a:lvl6pPr marL="1609344" indent="-182880" algn="l" rtl="0" eaLnBrk="1" latinLnBrk="0" hangingPunct="1">
-        <a:spcBef>
-          <a:spcPts val="300"/>
-        </a:spcBef>
-        <a:buClr>
-          <a:schemeClr val="accent3"/>
-        </a:buClr>
-        <a:buFont typeface="Georgia"/>
-        <a:buChar char="▫"/>
+      <a:lvl2pPr marL="457200" algn="l" defTabSz="914400" rtl="0" eaLnBrk="1" latinLnBrk="0" hangingPunct="1">
         <a:defRPr kumimoji="1" sz="1800" kern="1200">
-          <a:solidFill>
-            <a:schemeClr val="accent3"/>
-          </a:solidFill>
-          <a:latin typeface="+mn-lt"/>
-          <a:ea typeface="+mn-ea"/>
-          <a:cs typeface="+mn-cs"/>
-        </a:defRPr>
-      </a:lvl6pPr>
-      <a:lvl7pPr marL="1828800" indent="-182880" algn="l" rtl="0" eaLnBrk="1" latinLnBrk="0" hangingPunct="1">
-        <a:spcBef>
-          <a:spcPts val="300"/>
-        </a:spcBef>
-        <a:buClr>
-          <a:schemeClr val="accent3"/>
-        </a:buClr>
-        <a:buFont typeface="Georgia"/>
-        <a:buChar char="▫"/>
-        <a:defRPr kumimoji="1" sz="1600" kern="1200">
-          <a:solidFill>
-            <a:schemeClr val="accent3"/>
-          </a:solidFill>
-          <a:latin typeface="+mn-lt"/>
-          <a:ea typeface="+mn-ea"/>
-          <a:cs typeface="+mn-cs"/>
-        </a:defRPr>
-      </a:lvl7pPr>
-      <a:lvl8pPr marL="2029968" indent="-182880" algn="l" rtl="0" eaLnBrk="1" latinLnBrk="0" hangingPunct="1">
-        <a:spcBef>
-          <a:spcPts val="300"/>
-        </a:spcBef>
-        <a:buClr>
-          <a:schemeClr val="accent3"/>
-        </a:buClr>
-        <a:buFont typeface="Georgia"/>
-        <a:buChar char="◦"/>
-        <a:defRPr kumimoji="1" sz="1500" kern="1200">
-          <a:solidFill>
-            <a:schemeClr val="accent3"/>
-          </a:solidFill>
-          <a:latin typeface="+mn-lt"/>
-          <a:ea typeface="+mn-ea"/>
-          <a:cs typeface="+mn-cs"/>
-        </a:defRPr>
-      </a:lvl8pPr>
-      <a:lvl9pPr marL="2240280" indent="-182880" algn="l" rtl="0" eaLnBrk="1" latinLnBrk="0" hangingPunct="1">
-        <a:spcBef>
-          <a:spcPts val="300"/>
-        </a:spcBef>
-        <a:buClr>
-          <a:schemeClr val="accent3"/>
-        </a:buClr>
-        <a:buFont typeface="Georgia"/>
-        <a:buChar char="◦"/>
-        <a:defRPr kumimoji="1" sz="1400" kern="1200" baseline="0">
-          <a:solidFill>
-            <a:schemeClr val="accent3"/>
-          </a:solidFill>
-          <a:latin typeface="+mn-lt"/>
-          <a:ea typeface="+mn-ea"/>
-          <a:cs typeface="+mn-cs"/>
-        </a:defRPr>
-      </a:lvl9pPr>
-    </p:bodyStyle>
-    <p:otherStyle>
-      <a:lvl1pPr marL="0" algn="l" rtl="0" eaLnBrk="1" latinLnBrk="0" hangingPunct="1">
-        <a:defRPr kumimoji="1" kern="1200">
-          <a:solidFill>
-            <a:schemeClr val="tx1"/>
-          </a:solidFill>
-          <a:latin typeface="+mn-lt"/>
-          <a:ea typeface="+mn-ea"/>
-          <a:cs typeface="+mn-cs"/>
-        </a:defRPr>
-      </a:lvl1pPr>
-      <a:lvl2pPr marL="457200" algn="l" rtl="0" eaLnBrk="1" latinLnBrk="0" hangingPunct="1">
-        <a:defRPr kumimoji="1" kern="1200">
           <a:solidFill>
             <a:schemeClr val="tx1"/>
           </a:solidFill>
@@ -4702,8 +4458,8 @@
           <a:cs typeface="+mn-cs"/>
         </a:defRPr>
       </a:lvl2pPr>
-      <a:lvl3pPr marL="914400" algn="l" rtl="0" eaLnBrk="1" latinLnBrk="0" hangingPunct="1">
-        <a:defRPr kumimoji="1" kern="1200">
+      <a:lvl3pPr marL="914400" algn="l" defTabSz="914400" rtl="0" eaLnBrk="1" latinLnBrk="0" hangingPunct="1">
+        <a:defRPr kumimoji="1" sz="1800" kern="1200">
           <a:solidFill>
             <a:schemeClr val="tx1"/>
           </a:solidFill>
@@ -4712,8 +4468,8 @@
           <a:cs typeface="+mn-cs"/>
         </a:defRPr>
       </a:lvl3pPr>
-      <a:lvl4pPr marL="1371600" algn="l" rtl="0" eaLnBrk="1" latinLnBrk="0" hangingPunct="1">
-        <a:defRPr kumimoji="1" kern="1200">
+      <a:lvl4pPr marL="1371600" algn="l" defTabSz="914400" rtl="0" eaLnBrk="1" latinLnBrk="0" hangingPunct="1">
+        <a:defRPr kumimoji="1" sz="1800" kern="1200">
           <a:solidFill>
             <a:schemeClr val="tx1"/>
           </a:solidFill>
@@ -4722,8 +4478,8 @@
           <a:cs typeface="+mn-cs"/>
         </a:defRPr>
       </a:lvl4pPr>
-      <a:lvl5pPr marL="1828800" algn="l" rtl="0" eaLnBrk="1" latinLnBrk="0" hangingPunct="1">
-        <a:defRPr kumimoji="1" kern="1200">
+      <a:lvl5pPr marL="1828800" algn="l" defTabSz="914400" rtl="0" eaLnBrk="1" latinLnBrk="0" hangingPunct="1">
+        <a:defRPr kumimoji="1" sz="1800" kern="1200">
           <a:solidFill>
             <a:schemeClr val="tx1"/>
           </a:solidFill>
@@ -4732,8 +4488,8 @@
           <a:cs typeface="+mn-cs"/>
         </a:defRPr>
       </a:lvl5pPr>
-      <a:lvl6pPr marL="2286000" algn="l" rtl="0" eaLnBrk="1" latinLnBrk="0" hangingPunct="1">
-        <a:defRPr kumimoji="1" kern="1200">
+      <a:lvl6pPr marL="2286000" algn="l" defTabSz="914400" rtl="0" eaLnBrk="1" latinLnBrk="0" hangingPunct="1">
+        <a:defRPr kumimoji="1" sz="1800" kern="1200">
           <a:solidFill>
             <a:schemeClr val="tx1"/>
           </a:solidFill>
@@ -4742,8 +4498,8 @@
           <a:cs typeface="+mn-cs"/>
         </a:defRPr>
       </a:lvl6pPr>
-      <a:lvl7pPr marL="2743200" algn="l" rtl="0" eaLnBrk="1" latinLnBrk="0" hangingPunct="1">
-        <a:defRPr kumimoji="1" kern="1200">
+      <a:lvl7pPr marL="2743200" algn="l" defTabSz="914400" rtl="0" eaLnBrk="1" latinLnBrk="0" hangingPunct="1">
+        <a:defRPr kumimoji="1" sz="1800" kern="1200">
           <a:solidFill>
             <a:schemeClr val="tx1"/>
           </a:solidFill>
@@ -4752,8 +4508,8 @@
           <a:cs typeface="+mn-cs"/>
         </a:defRPr>
       </a:lvl7pPr>
-      <a:lvl8pPr marL="3200400" algn="l" rtl="0" eaLnBrk="1" latinLnBrk="0" hangingPunct="1">
-        <a:defRPr kumimoji="1" kern="1200">
+      <a:lvl8pPr marL="3200400" algn="l" defTabSz="914400" rtl="0" eaLnBrk="1" latinLnBrk="0" hangingPunct="1">
+        <a:defRPr kumimoji="1" sz="1800" kern="1200">
           <a:solidFill>
             <a:schemeClr val="tx1"/>
           </a:solidFill>
@@ -4762,8 +4518,8 @@
           <a:cs typeface="+mn-cs"/>
         </a:defRPr>
       </a:lvl8pPr>
-      <a:lvl9pPr marL="3657600" algn="l" rtl="0" eaLnBrk="1" latinLnBrk="0" hangingPunct="1">
-        <a:defRPr kumimoji="1" kern="1200">
+      <a:lvl9pPr marL="3657600" algn="l" defTabSz="914400" rtl="0" eaLnBrk="1" latinLnBrk="0" hangingPunct="1">
+        <a:defRPr kumimoji="1" sz="1800" kern="1200">
           <a:solidFill>
             <a:schemeClr val="tx1"/>
           </a:solidFill>
@@ -4889,6 +4645,13 @@
   <p:clrMapOvr>
     <a:masterClrMapping/>
   </p:clrMapOvr>
+  <p:timing>
+    <p:tnLst>
+      <p:par>
+        <p:cTn id="1" dur="indefinite" restart="never" nodeType="tmRoot"/>
+      </p:par>
+    </p:tnLst>
+  </p:timing>
 </p:sld>
 </file>
 
@@ -4966,11 +4729,7 @@
             </a:pPr>
             <a:r>
               <a:rPr lang="ja-JP" altLang="en-US" sz="4400" dirty="0" smtClean="0"/>
-              <a:t>株式</a:t>
-            </a:r>
-            <a:r>
-              <a:rPr lang="ja-JP" altLang="en-US" sz="4400" dirty="0" smtClean="0"/>
-              <a:t>会社</a:t>
+              <a:t>株式会社</a:t>
             </a:r>
             <a:endParaRPr lang="en-US" altLang="ja-JP" sz="4400" dirty="0" smtClean="0"/>
           </a:p>
@@ -5004,15 +4763,7 @@
             </a:pPr>
             <a:r>
               <a:rPr lang="ja-JP" altLang="en-US" sz="4400" dirty="0" smtClean="0"/>
-              <a:t>　</a:t>
-            </a:r>
-            <a:r>
-              <a:rPr lang="ja-JP" altLang="en-US" sz="4400" dirty="0" smtClean="0"/>
-              <a:t>中野</a:t>
-            </a:r>
-            <a:r>
-              <a:rPr lang="ja-JP" altLang="en-US" sz="4400" dirty="0" smtClean="0"/>
-              <a:t>健司</a:t>
+              <a:t>　中野健司</a:t>
             </a:r>
             <a:endParaRPr lang="en-US" altLang="ja-JP" sz="4400" dirty="0" smtClean="0"/>
           </a:p>
@@ -5066,6 +4817,13 @@
   <p:clrMapOvr>
     <a:masterClrMapping/>
   </p:clrMapOvr>
+  <p:timing>
+    <p:tnLst>
+      <p:par>
+        <p:cTn id="1" dur="indefinite" restart="never" nodeType="tmRoot"/>
+      </p:par>
+    </p:tnLst>
+  </p:timing>
 </p:sld>
 </file>
 
@@ -5143,11 +4901,7 @@
             </a:pPr>
             <a:r>
               <a:rPr lang="ja-JP" altLang="en-US" sz="4400" dirty="0" smtClean="0"/>
-              <a:t>株式</a:t>
-            </a:r>
-            <a:r>
-              <a:rPr lang="ja-JP" altLang="en-US" sz="4400" dirty="0" smtClean="0"/>
-              <a:t>会社</a:t>
+              <a:t>株式会社</a:t>
             </a:r>
             <a:endParaRPr lang="en-US" altLang="ja-JP" sz="4400" dirty="0" smtClean="0"/>
           </a:p>
@@ -5177,15 +4931,7 @@
             </a:pPr>
             <a:r>
               <a:rPr lang="ja-JP" altLang="en-US" sz="4400" dirty="0" smtClean="0"/>
-              <a:t>　</a:t>
-            </a:r>
-            <a:r>
-              <a:rPr lang="ja-JP" altLang="en-US" sz="4400" dirty="0" smtClean="0"/>
-              <a:t>柴田</a:t>
-            </a:r>
-            <a:r>
-              <a:rPr lang="ja-JP" altLang="en-US" sz="4400" dirty="0" smtClean="0"/>
-              <a:t>祐樹</a:t>
+              <a:t>　柴田祐樹</a:t>
             </a:r>
             <a:endParaRPr lang="en-US" altLang="ja-JP" sz="4400" dirty="0" smtClean="0"/>
           </a:p>
@@ -5239,6 +4985,13 @@
   <p:clrMapOvr>
     <a:masterClrMapping/>
   </p:clrMapOvr>
+  <p:timing>
+    <p:tnLst>
+      <p:par>
+        <p:cTn id="1" dur="indefinite" restart="never" nodeType="tmRoot"/>
+      </p:par>
+    </p:tnLst>
+  </p:timing>
 </p:sld>
 </file>
 
@@ -5316,11 +5069,7 @@
             </a:pPr>
             <a:r>
               <a:rPr lang="ja-JP" altLang="en-US" sz="4400" dirty="0" smtClean="0"/>
-              <a:t>株式</a:t>
-            </a:r>
-            <a:r>
-              <a:rPr lang="ja-JP" altLang="en-US" sz="4400" dirty="0" smtClean="0"/>
-              <a:t>会社</a:t>
+              <a:t>株式会社</a:t>
             </a:r>
             <a:endParaRPr lang="en-US" altLang="ja-JP" sz="4400" dirty="0" smtClean="0"/>
           </a:p>
@@ -5404,6 +5153,13 @@
   <p:clrMapOvr>
     <a:masterClrMapping/>
   </p:clrMapOvr>
+  <p:timing>
+    <p:tnLst>
+      <p:par>
+        <p:cTn id="1" dur="indefinite" restart="never" nodeType="tmRoot"/>
+      </p:par>
+    </p:tnLst>
+  </p:timing>
 </p:sld>
 </file>
 
@@ -5481,25 +5237,17 @@
             </a:pPr>
             <a:r>
               <a:rPr lang="ja-JP" altLang="en-US" sz="4400" dirty="0" smtClean="0"/>
-              <a:t>株式</a:t>
-            </a:r>
+              <a:t>株式会社</a:t>
+            </a:r>
+            <a:endParaRPr lang="en-US" altLang="ja-JP" sz="4400" dirty="0" smtClean="0"/>
+          </a:p>
+          <a:p>
+            <a:pPr marL="109728" indent="0">
+              <a:buNone/>
+            </a:pPr>
             <a:r>
               <a:rPr lang="ja-JP" altLang="en-US" sz="4400" dirty="0" smtClean="0"/>
-              <a:t>会社</a:t>
-            </a:r>
-            <a:endParaRPr lang="en-US" altLang="ja-JP" sz="4400" dirty="0" smtClean="0"/>
-          </a:p>
-          <a:p>
-            <a:pPr marL="109728" indent="0">
-              <a:buNone/>
-            </a:pPr>
-            <a:r>
-              <a:rPr lang="ja-JP" altLang="en-US" sz="4400" dirty="0" smtClean="0"/>
-              <a:t>第一</a:t>
-            </a:r>
-            <a:r>
-              <a:rPr lang="ja-JP" altLang="en-US" sz="4400" dirty="0" smtClean="0"/>
-              <a:t>コンピュータサービス</a:t>
+              <a:t>第一コンピュータサービス</a:t>
             </a:r>
             <a:endParaRPr lang="en-US" altLang="ja-JP" sz="4400" dirty="0"/>
           </a:p>
@@ -5570,6 +5318,13 @@
   <p:clrMapOvr>
     <a:masterClrMapping/>
   </p:clrMapOvr>
+  <p:timing>
+    <p:tnLst>
+      <p:par>
+        <p:cTn id="1" dur="indefinite" restart="never" nodeType="tmRoot"/>
+      </p:par>
+    </p:tnLst>
+  </p:timing>
 </p:sld>
 </file>
 
@@ -5647,11 +5402,7 @@
             </a:pPr>
             <a:r>
               <a:rPr lang="ja-JP" altLang="en-US" sz="4400" dirty="0" smtClean="0"/>
-              <a:t>株式</a:t>
-            </a:r>
-            <a:r>
-              <a:rPr lang="ja-JP" altLang="en-US" sz="4400" dirty="0" smtClean="0"/>
-              <a:t>会社</a:t>
+              <a:t>株式会社</a:t>
             </a:r>
             <a:endParaRPr lang="en-US" altLang="ja-JP" sz="4400" dirty="0" smtClean="0"/>
           </a:p>
@@ -5732,6 +5483,13 @@
   <p:clrMapOvr>
     <a:masterClrMapping/>
   </p:clrMapOvr>
+  <p:timing>
+    <p:tnLst>
+      <p:par>
+        <p:cTn id="1" dur="indefinite" restart="never" nodeType="tmRoot"/>
+      </p:par>
+    </p:tnLst>
+  </p:timing>
 </p:sld>
 </file>
 
@@ -5830,6 +5588,13 @@
   <p:clrMapOvr>
     <a:masterClrMapping/>
   </p:clrMapOvr>
+  <p:timing>
+    <p:tnLst>
+      <p:par>
+        <p:cTn id="1" dur="indefinite" restart="never" nodeType="tmRoot"/>
+      </p:par>
+    </p:tnLst>
+  </p:timing>
 </p:sld>
 </file>
 
@@ -5898,7 +5663,7 @@
         </p:spPr>
         <p:txBody>
           <a:bodyPr>
-            <a:normAutofit/>
+            <a:normAutofit lnSpcReduction="10000"/>
           </a:bodyPr>
           <a:lstStyle/>
           <a:p>
@@ -6002,6 +5767,13 @@
   <p:clrMapOvr>
     <a:masterClrMapping/>
   </p:clrMapOvr>
+  <p:timing>
+    <p:tnLst>
+      <p:par>
+        <p:cTn id="1" dur="indefinite" restart="never" nodeType="tmRoot"/>
+      </p:par>
+    </p:tnLst>
+  </p:timing>
 </p:sld>
 </file>
 
@@ -6070,7 +5842,7 @@
         </p:spPr>
         <p:txBody>
           <a:bodyPr>
-            <a:normAutofit lnSpcReduction="10000"/>
+            <a:normAutofit fontScale="92500" lnSpcReduction="20000"/>
           </a:bodyPr>
           <a:lstStyle/>
           <a:p>
@@ -6109,11 +5881,7 @@
             </a:r>
             <a:r>
               <a:rPr lang="ja-JP" altLang="en-US" sz="3200" dirty="0" smtClean="0"/>
-              <a:t>　株式</a:t>
-            </a:r>
-            <a:r>
-              <a:rPr lang="ja-JP" altLang="en-US" sz="3200" dirty="0" smtClean="0"/>
-              <a:t>会社エス・エヌ・シー</a:t>
+              <a:t>　株式会社エス・エヌ・シー</a:t>
             </a:r>
             <a:endParaRPr lang="en-US" altLang="ja-JP" sz="3200" dirty="0" smtClean="0"/>
           </a:p>
@@ -6133,11 +5901,7 @@
             </a:pPr>
             <a:r>
               <a:rPr lang="ja-JP" altLang="en-US" sz="3200" dirty="0" smtClean="0"/>
-              <a:t>・</a:t>
-            </a:r>
-            <a:r>
-              <a:rPr lang="ja-JP" altLang="en-US" sz="3200" dirty="0" smtClean="0"/>
-              <a:t>柴田祐樹</a:t>
+              <a:t>・柴田祐樹</a:t>
             </a:r>
             <a:r>
               <a:rPr lang="en-US" altLang="ja-JP" sz="3200" dirty="0" smtClean="0"/>
@@ -6159,11 +5923,7 @@
             </a:r>
             <a:r>
               <a:rPr lang="ja-JP" altLang="en-US" sz="3200" dirty="0" smtClean="0"/>
-              <a:t>　株式</a:t>
-            </a:r>
-            <a:r>
-              <a:rPr lang="ja-JP" altLang="en-US" sz="3200" dirty="0" smtClean="0"/>
-              <a:t>会社</a:t>
+              <a:t>　株式会社</a:t>
             </a:r>
             <a:endParaRPr lang="en-US" altLang="ja-JP" sz="3200" dirty="0" smtClean="0"/>
           </a:p>
@@ -6177,11 +5937,7 @@
             </a:r>
             <a:r>
               <a:rPr lang="ja-JP" altLang="en-US" sz="3200" dirty="0" smtClean="0"/>
-              <a:t>　　　　</a:t>
-            </a:r>
-            <a:r>
-              <a:rPr lang="ja-JP" altLang="en-US" sz="3200" dirty="0" smtClean="0"/>
-              <a:t>日本ビジネスエンジニアリング</a:t>
+              <a:t>　　　　日本ビジネスエンジニアリング</a:t>
             </a:r>
             <a:endParaRPr lang="en-US" altLang="ja-JP" sz="3200" dirty="0" smtClean="0"/>
           </a:p>
@@ -6268,6 +6024,13 @@
   <p:clrMapOvr>
     <a:masterClrMapping/>
   </p:clrMapOvr>
+  <p:timing>
+    <p:tnLst>
+      <p:par>
+        <p:cTn id="1" dur="indefinite" restart="never" nodeType="tmRoot"/>
+      </p:par>
+    </p:tnLst>
+  </p:timing>
 </p:sld>
 </file>
 
@@ -6336,7 +6099,7 @@
         </p:spPr>
         <p:txBody>
           <a:bodyPr>
-            <a:normAutofit lnSpcReduction="10000"/>
+            <a:normAutofit fontScale="85000" lnSpcReduction="10000"/>
           </a:bodyPr>
           <a:lstStyle/>
           <a:p>
@@ -6479,6 +6242,13 @@
   <p:clrMapOvr>
     <a:masterClrMapping/>
   </p:clrMapOvr>
+  <p:timing>
+    <p:tnLst>
+      <p:par>
+        <p:cTn id="1" dur="indefinite" restart="never" nodeType="tmRoot"/>
+      </p:par>
+    </p:tnLst>
+  </p:timing>
 </p:sld>
 </file>
 
@@ -6581,6 +6351,13 @@
   <p:clrMapOvr>
     <a:masterClrMapping/>
   </p:clrMapOvr>
+  <p:timing>
+    <p:tnLst>
+      <p:par>
+        <p:cTn id="1" dur="indefinite" restart="never" nodeType="tmRoot"/>
+      </p:par>
+    </p:tnLst>
+  </p:timing>
 </p:sld>
 </file>
 
@@ -6649,7 +6426,7 @@
         </p:spPr>
         <p:txBody>
           <a:bodyPr>
-            <a:normAutofit/>
+            <a:normAutofit fontScale="92500" lnSpcReduction="10000"/>
           </a:bodyPr>
           <a:lstStyle/>
           <a:p>
@@ -6809,6 +6586,13 @@
   <p:clrMapOvr>
     <a:masterClrMapping/>
   </p:clrMapOvr>
+  <p:timing>
+    <p:tnLst>
+      <p:par>
+        <p:cTn id="1" dur="indefinite" restart="never" nodeType="tmRoot"/>
+      </p:par>
+    </p:tnLst>
+  </p:timing>
 </p:sld>
 </file>
 
@@ -7032,6 +6816,13 @@
   <p:clrMapOvr>
     <a:masterClrMapping/>
   </p:clrMapOvr>
+  <p:timing>
+    <p:tnLst>
+      <p:par>
+        <p:cTn id="1" dur="indefinite" restart="never" nodeType="tmRoot"/>
+      </p:par>
+    </p:tnLst>
+  </p:timing>
 </p:sld>
 </file>
 
@@ -7141,6 +6932,13 @@
   <p:clrMapOvr>
     <a:masterClrMapping/>
   </p:clrMapOvr>
+  <p:timing>
+    <p:tnLst>
+      <p:par>
+        <p:cTn id="1" dur="indefinite" restart="never" nodeType="tmRoot"/>
+      </p:par>
+    </p:tnLst>
+  </p:timing>
 </p:sld>
 </file>
 
@@ -7250,95 +7048,67 @@
   <p:clrMapOvr>
     <a:masterClrMapping/>
   </p:clrMapOvr>
+  <p:timing>
+    <p:tnLst>
+      <p:par>
+        <p:cTn id="1" dur="indefinite" restart="never" nodeType="tmRoot"/>
+      </p:par>
+    </p:tnLst>
+  </p:timing>
 </p:sld>
 </file>
 
 <file path=ppt/theme/theme1.xml><?xml version="1.0" encoding="utf-8"?>
-<a:theme xmlns:a="http://schemas.openxmlformats.org/drawingml/2006/main" name="アーバン">
+<a:theme xmlns:a="http://schemas.openxmlformats.org/drawingml/2006/main" name="レトロスペクト">
   <a:themeElements>
-    <a:clrScheme name="アーバン">
+    <a:clrScheme name="レトロスペクト">
       <a:dk1>
-        <a:sysClr val="windowText" lastClr="000000"/>
+        <a:srgbClr val="000000"/>
       </a:dk1>
       <a:lt1>
         <a:sysClr val="window" lastClr="FFFFFF"/>
       </a:lt1>
       <a:dk2>
-        <a:srgbClr val="424456"/>
+        <a:srgbClr val="637052"/>
       </a:dk2>
       <a:lt2>
-        <a:srgbClr val="DEDEDE"/>
+        <a:srgbClr val="CCDDEA"/>
       </a:lt2>
       <a:accent1>
-        <a:srgbClr val="53548A"/>
+        <a:srgbClr val="E48312"/>
       </a:accent1>
       <a:accent2>
-        <a:srgbClr val="438086"/>
+        <a:srgbClr val="BD582C"/>
       </a:accent2>
       <a:accent3>
-        <a:srgbClr val="A04DA3"/>
+        <a:srgbClr val="865640"/>
       </a:accent3>
       <a:accent4>
-        <a:srgbClr val="C4652D"/>
+        <a:srgbClr val="9B8357"/>
       </a:accent4>
       <a:accent5>
-        <a:srgbClr val="8B5D3D"/>
+        <a:srgbClr val="C2BC80"/>
       </a:accent5>
       <a:accent6>
-        <a:srgbClr val="5C92B5"/>
+        <a:srgbClr val="94A088"/>
       </a:accent6>
       <a:hlink>
-        <a:srgbClr val="67AFBD"/>
+        <a:srgbClr val="2998E3"/>
       </a:hlink>
       <a:folHlink>
-        <a:srgbClr val="C2A874"/>
+        <a:srgbClr val="8C8C8C"/>
       </a:folHlink>
     </a:clrScheme>
-    <a:fontScheme name="アーバン">
+    <a:fontScheme name="レトロスペクト">
       <a:majorFont>
-        <a:latin typeface="Trebuchet MS"/>
+        <a:latin typeface="Calibri Light" panose="020F0302020204030204"/>
         <a:ea typeface=""/>
         <a:cs typeface=""/>
-        <a:font script="Jpan" typeface="HGｺﾞｼｯｸM"/>
-        <a:font script="Hang" typeface="맑은 고딕"/>
-        <a:font script="Hans" typeface="方正姚体"/>
-        <a:font script="Hant" typeface="微軟正黑體"/>
-        <a:font script="Arab" typeface="Tahoma"/>
-        <a:font script="Hebr" typeface="Arial"/>
-        <a:font script="Thai" typeface="Cordia New"/>
-        <a:font script="Ethi" typeface="Nyala"/>
-        <a:font script="Beng" typeface="Vrinda"/>
-        <a:font script="Gujr" typeface="Shruti"/>
-        <a:font script="Khmr" typeface="DaunPenh"/>
-        <a:font script="Knda" typeface="Tunga"/>
-        <a:font script="Guru" typeface="Raavi"/>
-        <a:font script="Cans" typeface="Euphemia"/>
-        <a:font script="Cher" typeface="Plantagenet Cherokee"/>
-        <a:font script="Yiii" typeface="Microsoft Yi Baiti"/>
-        <a:font script="Tibt" typeface="Microsoft Himalaya"/>
-        <a:font script="Thaa" typeface="MV Boli"/>
-        <a:font script="Deva" typeface="Mangal"/>
-        <a:font script="Telu" typeface="Gautami"/>
-        <a:font script="Taml" typeface="Latha"/>
-        <a:font script="Syrc" typeface="Estrangelo Edessa"/>
-        <a:font script="Orya" typeface="Kalinga"/>
-        <a:font script="Mlym" typeface="Kartika"/>
-        <a:font script="Laoo" typeface="DokChampa"/>
-        <a:font script="Sinh" typeface="Iskoola Pota"/>
-        <a:font script="Mong" typeface="Mongolian Baiti"/>
-        <a:font script="Viet" typeface="Tahoma"/>
-        <a:font script="Uigh" typeface="Microsoft Uighur"/>
-        <a:font script="Geor" typeface="Sylfaen"/>
-      </a:majorFont>
-      <a:minorFont>
-        <a:latin typeface="Georgia"/>
-        <a:ea typeface=""/>
-        <a:cs typeface=""/>
-        <a:font script="Jpan" typeface="HG明朝B"/>
+        <a:font script="Jpan" typeface="ＭＳ Ｐゴシック"/>
         <a:font script="Hang" typeface="맑은 고딕"/>
         <a:font script="Hans" typeface="宋体"/>
         <a:font script="Hant" typeface="新細明體"/>
-        <a:font script="Arab" typeface="Arial"/>
+        <a:font script="Arab" typeface="Times New Roman"/>
         <a:font script="Hebr" typeface="Times New Roman"/>
         <a:font script="Thai" typeface="Angsana New"/>
         <a:font script="Ethi" typeface="Nyala"/>
@@ -7364,9 +7134,44 @@
         <a:font script="Viet" typeface="Times New Roman"/>
         <a:font script="Uigh" typeface="Microsoft Uighur"/>
         <a:font script="Geor" typeface="Sylfaen"/>
+      </a:majorFont>
+      <a:minorFont>
+        <a:latin typeface="Calibri" panose="020F0502020204030204"/>
+        <a:ea typeface=""/>
+        <a:cs typeface=""/>
+        <a:font script="Jpan" typeface="ＭＳ Ｐゴシック"/>
+        <a:font script="Hang" typeface="맑은 고딕"/>
+        <a:font script="Hans" typeface="宋体"/>
+        <a:font script="Hant" typeface="新細明體"/>
+        <a:font script="Arab" typeface="Arial"/>
+        <a:font script="Hebr" typeface="Arial"/>
+        <a:font script="Thai" typeface="Cordia New"/>
+        <a:font script="Ethi" typeface="Nyala"/>
+        <a:font script="Beng" typeface="Vrinda"/>
+        <a:font script="Gujr" typeface="Shruti"/>
+        <a:font script="Khmr" typeface="DaunPenh"/>
+        <a:font script="Knda" typeface="Tunga"/>
+        <a:font script="Guru" typeface="Raavi"/>
+        <a:font script="Cans" typeface="Euphemia"/>
+        <a:font script="Cher" typeface="Plantagenet Cherokee"/>
+        <a:font script="Yiii" typeface="Microsoft Yi Baiti"/>
+        <a:font script="Tibt" typeface="Microsoft Himalaya"/>
+        <a:font script="Thaa" typeface="MV Boli"/>
+        <a:font script="Deva" typeface="Mangal"/>
+        <a:font script="Telu" typeface="Gautami"/>
+        <a:font script="Taml" typeface="Latha"/>
+        <a:font script="Syrc" typeface="Estrangelo Edessa"/>
+        <a:font script="Orya" typeface="Kalinga"/>
+        <a:font script="Mlym" typeface="Kartika"/>
+        <a:font script="Laoo" typeface="DokChampa"/>
+        <a:font script="Sinh" typeface="Iskoola Pota"/>
+        <a:font script="Mong" typeface="Mongolian Baiti"/>
+        <a:font script="Viet" typeface="Arial"/>
+        <a:font script="Uigh" typeface="Microsoft Uighur"/>
+        <a:font script="Geor" typeface="Sylfaen"/>
       </a:minorFont>
     </a:fontScheme>
-    <a:fmtScheme name="アーバン">
+    <a:fmtScheme name="レトロスペクト">
       <a:fillStyleLst>
         <a:solidFill>
           <a:schemeClr val="phClr"/>
@@ -7375,66 +7180,77 @@
           <a:gsLst>
             <a:gs pos="0">
               <a:schemeClr val="phClr">
-                <a:tint val="1000"/>
-                <a:satMod val="255000"/>
+                <a:tint val="65000"/>
+                <a:shade val="92000"/>
+                <a:satMod val="130000"/>
               </a:schemeClr>
             </a:gs>
-            <a:gs pos="55000">
+            <a:gs pos="45000">
               <a:schemeClr val="phClr">
-                <a:tint val="12000"/>
-                <a:satMod val="255000"/>
+                <a:tint val="60000"/>
+                <a:shade val="99000"/>
+                <a:satMod val="120000"/>
               </a:schemeClr>
             </a:gs>
             <a:gs pos="100000">
               <a:schemeClr val="phClr">
-                <a:tint val="45000"/>
-                <a:satMod val="250000"/>
+                <a:tint val="55000"/>
+                <a:satMod val="140000"/>
               </a:schemeClr>
             </a:gs>
           </a:gsLst>
           <a:path path="circle">
-            <a:fillToRect l="-40000" t="-90000" r="140000" b="190000"/>
+            <a:fillToRect l="100000" t="100000" r="100000" b="100000"/>
           </a:path>
         </a:gradFill>
         <a:gradFill rotWithShape="1">
           <a:gsLst>
             <a:gs pos="0">
               <a:schemeClr val="phClr">
-                <a:tint val="43000"/>
-                <a:satMod val="165000"/>
+                <a:shade val="85000"/>
+                <a:satMod val="130000"/>
               </a:schemeClr>
             </a:gs>
-            <a:gs pos="55000">
+            <a:gs pos="34000">
               <a:schemeClr val="phClr">
-                <a:tint val="83000"/>
-                <a:satMod val="155000"/>
+                <a:shade val="87000"/>
+                <a:satMod val="125000"/>
+              </a:schemeClr>
+            </a:gs>
+            <a:gs pos="70000">
+              <a:schemeClr val="phClr">
+                <a:tint val="100000"/>
+                <a:shade val="90000"/>
+                <a:satMod val="130000"/>
               </a:schemeClr>
             </a:gs>
             <a:gs pos="100000">
               <a:schemeClr val="phClr">
-                <a:shade val="85000"/>
+                <a:tint val="100000"/>
+                <a:shade val="100000"/>
+                <a:satMod val="110000"/>
               </a:schemeClr>
             </a:gs>
           </a:gsLst>
           <a:path path="circle">
-            <a:fillToRect l="-40000" t="-90000" r="140000" b="190000"/>
+            <a:fillToRect l="100000" t="100000" r="100000" b="100000"/>
           </a:path>
         </a:gradFill>
       </a:fillStyleLst>
       <a:lnStyleLst>
-        <a:ln w="9525" cap="flat" cmpd="sng" algn="ctr">
+        <a:ln w="12700" cap="flat" cmpd="sng" algn="ctr">
           <a:solidFill>
             <a:schemeClr val="phClr"/>
           </a:solidFill>
           <a:prstDash val="solid"/>
         </a:ln>
-        <a:ln w="19050" cap="flat" cmpd="sng" algn="ctr">
+        <a:ln w="15875" cap="flat" cmpd="sng" algn="ctr">
           <a:solidFill>
             <a:schemeClr val="phClr"/>
           </a:solidFill>
           <a:prstDash val="solid"/>
         </a:ln>
-        <a:ln w="31750" cap="flat" cmpd="sng" algn="ctr">
+        <a:ln w="25400" cap="flat" cmpd="sng" algn="ctr">
           <a:solidFill>
             <a:schemeClr val="phClr"/>
           </a:solidFill>
@@ -7443,46 +7259,35 @@
       </a:lnStyleLst>
       <a:effectStyleLst>
         <a:effectStyle>
+          <a:effectLst/>
+        </a:effectStyle>
+        <a:effectStyle>
           <a:effectLst>
-            <a:outerShdw blurRad="51500" dist="25400" dir="5400000" rotWithShape="0">
+            <a:outerShdw blurRad="38100" dist="25400" dir="2700000" algn="br" rotWithShape="0">
               <a:srgbClr val="000000">
-                <a:alpha val="40000"/>
+                <a:alpha val="60000"/>
               </a:srgbClr>
             </a:outerShdw>
           </a:effectLst>
         </a:effectStyle>
         <a:effectStyle>
           <a:effectLst>
-            <a:outerShdw blurRad="50800" dist="25400" dir="5400000" rotWithShape="0">
+            <a:outerShdw blurRad="44450" dist="25400" dir="2700000" algn="br" rotWithShape="0">
               <a:srgbClr val="000000">
-                <a:alpha val="45000"/>
-              </a:srgbClr>
-            </a:outerShdw>
-          </a:effectLst>
-        </a:effectStyle>
-        <a:effectStyle>
-          <a:effectLst>
-            <a:outerShdw blurRad="50800" dist="25400" dir="5400000" rotWithShape="0">
-              <a:srgbClr val="000000">
-                <a:alpha val="45000"/>
+                <a:alpha val="60000"/>
               </a:srgbClr>
             </a:outerShdw>
           </a:effectLst>
           <a:scene3d>
-            <a:camera prst="orthographicFront" fov="0">
+            <a:camera prst="orthographicFront">
               <a:rot lat="0" lon="0" rev="0"/>
             </a:camera>
-            <a:lightRig rig="flat" dir="t">
-              <a:rot lat="0" lon="0" rev="20040000"/>
+            <a:lightRig rig="threePt" dir="t">
+              <a:rot lat="0" lon="0" rev="19800000"/>
             </a:lightRig>
           </a:scene3d>
-          <a:sp3d contourW="12700" prstMaterial="dkEdge">
-            <a:bevelT w="25400" h="38100" prst="convex"/>
-            <a:contourClr>
-              <a:schemeClr val="phClr">
-                <a:satMod val="115000"/>
-              </a:schemeClr>
-            </a:contourClr>
+          <a:sp3d prstMaterial="flat">
+            <a:bevelT w="25400" h="31750"/>
           </a:sp3d>
         </a:effectStyle>
       </a:effectStyleLst>
@@ -7490,48 +7295,49 @@
         <a:solidFill>
           <a:schemeClr val="phClr"/>
         </a:solidFill>
+        <a:solidFill>
+          <a:schemeClr val="phClr">
+            <a:tint val="90000"/>
+            <a:shade val="97000"/>
+            <a:satMod val="130000"/>
+          </a:schemeClr>
+        </a:solidFill>
         <a:gradFill rotWithShape="1">
           <a:gsLst>
+            <a:gs pos="0">
+              <a:schemeClr val="phClr">
+                <a:tint val="96000"/>
+                <a:shade val="99000"/>
+                <a:satMod val="140000"/>
+              </a:schemeClr>
+            </a:gs>
+            <a:gs pos="65000">
+              <a:schemeClr val="phClr">
+                <a:tint val="100000"/>
+                <a:shade val="80000"/>
+                <a:satMod val="130000"/>
+              </a:schemeClr>
+            </a:gs>
             <a:gs pos="100000">
               <a:schemeClr val="phClr">
-                <a:tint val="80000"/>
-                <a:satMod val="250000"/>
-              </a:schemeClr>
-            </a:gs>
-            <a:gs pos="60000">
-              <a:schemeClr val="phClr">
-                <a:shade val="38000"/>
-                <a:satMod val="175000"/>
-              </a:schemeClr>
-            </a:gs>
-            <a:gs pos="0">
-              <a:schemeClr val="phClr">
-                <a:shade val="30000"/>
-                <a:satMod val="175000"/>
+                <a:tint val="100000"/>
+                <a:shade val="48000"/>
+                <a:satMod val="120000"/>
               </a:schemeClr>
             </a:gs>
           </a:gsLst>
-          <a:lin ang="5400000" scaled="0"/>
+          <a:lin ang="16200000" scaled="0"/>
         </a:gradFill>
-        <a:blipFill>
-          <a:blip xmlns:r="http://schemas.openxmlformats.org/officeDocument/2006/relationships" r:embed="rId1">
-            <a:duotone>
-              <a:schemeClr val="phClr">
-                <a:shade val="48000"/>
-              </a:schemeClr>
-              <a:schemeClr val="phClr">
-                <a:tint val="96000"/>
-                <a:satMod val="150000"/>
-              </a:schemeClr>
-            </a:duotone>
-          </a:blip>
-          <a:tile tx="0" ty="0" sx="80000" sy="80000" flip="none" algn="tl"/>
-        </a:blipFill>
       </a:bgFillStyleLst>
     </a:fmtScheme>
   </a:themeElements>
   <a:objectDefaults/>
   <a:extraClrSchemeLst/>
+  <a:extLst>
+    <a:ext uri="{05A4C25C-085E-4340-85A3-A5531E510DB2}">
+      <thm15:themeFamily xmlns:thm15="http://schemas.microsoft.com/office/thememl/2012/main" name="Retrospect" id="{5F128B03-DCCA-4EEB-AB3B-CF2899314A46}" vid="{3F1AAB62-24C6-49D2-8E01-B56FAC9A3DCD}"/>
+    </a:ext>
+  </a:extLst>
 </a:theme>
 </file>
 

--- a/shimoyama/サンプル.pptx
+++ b/shimoyama/サンプル.pptx
@@ -4567,18 +4567,33 @@
           </a:xfrm>
         </p:spPr>
         <p:txBody>
-          <a:bodyPr/>
-          <a:lstStyle/>
-          <a:p>
-            <a:r>
-              <a:rPr lang="ja-JP" altLang="en-US" dirty="0" smtClean="0"/>
-              <a:t>株式会社　</a:t>
-            </a:r>
-            <a:r>
-              <a:rPr lang="en-US" altLang="ja-JP" dirty="0" smtClean="0"/>
-              <a:t>JCN</a:t>
-            </a:r>
-            <a:endParaRPr kumimoji="1" lang="ja-JP" altLang="en-US" dirty="0"/>
+          <a:bodyPr>
+            <a:normAutofit/>
+          </a:bodyPr>
+          <a:lstStyle/>
+          <a:p>
+            <a:pPr algn="ctr"/>
+            <a:r>
+              <a:rPr kumimoji="1" lang="en-US" altLang="ja-JP" sz="7200" dirty="0" smtClean="0">
+                <a:latin typeface="メイリオ" panose="020B0604030504040204" pitchFamily="50" charset="-128"/>
+                <a:ea typeface="メイリオ" panose="020B0604030504040204" pitchFamily="50" charset="-128"/>
+                <a:cs typeface="メイリオ" panose="020B0604030504040204" pitchFamily="50" charset="-128"/>
+              </a:rPr>
+              <a:t>Java</a:t>
+            </a:r>
+            <a:r>
+              <a:rPr kumimoji="1" lang="ja-JP" altLang="en-US" sz="7200" dirty="0" smtClean="0">
+                <a:latin typeface="メイリオ" panose="020B0604030504040204" pitchFamily="50" charset="-128"/>
+                <a:ea typeface="メイリオ" panose="020B0604030504040204" pitchFamily="50" charset="-128"/>
+                <a:cs typeface="メイリオ" panose="020B0604030504040204" pitchFamily="50" charset="-128"/>
+              </a:rPr>
+              <a:t>研修成果発表</a:t>
+            </a:r>
+            <a:endParaRPr kumimoji="1" lang="ja-JP" altLang="en-US" sz="7200" dirty="0">
+              <a:latin typeface="メイリオ" panose="020B0604030504040204" pitchFamily="50" charset="-128"/>
+              <a:ea typeface="メイリオ" panose="020B0604030504040204" pitchFamily="50" charset="-128"/>
+              <a:cs typeface="メイリオ" panose="020B0604030504040204" pitchFamily="50" charset="-128"/>
+            </a:endParaRPr>
           </a:p>
         </p:txBody>
       </p:sp>
